--- a/Unidad3/UD 03.3 XPath.pptx
+++ b/Unidad3/UD 03.3 XPath.pptx
@@ -24,6 +24,29 @@
     <p:sldId id="272" r:id="rId18"/>
     <p:sldId id="273" r:id="rId19"/>
     <p:sldId id="274" r:id="rId20"/>
+    <p:sldId id="275" r:id="rId21"/>
+    <p:sldId id="276" r:id="rId22"/>
+    <p:sldId id="277" r:id="rId23"/>
+    <p:sldId id="278" r:id="rId24"/>
+    <p:sldId id="279" r:id="rId25"/>
+    <p:sldId id="280" r:id="rId26"/>
+    <p:sldId id="281" r:id="rId27"/>
+    <p:sldId id="282" r:id="rId28"/>
+    <p:sldId id="283" r:id="rId29"/>
+    <p:sldId id="284" r:id="rId30"/>
+    <p:sldId id="285" r:id="rId31"/>
+    <p:sldId id="286" r:id="rId32"/>
+    <p:sldId id="287" r:id="rId33"/>
+    <p:sldId id="288" r:id="rId34"/>
+    <p:sldId id="289" r:id="rId35"/>
+    <p:sldId id="290" r:id="rId36"/>
+    <p:sldId id="291" r:id="rId37"/>
+    <p:sldId id="292" r:id="rId38"/>
+    <p:sldId id="295" r:id="rId39"/>
+    <p:sldId id="293" r:id="rId40"/>
+    <p:sldId id="294" r:id="rId41"/>
+    <p:sldId id="296" r:id="rId42"/>
+    <p:sldId id="297" r:id="rId43"/>
   </p:sldIdLst>
   <p:sldSz cx="12192000" cy="6858000"/>
   <p:notesSz cx="6858000" cy="9144000"/>
@@ -146,6 +169,29 @@
             <p14:sldId id="272"/>
             <p14:sldId id="273"/>
             <p14:sldId id="274"/>
+            <p14:sldId id="275"/>
+            <p14:sldId id="276"/>
+            <p14:sldId id="277"/>
+            <p14:sldId id="278"/>
+            <p14:sldId id="279"/>
+            <p14:sldId id="280"/>
+            <p14:sldId id="281"/>
+            <p14:sldId id="282"/>
+            <p14:sldId id="283"/>
+            <p14:sldId id="284"/>
+            <p14:sldId id="285"/>
+            <p14:sldId id="286"/>
+            <p14:sldId id="287"/>
+            <p14:sldId id="288"/>
+            <p14:sldId id="289"/>
+            <p14:sldId id="290"/>
+            <p14:sldId id="291"/>
+            <p14:sldId id="292"/>
+            <p14:sldId id="295"/>
+            <p14:sldId id="293"/>
+            <p14:sldId id="294"/>
+            <p14:sldId id="296"/>
+            <p14:sldId id="297"/>
           </p14:sldIdLst>
         </p14:section>
       </p14:sectionLst>
@@ -1420,6 +1466,13 @@
         </dgm:presLayoutVars>
       </dgm:prSet>
       <dgm:spPr/>
+      <dgm:t>
+        <a:bodyPr/>
+        <a:lstStyle/>
+        <a:p>
+          <a:endParaRPr lang="es-ES"/>
+        </a:p>
+      </dgm:t>
     </dgm:pt>
     <dgm:pt modelId="{FD59B736-4D95-4C5F-B759-DE453A036181}" type="pres">
       <dgm:prSet presAssocID="{27C13B01-5FAC-455B-93BE-7A269E94AFAF}" presName="hierRoot1" presStyleCnt="0"/>
@@ -1440,6 +1493,13 @@
         </dgm:presLayoutVars>
       </dgm:prSet>
       <dgm:spPr/>
+      <dgm:t>
+        <a:bodyPr/>
+        <a:lstStyle/>
+        <a:p>
+          <a:endParaRPr lang="es-ES"/>
+        </a:p>
+      </dgm:t>
     </dgm:pt>
     <dgm:pt modelId="{96F2AEC3-8B8F-471A-872F-9E7D7326450F}" type="pres">
       <dgm:prSet presAssocID="{27C13B01-5FAC-455B-93BE-7A269E94AFAF}" presName="hierChild2" presStyleCnt="0"/>
@@ -1448,6 +1508,13 @@
     <dgm:pt modelId="{CBC98493-4FDE-46D7-810C-C14381D4C637}" type="pres">
       <dgm:prSet presAssocID="{9B0ED32A-9232-432E-B4C8-CAA5FD412282}" presName="Name10" presStyleLbl="parChTrans1D2" presStyleIdx="0" presStyleCnt="3"/>
       <dgm:spPr/>
+      <dgm:t>
+        <a:bodyPr/>
+        <a:lstStyle/>
+        <a:p>
+          <a:endParaRPr lang="es-ES"/>
+        </a:p>
+      </dgm:t>
     </dgm:pt>
     <dgm:pt modelId="{30DC1720-3CE7-476E-BEBB-9E0D62967947}" type="pres">
       <dgm:prSet presAssocID="{339F043E-FCB1-4A53-BB24-F7C0DA600376}" presName="hierRoot2" presStyleCnt="0"/>
@@ -1468,6 +1535,13 @@
         </dgm:presLayoutVars>
       </dgm:prSet>
       <dgm:spPr/>
+      <dgm:t>
+        <a:bodyPr/>
+        <a:lstStyle/>
+        <a:p>
+          <a:endParaRPr lang="es-ES"/>
+        </a:p>
+      </dgm:t>
     </dgm:pt>
     <dgm:pt modelId="{CFDCD545-9693-40DA-9E39-CA1E0A365DE3}" type="pres">
       <dgm:prSet presAssocID="{339F043E-FCB1-4A53-BB24-F7C0DA600376}" presName="hierChild3" presStyleCnt="0"/>
@@ -1476,6 +1550,13 @@
     <dgm:pt modelId="{DDA6752D-1A1C-4E2C-9950-A62CDBE91BD7}" type="pres">
       <dgm:prSet presAssocID="{922ED9ED-D8D6-4D4C-91BD-0586150EFCB5}" presName="Name17" presStyleLbl="parChTrans1D3" presStyleIdx="0" presStyleCnt="5"/>
       <dgm:spPr/>
+      <dgm:t>
+        <a:bodyPr/>
+        <a:lstStyle/>
+        <a:p>
+          <a:endParaRPr lang="es-ES"/>
+        </a:p>
+      </dgm:t>
     </dgm:pt>
     <dgm:pt modelId="{D3083561-AD4E-4322-8C7D-1A3CC14CC255}" type="pres">
       <dgm:prSet presAssocID="{6FCBFDE9-86C8-4A43-B8F2-5E6EBD0B702A}" presName="hierRoot3" presStyleCnt="0"/>
@@ -1496,6 +1577,13 @@
         </dgm:presLayoutVars>
       </dgm:prSet>
       <dgm:spPr/>
+      <dgm:t>
+        <a:bodyPr/>
+        <a:lstStyle/>
+        <a:p>
+          <a:endParaRPr lang="es-ES"/>
+        </a:p>
+      </dgm:t>
     </dgm:pt>
     <dgm:pt modelId="{2D0B5B88-89AE-45CA-9814-8CD04BF2C797}" type="pres">
       <dgm:prSet presAssocID="{6FCBFDE9-86C8-4A43-B8F2-5E6EBD0B702A}" presName="hierChild4" presStyleCnt="0"/>
@@ -1504,6 +1592,13 @@
     <dgm:pt modelId="{93AD0668-ECA1-48FA-907B-9EF323082B36}" type="pres">
       <dgm:prSet presAssocID="{DD714695-6EA2-4AAB-B894-3D57DE707808}" presName="Name17" presStyleLbl="parChTrans1D3" presStyleIdx="1" presStyleCnt="5"/>
       <dgm:spPr/>
+      <dgm:t>
+        <a:bodyPr/>
+        <a:lstStyle/>
+        <a:p>
+          <a:endParaRPr lang="es-ES"/>
+        </a:p>
+      </dgm:t>
     </dgm:pt>
     <dgm:pt modelId="{C90EC611-AD77-45A0-A620-1E3A8F9A129F}" type="pres">
       <dgm:prSet presAssocID="{6615E033-FB56-4717-AE06-A83765B27235}" presName="hierRoot3" presStyleCnt="0"/>
@@ -1524,6 +1619,13 @@
         </dgm:presLayoutVars>
       </dgm:prSet>
       <dgm:spPr/>
+      <dgm:t>
+        <a:bodyPr/>
+        <a:lstStyle/>
+        <a:p>
+          <a:endParaRPr lang="es-ES"/>
+        </a:p>
+      </dgm:t>
     </dgm:pt>
     <dgm:pt modelId="{D8CF42B7-D158-4CF3-A506-9224B3DA6F6C}" type="pres">
       <dgm:prSet presAssocID="{6615E033-FB56-4717-AE06-A83765B27235}" presName="hierChild4" presStyleCnt="0"/>
@@ -1532,6 +1634,13 @@
     <dgm:pt modelId="{DE3D3005-5A1D-4429-B5D6-CE033A097313}" type="pres">
       <dgm:prSet presAssocID="{4B0690CE-DDAB-48DD-8ADB-7FCC55980C59}" presName="Name17" presStyleLbl="parChTrans1D3" presStyleIdx="2" presStyleCnt="5"/>
       <dgm:spPr/>
+      <dgm:t>
+        <a:bodyPr/>
+        <a:lstStyle/>
+        <a:p>
+          <a:endParaRPr lang="es-ES"/>
+        </a:p>
+      </dgm:t>
     </dgm:pt>
     <dgm:pt modelId="{59A2954A-C6E0-4FA6-8ABE-BCAB4548C8F3}" type="pres">
       <dgm:prSet presAssocID="{61E40118-51A9-45FB-A026-9127C5489ACA}" presName="hierRoot3" presStyleCnt="0"/>
@@ -1552,6 +1661,13 @@
         </dgm:presLayoutVars>
       </dgm:prSet>
       <dgm:spPr/>
+      <dgm:t>
+        <a:bodyPr/>
+        <a:lstStyle/>
+        <a:p>
+          <a:endParaRPr lang="es-ES"/>
+        </a:p>
+      </dgm:t>
     </dgm:pt>
     <dgm:pt modelId="{D56E9701-B21C-4609-9EE2-916A3BAB2F68}" type="pres">
       <dgm:prSet presAssocID="{61E40118-51A9-45FB-A026-9127C5489ACA}" presName="hierChild4" presStyleCnt="0"/>
@@ -1560,6 +1676,13 @@
     <dgm:pt modelId="{E3B4A1E7-6A80-4C50-AEF2-4166F12811C6}" type="pres">
       <dgm:prSet presAssocID="{5201DA32-E713-48CD-BD78-5727BD27EF53}" presName="Name10" presStyleLbl="parChTrans1D2" presStyleIdx="1" presStyleCnt="3"/>
       <dgm:spPr/>
+      <dgm:t>
+        <a:bodyPr/>
+        <a:lstStyle/>
+        <a:p>
+          <a:endParaRPr lang="es-ES"/>
+        </a:p>
+      </dgm:t>
     </dgm:pt>
     <dgm:pt modelId="{C004A77E-10CA-4CA4-9B39-6D3B22BDE80A}" type="pres">
       <dgm:prSet presAssocID="{025673E3-BE66-47F3-825B-780ED89C4E1C}" presName="hierRoot2" presStyleCnt="0"/>
@@ -1580,6 +1703,13 @@
         </dgm:presLayoutVars>
       </dgm:prSet>
       <dgm:spPr/>
+      <dgm:t>
+        <a:bodyPr/>
+        <a:lstStyle/>
+        <a:p>
+          <a:endParaRPr lang="es-ES"/>
+        </a:p>
+      </dgm:t>
     </dgm:pt>
     <dgm:pt modelId="{1307767A-412C-4A27-98BB-0FC0BA2B72EE}" type="pres">
       <dgm:prSet presAssocID="{025673E3-BE66-47F3-825B-780ED89C4E1C}" presName="hierChild3" presStyleCnt="0"/>
@@ -1588,6 +1718,13 @@
     <dgm:pt modelId="{6F7A575E-A18E-42A6-A699-383DC44A99EC}" type="pres">
       <dgm:prSet presAssocID="{DCF6042A-8A2A-444F-B8F1-EBBD0A2037F4}" presName="Name17" presStyleLbl="parChTrans1D3" presStyleIdx="3" presStyleCnt="5"/>
       <dgm:spPr/>
+      <dgm:t>
+        <a:bodyPr/>
+        <a:lstStyle/>
+        <a:p>
+          <a:endParaRPr lang="es-ES"/>
+        </a:p>
+      </dgm:t>
     </dgm:pt>
     <dgm:pt modelId="{573484B9-48DD-4999-A80C-D84D52A81156}" type="pres">
       <dgm:prSet presAssocID="{454B94C4-4D18-42FF-8A26-A85BB2903F33}" presName="hierRoot3" presStyleCnt="0"/>
@@ -1608,6 +1745,13 @@
         </dgm:presLayoutVars>
       </dgm:prSet>
       <dgm:spPr/>
+      <dgm:t>
+        <a:bodyPr/>
+        <a:lstStyle/>
+        <a:p>
+          <a:endParaRPr lang="es-ES"/>
+        </a:p>
+      </dgm:t>
     </dgm:pt>
     <dgm:pt modelId="{A320A2C6-6880-4EA9-A5A4-5144DF0EC15F}" type="pres">
       <dgm:prSet presAssocID="{454B94C4-4D18-42FF-8A26-A85BB2903F33}" presName="hierChild4" presStyleCnt="0"/>
@@ -1616,6 +1760,13 @@
     <dgm:pt modelId="{EA1C6936-2511-4A11-BFBF-E3BD9F2DC2DE}" type="pres">
       <dgm:prSet presAssocID="{F304D26A-90B1-472B-B37D-517B4398B075}" presName="Name23" presStyleLbl="parChTrans1D4" presStyleIdx="0" presStyleCnt="4"/>
       <dgm:spPr/>
+      <dgm:t>
+        <a:bodyPr/>
+        <a:lstStyle/>
+        <a:p>
+          <a:endParaRPr lang="es-ES"/>
+        </a:p>
+      </dgm:t>
     </dgm:pt>
     <dgm:pt modelId="{B3B93860-D18D-4F66-9461-8EDED663B11A}" type="pres">
       <dgm:prSet presAssocID="{34516F1E-2D78-4C18-87ED-7143B5A8713F}" presName="hierRoot4" presStyleCnt="0"/>
@@ -1636,6 +1787,13 @@
         </dgm:presLayoutVars>
       </dgm:prSet>
       <dgm:spPr/>
+      <dgm:t>
+        <a:bodyPr/>
+        <a:lstStyle/>
+        <a:p>
+          <a:endParaRPr lang="es-ES"/>
+        </a:p>
+      </dgm:t>
     </dgm:pt>
     <dgm:pt modelId="{0951AF26-6029-4A39-944C-C13EB18616DF}" type="pres">
       <dgm:prSet presAssocID="{34516F1E-2D78-4C18-87ED-7143B5A8713F}" presName="hierChild5" presStyleCnt="0"/>
@@ -1644,6 +1802,13 @@
     <dgm:pt modelId="{6BBB9560-91E6-4938-846E-813D3AFEF0A9}" type="pres">
       <dgm:prSet presAssocID="{EA5BB7FA-4BF6-4FE2-9926-A8D7F3516EA2}" presName="Name23" presStyleLbl="parChTrans1D4" presStyleIdx="1" presStyleCnt="4"/>
       <dgm:spPr/>
+      <dgm:t>
+        <a:bodyPr/>
+        <a:lstStyle/>
+        <a:p>
+          <a:endParaRPr lang="es-ES"/>
+        </a:p>
+      </dgm:t>
     </dgm:pt>
     <dgm:pt modelId="{19E411DF-6D3A-49C1-90D3-6E7EFA7C1F8C}" type="pres">
       <dgm:prSet presAssocID="{886DBFB4-81B7-46A1-9403-4B25AA099DB4}" presName="hierRoot4" presStyleCnt="0"/>
@@ -1664,6 +1829,13 @@
         </dgm:presLayoutVars>
       </dgm:prSet>
       <dgm:spPr/>
+      <dgm:t>
+        <a:bodyPr/>
+        <a:lstStyle/>
+        <a:p>
+          <a:endParaRPr lang="es-ES"/>
+        </a:p>
+      </dgm:t>
     </dgm:pt>
     <dgm:pt modelId="{6BAF868C-A340-4FAD-8AB9-A3FA1FE3388A}" type="pres">
       <dgm:prSet presAssocID="{886DBFB4-81B7-46A1-9403-4B25AA099DB4}" presName="hierChild5" presStyleCnt="0"/>
@@ -1672,6 +1844,13 @@
     <dgm:pt modelId="{5B83366F-AE3F-43A1-8AF8-F9355CB5E5C5}" type="pres">
       <dgm:prSet presAssocID="{892C875E-B0EE-40C8-B377-798AD51CD2E9}" presName="Name17" presStyleLbl="parChTrans1D3" presStyleIdx="4" presStyleCnt="5"/>
       <dgm:spPr/>
+      <dgm:t>
+        <a:bodyPr/>
+        <a:lstStyle/>
+        <a:p>
+          <a:endParaRPr lang="es-ES"/>
+        </a:p>
+      </dgm:t>
     </dgm:pt>
     <dgm:pt modelId="{0EB5FABF-8149-44EC-A500-4D5ABCF2D159}" type="pres">
       <dgm:prSet presAssocID="{433D6AB2-5F1A-432B-8878-C00BB157CDA5}" presName="hierRoot3" presStyleCnt="0"/>
@@ -1692,6 +1871,13 @@
         </dgm:presLayoutVars>
       </dgm:prSet>
       <dgm:spPr/>
+      <dgm:t>
+        <a:bodyPr/>
+        <a:lstStyle/>
+        <a:p>
+          <a:endParaRPr lang="es-ES"/>
+        </a:p>
+      </dgm:t>
     </dgm:pt>
     <dgm:pt modelId="{0A12534C-12BC-4F2A-84D9-3E24055073C3}" type="pres">
       <dgm:prSet presAssocID="{433D6AB2-5F1A-432B-8878-C00BB157CDA5}" presName="hierChild4" presStyleCnt="0"/>
@@ -1700,6 +1886,13 @@
     <dgm:pt modelId="{2FB859D4-3348-4ED2-8761-53F37F138382}" type="pres">
       <dgm:prSet presAssocID="{C5C0D33F-242F-4FD6-8790-0AFBF95C1E53}" presName="Name23" presStyleLbl="parChTrans1D4" presStyleIdx="2" presStyleCnt="4"/>
       <dgm:spPr/>
+      <dgm:t>
+        <a:bodyPr/>
+        <a:lstStyle/>
+        <a:p>
+          <a:endParaRPr lang="es-ES"/>
+        </a:p>
+      </dgm:t>
     </dgm:pt>
     <dgm:pt modelId="{1ED61FCE-FC57-40BE-A51A-26F9357F8A97}" type="pres">
       <dgm:prSet presAssocID="{1798295E-4831-4497-9303-79DD34F741F9}" presName="hierRoot4" presStyleCnt="0"/>
@@ -1720,6 +1913,13 @@
         </dgm:presLayoutVars>
       </dgm:prSet>
       <dgm:spPr/>
+      <dgm:t>
+        <a:bodyPr/>
+        <a:lstStyle/>
+        <a:p>
+          <a:endParaRPr lang="es-ES"/>
+        </a:p>
+      </dgm:t>
     </dgm:pt>
     <dgm:pt modelId="{40DD6D04-470D-4294-899F-19D189B45204}" type="pres">
       <dgm:prSet presAssocID="{1798295E-4831-4497-9303-79DD34F741F9}" presName="hierChild5" presStyleCnt="0"/>
@@ -1728,6 +1928,13 @@
     <dgm:pt modelId="{C8BB6D5E-618D-410B-829A-C2F31CCAC293}" type="pres">
       <dgm:prSet presAssocID="{CE40ED7E-796C-4254-93F7-37EC1D0145C5}" presName="Name23" presStyleLbl="parChTrans1D4" presStyleIdx="3" presStyleCnt="4"/>
       <dgm:spPr/>
+      <dgm:t>
+        <a:bodyPr/>
+        <a:lstStyle/>
+        <a:p>
+          <a:endParaRPr lang="es-ES"/>
+        </a:p>
+      </dgm:t>
     </dgm:pt>
     <dgm:pt modelId="{C954F4EB-5F44-4DD3-A94A-43D1B08CCC15}" type="pres">
       <dgm:prSet presAssocID="{6F734B69-3B09-4342-9B67-E4145CB41363}" presName="hierRoot4" presStyleCnt="0"/>
@@ -1748,6 +1955,13 @@
         </dgm:presLayoutVars>
       </dgm:prSet>
       <dgm:spPr/>
+      <dgm:t>
+        <a:bodyPr/>
+        <a:lstStyle/>
+        <a:p>
+          <a:endParaRPr lang="es-ES"/>
+        </a:p>
+      </dgm:t>
     </dgm:pt>
     <dgm:pt modelId="{EBACE82D-5299-4F2F-8BFB-CE790BE92CCD}" type="pres">
       <dgm:prSet presAssocID="{6F734B69-3B09-4342-9B67-E4145CB41363}" presName="hierChild5" presStyleCnt="0"/>
@@ -1756,6 +1970,13 @@
     <dgm:pt modelId="{123C18CB-8FE4-4ED6-BD1B-C45EB892B4F8}" type="pres">
       <dgm:prSet presAssocID="{A51D3764-3CB2-4E73-BC58-2B8827B6B993}" presName="Name10" presStyleLbl="parChTrans1D2" presStyleIdx="2" presStyleCnt="3"/>
       <dgm:spPr/>
+      <dgm:t>
+        <a:bodyPr/>
+        <a:lstStyle/>
+        <a:p>
+          <a:endParaRPr lang="es-ES"/>
+        </a:p>
+      </dgm:t>
     </dgm:pt>
     <dgm:pt modelId="{C20113B3-F75F-4B0E-9EFA-FDF5FF96D042}" type="pres">
       <dgm:prSet presAssocID="{D9F6E9D3-5F17-4317-9333-FD6DC5F9C478}" presName="hierRoot2" presStyleCnt="0"/>
@@ -1776,6 +1997,13 @@
         </dgm:presLayoutVars>
       </dgm:prSet>
       <dgm:spPr/>
+      <dgm:t>
+        <a:bodyPr/>
+        <a:lstStyle/>
+        <a:p>
+          <a:endParaRPr lang="es-ES"/>
+        </a:p>
+      </dgm:t>
     </dgm:pt>
     <dgm:pt modelId="{BC708D3E-068F-464C-899D-AA024ED70F31}" type="pres">
       <dgm:prSet presAssocID="{D9F6E9D3-5F17-4317-9333-FD6DC5F9C478}" presName="hierChild3" presStyleCnt="0"/>
@@ -1784,44 +2012,44 @@
   </dgm:ptLst>
   <dgm:cxnLst>
     <dgm:cxn modelId="{060FD702-D797-4AF7-BEED-1371B813D3A1}" srcId="{433D6AB2-5F1A-432B-8878-C00BB157CDA5}" destId="{6F734B69-3B09-4342-9B67-E4145CB41363}" srcOrd="1" destOrd="0" parTransId="{CE40ED7E-796C-4254-93F7-37EC1D0145C5}" sibTransId="{6C6B51FE-86A3-4456-A1AC-C12EA87D9864}"/>
+    <dgm:cxn modelId="{9DE40526-60DA-4C0C-9ECA-AF600265B199}" srcId="{339F043E-FCB1-4A53-BB24-F7C0DA600376}" destId="{61E40118-51A9-45FB-A026-9127C5489ACA}" srcOrd="2" destOrd="0" parTransId="{4B0690CE-DDAB-48DD-8ADB-7FCC55980C59}" sibTransId="{3ABB76B5-341D-4CFB-80A7-874BCB48836A}"/>
+    <dgm:cxn modelId="{DCC77938-2D3C-4F3C-81EC-5ED2E818BFA4}" srcId="{339F043E-FCB1-4A53-BB24-F7C0DA600376}" destId="{6FCBFDE9-86C8-4A43-B8F2-5E6EBD0B702A}" srcOrd="0" destOrd="0" parTransId="{922ED9ED-D8D6-4D4C-91BD-0586150EFCB5}" sibTransId="{4991FC38-400D-4ECB-A758-A1A137965D00}"/>
+    <dgm:cxn modelId="{0ECAC174-D846-4ED7-B1CB-BB72282AD1A9}" type="presOf" srcId="{1798295E-4831-4497-9303-79DD34F741F9}" destId="{EA60882E-0D01-49F3-9875-3C0FB8FED54C}" srcOrd="0" destOrd="0" presId="urn:microsoft.com/office/officeart/2005/8/layout/hierarchy1"/>
+    <dgm:cxn modelId="{EC940383-E25F-4358-9497-A457C0A81C5A}" type="presOf" srcId="{886DBFB4-81B7-46A1-9403-4B25AA099DB4}" destId="{C3BF43CA-77AA-468C-82E8-D9048D71019C}" srcOrd="0" destOrd="0" presId="urn:microsoft.com/office/officeart/2005/8/layout/hierarchy1"/>
+    <dgm:cxn modelId="{031CD5DF-860F-4975-A8B6-E29AB892F0EF}" type="presOf" srcId="{27C13B01-5FAC-455B-93BE-7A269E94AFAF}" destId="{0CED9522-BA3A-4DC8-97C2-9A7C05112C91}" srcOrd="0" destOrd="0" presId="urn:microsoft.com/office/officeart/2005/8/layout/hierarchy1"/>
+    <dgm:cxn modelId="{DED11D4A-6A31-45C9-83C7-18300E59A7F4}" srcId="{454B94C4-4D18-42FF-8A26-A85BB2903F33}" destId="{34516F1E-2D78-4C18-87ED-7143B5A8713F}" srcOrd="0" destOrd="0" parTransId="{F304D26A-90B1-472B-B37D-517B4398B075}" sibTransId="{93AC89DC-F64D-47F3-8D6B-0BA44316FDC0}"/>
+    <dgm:cxn modelId="{1AB6C1D8-EE9B-4A6A-8874-058C4BE2A273}" type="presOf" srcId="{025673E3-BE66-47F3-825B-780ED89C4E1C}" destId="{FD427989-F9A3-4F94-B169-747865179B7C}" srcOrd="0" destOrd="0" presId="urn:microsoft.com/office/officeart/2005/8/layout/hierarchy1"/>
+    <dgm:cxn modelId="{AFCC1424-1901-4EAF-B5B6-161C6C667A2E}" type="presOf" srcId="{34516F1E-2D78-4C18-87ED-7143B5A8713F}" destId="{8452375A-8193-426E-8BBF-1EDC35013D34}" srcOrd="0" destOrd="0" presId="urn:microsoft.com/office/officeart/2005/8/layout/hierarchy1"/>
+    <dgm:cxn modelId="{629635A9-0A75-4D39-8A24-D6643EFBAAF7}" type="presOf" srcId="{9B0ED32A-9232-432E-B4C8-CAA5FD412282}" destId="{CBC98493-4FDE-46D7-810C-C14381D4C637}" srcOrd="0" destOrd="0" presId="urn:microsoft.com/office/officeart/2005/8/layout/hierarchy1"/>
+    <dgm:cxn modelId="{86BC73E3-927F-442B-9BF9-EEC656F5CA49}" type="presOf" srcId="{C5C0D33F-242F-4FD6-8790-0AFBF95C1E53}" destId="{2FB859D4-3348-4ED2-8761-53F37F138382}" srcOrd="0" destOrd="0" presId="urn:microsoft.com/office/officeart/2005/8/layout/hierarchy1"/>
+    <dgm:cxn modelId="{7F962A54-1706-40EB-8127-B7AB331D8E53}" type="presOf" srcId="{A51D3764-3CB2-4E73-BC58-2B8827B6B993}" destId="{123C18CB-8FE4-4ED6-BD1B-C45EB892B4F8}" srcOrd="0" destOrd="0" presId="urn:microsoft.com/office/officeart/2005/8/layout/hierarchy1"/>
+    <dgm:cxn modelId="{3034D6B0-66F3-470F-A847-E82EFF028B80}" srcId="{339F043E-FCB1-4A53-BB24-F7C0DA600376}" destId="{6615E033-FB56-4717-AE06-A83765B27235}" srcOrd="1" destOrd="0" parTransId="{DD714695-6EA2-4AAB-B894-3D57DE707808}" sibTransId="{648F7654-63E7-4CBA-8804-2A56B137C488}"/>
+    <dgm:cxn modelId="{827DEEE4-E694-4C5B-86AF-2F60679326E1}" type="presOf" srcId="{6F734B69-3B09-4342-9B67-E4145CB41363}" destId="{BE2A2634-89F8-4E41-B223-AA814DA647D9}" srcOrd="0" destOrd="0" presId="urn:microsoft.com/office/officeart/2005/8/layout/hierarchy1"/>
+    <dgm:cxn modelId="{5969A555-2306-4B72-BE3E-D279BB4B0173}" srcId="{27C13B01-5FAC-455B-93BE-7A269E94AFAF}" destId="{025673E3-BE66-47F3-825B-780ED89C4E1C}" srcOrd="1" destOrd="0" parTransId="{5201DA32-E713-48CD-BD78-5727BD27EF53}" sibTransId="{54EFB8E5-0A90-481B-91CC-6213795A6138}"/>
+    <dgm:cxn modelId="{18D450FB-25B8-40AF-A204-2E6F68D1492B}" type="presOf" srcId="{CE40ED7E-796C-4254-93F7-37EC1D0145C5}" destId="{C8BB6D5E-618D-410B-829A-C2F31CCAC293}" srcOrd="0" destOrd="0" presId="urn:microsoft.com/office/officeart/2005/8/layout/hierarchy1"/>
+    <dgm:cxn modelId="{C5EE7763-CA95-4F43-A7D1-235B8138AE5C}" type="presOf" srcId="{892C875E-B0EE-40C8-B377-798AD51CD2E9}" destId="{5B83366F-AE3F-43A1-8AF8-F9355CB5E5C5}" srcOrd="0" destOrd="0" presId="urn:microsoft.com/office/officeart/2005/8/layout/hierarchy1"/>
+    <dgm:cxn modelId="{C15D6018-BF26-4240-A7BE-2AD1F681FB06}" type="presOf" srcId="{922ED9ED-D8D6-4D4C-91BD-0586150EFCB5}" destId="{DDA6752D-1A1C-4E2C-9950-A62CDBE91BD7}" srcOrd="0" destOrd="0" presId="urn:microsoft.com/office/officeart/2005/8/layout/hierarchy1"/>
+    <dgm:cxn modelId="{BEAB2790-2258-468F-90F0-BD9DA5AFCBE3}" srcId="{56A875E3-7E3D-4DAF-9B94-33BBF2EBF671}" destId="{27C13B01-5FAC-455B-93BE-7A269E94AFAF}" srcOrd="0" destOrd="0" parTransId="{5B41FB2A-2922-4245-A8CB-46DC3612D8F8}" sibTransId="{376C7ED2-0E18-4BA6-AF2D-45626A00B8AE}"/>
+    <dgm:cxn modelId="{4024C47A-E1E7-4BD7-9D47-F5CF67614F62}" srcId="{454B94C4-4D18-42FF-8A26-A85BB2903F33}" destId="{886DBFB4-81B7-46A1-9403-4B25AA099DB4}" srcOrd="1" destOrd="0" parTransId="{EA5BB7FA-4BF6-4FE2-9926-A8D7F3516EA2}" sibTransId="{9D29564B-E00D-4470-9433-D30174D6D752}"/>
+    <dgm:cxn modelId="{6299324E-F231-471F-86FC-8A8AEC1A2425}" type="presOf" srcId="{6FCBFDE9-86C8-4A43-B8F2-5E6EBD0B702A}" destId="{EA68FFFB-3802-4492-BD58-3D8AAE8C4820}" srcOrd="0" destOrd="0" presId="urn:microsoft.com/office/officeart/2005/8/layout/hierarchy1"/>
+    <dgm:cxn modelId="{8A99D26A-BE64-4C47-91EE-A555C9214CEA}" type="presOf" srcId="{56A875E3-7E3D-4DAF-9B94-33BBF2EBF671}" destId="{F3BB58A1-DFD8-4E73-BD3B-F5F97AD4BC36}" srcOrd="0" destOrd="0" presId="urn:microsoft.com/office/officeart/2005/8/layout/hierarchy1"/>
+    <dgm:cxn modelId="{0887AA57-1DD6-428B-8AC7-AEAF80359126}" srcId="{27C13B01-5FAC-455B-93BE-7A269E94AFAF}" destId="{D9F6E9D3-5F17-4317-9333-FD6DC5F9C478}" srcOrd="2" destOrd="0" parTransId="{A51D3764-3CB2-4E73-BC58-2B8827B6B993}" sibTransId="{6BF66940-8947-4ABE-BCED-9070945A8583}"/>
+    <dgm:cxn modelId="{0EE99CFD-FE8D-4FB1-8ADB-CCBB8028142F}" type="presOf" srcId="{D9F6E9D3-5F17-4317-9333-FD6DC5F9C478}" destId="{269003D1-F77A-4F41-9C7D-1C57466D4C98}" srcOrd="0" destOrd="0" presId="urn:microsoft.com/office/officeart/2005/8/layout/hierarchy1"/>
+    <dgm:cxn modelId="{73002DE9-BF12-4313-BC57-96CED4A001D8}" type="presOf" srcId="{61E40118-51A9-45FB-A026-9127C5489ACA}" destId="{89BEEEE6-2A5A-4073-8EE5-13ACE7078CF3}" srcOrd="0" destOrd="0" presId="urn:microsoft.com/office/officeart/2005/8/layout/hierarchy1"/>
+    <dgm:cxn modelId="{BB5486D6-10B5-45BC-88C1-6BC35BF8637F}" type="presOf" srcId="{EA5BB7FA-4BF6-4FE2-9926-A8D7F3516EA2}" destId="{6BBB9560-91E6-4938-846E-813D3AFEF0A9}" srcOrd="0" destOrd="0" presId="urn:microsoft.com/office/officeart/2005/8/layout/hierarchy1"/>
+    <dgm:cxn modelId="{88E280F8-869D-456A-95E8-D6215DFDE8E5}" type="presOf" srcId="{5201DA32-E713-48CD-BD78-5727BD27EF53}" destId="{E3B4A1E7-6A80-4C50-AEF2-4166F12811C6}" srcOrd="0" destOrd="0" presId="urn:microsoft.com/office/officeart/2005/8/layout/hierarchy1"/>
+    <dgm:cxn modelId="{2264658E-3130-4361-A9F6-E5611AF9184C}" type="presOf" srcId="{4B0690CE-DDAB-48DD-8ADB-7FCC55980C59}" destId="{DE3D3005-5A1D-4429-B5D6-CE033A097313}" srcOrd="0" destOrd="0" presId="urn:microsoft.com/office/officeart/2005/8/layout/hierarchy1"/>
+    <dgm:cxn modelId="{2E0B54C0-C007-4454-A813-A58AA3BBC5F0}" srcId="{27C13B01-5FAC-455B-93BE-7A269E94AFAF}" destId="{339F043E-FCB1-4A53-BB24-F7C0DA600376}" srcOrd="0" destOrd="0" parTransId="{9B0ED32A-9232-432E-B4C8-CAA5FD412282}" sibTransId="{2F1BC246-886A-46F6-8128-6B9EA22F9740}"/>
+    <dgm:cxn modelId="{FE52E6E9-0939-4832-8D1F-6976AA2C06DD}" type="presOf" srcId="{339F043E-FCB1-4A53-BB24-F7C0DA600376}" destId="{1A07C803-4227-471B-8C7E-5B1C919109ED}" srcOrd="0" destOrd="0" presId="urn:microsoft.com/office/officeart/2005/8/layout/hierarchy1"/>
+    <dgm:cxn modelId="{2B2DAF74-48DF-48FD-993C-1E8E4B0FDACC}" type="presOf" srcId="{F304D26A-90B1-472B-B37D-517B4398B075}" destId="{EA1C6936-2511-4A11-BFBF-E3BD9F2DC2DE}" srcOrd="0" destOrd="0" presId="urn:microsoft.com/office/officeart/2005/8/layout/hierarchy1"/>
+    <dgm:cxn modelId="{66277C2B-CA98-4E59-B9E9-070313A497A8}" type="presOf" srcId="{433D6AB2-5F1A-432B-8878-C00BB157CDA5}" destId="{E50C1A77-927B-441A-AC4B-230C24C42708}" srcOrd="0" destOrd="0" presId="urn:microsoft.com/office/officeart/2005/8/layout/hierarchy1"/>
     <dgm:cxn modelId="{B51B040A-2C8A-4F6F-9E63-E77AE078FB4E}" type="presOf" srcId="{454B94C4-4D18-42FF-8A26-A85BB2903F33}" destId="{8BC6F822-ACA5-4BE3-9B3D-1EF4FFE2DC82}" srcOrd="0" destOrd="0" presId="urn:microsoft.com/office/officeart/2005/8/layout/hierarchy1"/>
+    <dgm:cxn modelId="{A78B3E6E-A83A-445D-BB7C-9F873B2193E2}" srcId="{025673E3-BE66-47F3-825B-780ED89C4E1C}" destId="{454B94C4-4D18-42FF-8A26-A85BB2903F33}" srcOrd="0" destOrd="0" parTransId="{DCF6042A-8A2A-444F-B8F1-EBBD0A2037F4}" sibTransId="{5C1B09F2-BD24-41F7-B699-F53EEBBFB229}"/>
+    <dgm:cxn modelId="{79178D32-5BD6-44EB-932D-A65C33E8C24F}" type="presOf" srcId="{DD714695-6EA2-4AAB-B894-3D57DE707808}" destId="{93AD0668-ECA1-48FA-907B-9EF323082B36}" srcOrd="0" destOrd="0" presId="urn:microsoft.com/office/officeart/2005/8/layout/hierarchy1"/>
+    <dgm:cxn modelId="{C73E581E-1AF8-4E80-8629-9939DB1A73B1}" srcId="{025673E3-BE66-47F3-825B-780ED89C4E1C}" destId="{433D6AB2-5F1A-432B-8878-C00BB157CDA5}" srcOrd="1" destOrd="0" parTransId="{892C875E-B0EE-40C8-B377-798AD51CD2E9}" sibTransId="{9ECD5308-3E21-4B8F-9FAF-74CC057FA40B}"/>
     <dgm:cxn modelId="{42A7870F-B539-4766-A45C-2936E94F1FD8}" srcId="{433D6AB2-5F1A-432B-8878-C00BB157CDA5}" destId="{1798295E-4831-4497-9303-79DD34F741F9}" srcOrd="0" destOrd="0" parTransId="{C5C0D33F-242F-4FD6-8790-0AFBF95C1E53}" sibTransId="{8C87A196-BDF9-4DF9-838F-30AB65DFC8B1}"/>
-    <dgm:cxn modelId="{C15D6018-BF26-4240-A7BE-2AD1F681FB06}" type="presOf" srcId="{922ED9ED-D8D6-4D4C-91BD-0586150EFCB5}" destId="{DDA6752D-1A1C-4E2C-9950-A62CDBE91BD7}" srcOrd="0" destOrd="0" presId="urn:microsoft.com/office/officeart/2005/8/layout/hierarchy1"/>
-    <dgm:cxn modelId="{C73E581E-1AF8-4E80-8629-9939DB1A73B1}" srcId="{025673E3-BE66-47F3-825B-780ED89C4E1C}" destId="{433D6AB2-5F1A-432B-8878-C00BB157CDA5}" srcOrd="1" destOrd="0" parTransId="{892C875E-B0EE-40C8-B377-798AD51CD2E9}" sibTransId="{9ECD5308-3E21-4B8F-9FAF-74CC057FA40B}"/>
-    <dgm:cxn modelId="{AFCC1424-1901-4EAF-B5B6-161C6C667A2E}" type="presOf" srcId="{34516F1E-2D78-4C18-87ED-7143B5A8713F}" destId="{8452375A-8193-426E-8BBF-1EDC35013D34}" srcOrd="0" destOrd="0" presId="urn:microsoft.com/office/officeart/2005/8/layout/hierarchy1"/>
-    <dgm:cxn modelId="{9DE40526-60DA-4C0C-9ECA-AF600265B199}" srcId="{339F043E-FCB1-4A53-BB24-F7C0DA600376}" destId="{61E40118-51A9-45FB-A026-9127C5489ACA}" srcOrd="2" destOrd="0" parTransId="{4B0690CE-DDAB-48DD-8ADB-7FCC55980C59}" sibTransId="{3ABB76B5-341D-4CFB-80A7-874BCB48836A}"/>
-    <dgm:cxn modelId="{66277C2B-CA98-4E59-B9E9-070313A497A8}" type="presOf" srcId="{433D6AB2-5F1A-432B-8878-C00BB157CDA5}" destId="{E50C1A77-927B-441A-AC4B-230C24C42708}" srcOrd="0" destOrd="0" presId="urn:microsoft.com/office/officeart/2005/8/layout/hierarchy1"/>
-    <dgm:cxn modelId="{79178D32-5BD6-44EB-932D-A65C33E8C24F}" type="presOf" srcId="{DD714695-6EA2-4AAB-B894-3D57DE707808}" destId="{93AD0668-ECA1-48FA-907B-9EF323082B36}" srcOrd="0" destOrd="0" presId="urn:microsoft.com/office/officeart/2005/8/layout/hierarchy1"/>
-    <dgm:cxn modelId="{DCC77938-2D3C-4F3C-81EC-5ED2E818BFA4}" srcId="{339F043E-FCB1-4A53-BB24-F7C0DA600376}" destId="{6FCBFDE9-86C8-4A43-B8F2-5E6EBD0B702A}" srcOrd="0" destOrd="0" parTransId="{922ED9ED-D8D6-4D4C-91BD-0586150EFCB5}" sibTransId="{4991FC38-400D-4ECB-A758-A1A137965D00}"/>
-    <dgm:cxn modelId="{C5EE7763-CA95-4F43-A7D1-235B8138AE5C}" type="presOf" srcId="{892C875E-B0EE-40C8-B377-798AD51CD2E9}" destId="{5B83366F-AE3F-43A1-8AF8-F9355CB5E5C5}" srcOrd="0" destOrd="0" presId="urn:microsoft.com/office/officeart/2005/8/layout/hierarchy1"/>
     <dgm:cxn modelId="{B4A8B848-6A86-4141-B684-F0991EA1C557}" type="presOf" srcId="{6615E033-FB56-4717-AE06-A83765B27235}" destId="{E201FC35-D626-4829-BDF9-2B391E375173}" srcOrd="0" destOrd="0" presId="urn:microsoft.com/office/officeart/2005/8/layout/hierarchy1"/>
-    <dgm:cxn modelId="{DED11D4A-6A31-45C9-83C7-18300E59A7F4}" srcId="{454B94C4-4D18-42FF-8A26-A85BB2903F33}" destId="{34516F1E-2D78-4C18-87ED-7143B5A8713F}" srcOrd="0" destOrd="0" parTransId="{F304D26A-90B1-472B-B37D-517B4398B075}" sibTransId="{93AC89DC-F64D-47F3-8D6B-0BA44316FDC0}"/>
-    <dgm:cxn modelId="{8A99D26A-BE64-4C47-91EE-A555C9214CEA}" type="presOf" srcId="{56A875E3-7E3D-4DAF-9B94-33BBF2EBF671}" destId="{F3BB58A1-DFD8-4E73-BD3B-F5F97AD4BC36}" srcOrd="0" destOrd="0" presId="urn:microsoft.com/office/officeart/2005/8/layout/hierarchy1"/>
-    <dgm:cxn modelId="{6299324E-F231-471F-86FC-8A8AEC1A2425}" type="presOf" srcId="{6FCBFDE9-86C8-4A43-B8F2-5E6EBD0B702A}" destId="{EA68FFFB-3802-4492-BD58-3D8AAE8C4820}" srcOrd="0" destOrd="0" presId="urn:microsoft.com/office/officeart/2005/8/layout/hierarchy1"/>
-    <dgm:cxn modelId="{A78B3E6E-A83A-445D-BB7C-9F873B2193E2}" srcId="{025673E3-BE66-47F3-825B-780ED89C4E1C}" destId="{454B94C4-4D18-42FF-8A26-A85BB2903F33}" srcOrd="0" destOrd="0" parTransId="{DCF6042A-8A2A-444F-B8F1-EBBD0A2037F4}" sibTransId="{5C1B09F2-BD24-41F7-B699-F53EEBBFB229}"/>
-    <dgm:cxn modelId="{7F962A54-1706-40EB-8127-B7AB331D8E53}" type="presOf" srcId="{A51D3764-3CB2-4E73-BC58-2B8827B6B993}" destId="{123C18CB-8FE4-4ED6-BD1B-C45EB892B4F8}" srcOrd="0" destOrd="0" presId="urn:microsoft.com/office/officeart/2005/8/layout/hierarchy1"/>
-    <dgm:cxn modelId="{2B2DAF74-48DF-48FD-993C-1E8E4B0FDACC}" type="presOf" srcId="{F304D26A-90B1-472B-B37D-517B4398B075}" destId="{EA1C6936-2511-4A11-BFBF-E3BD9F2DC2DE}" srcOrd="0" destOrd="0" presId="urn:microsoft.com/office/officeart/2005/8/layout/hierarchy1"/>
-    <dgm:cxn modelId="{0ECAC174-D846-4ED7-B1CB-BB72282AD1A9}" type="presOf" srcId="{1798295E-4831-4497-9303-79DD34F741F9}" destId="{EA60882E-0D01-49F3-9875-3C0FB8FED54C}" srcOrd="0" destOrd="0" presId="urn:microsoft.com/office/officeart/2005/8/layout/hierarchy1"/>
-    <dgm:cxn modelId="{5969A555-2306-4B72-BE3E-D279BB4B0173}" srcId="{27C13B01-5FAC-455B-93BE-7A269E94AFAF}" destId="{025673E3-BE66-47F3-825B-780ED89C4E1C}" srcOrd="1" destOrd="0" parTransId="{5201DA32-E713-48CD-BD78-5727BD27EF53}" sibTransId="{54EFB8E5-0A90-481B-91CC-6213795A6138}"/>
-    <dgm:cxn modelId="{0887AA57-1DD6-428B-8AC7-AEAF80359126}" srcId="{27C13B01-5FAC-455B-93BE-7A269E94AFAF}" destId="{D9F6E9D3-5F17-4317-9333-FD6DC5F9C478}" srcOrd="2" destOrd="0" parTransId="{A51D3764-3CB2-4E73-BC58-2B8827B6B993}" sibTransId="{6BF66940-8947-4ABE-BCED-9070945A8583}"/>
-    <dgm:cxn modelId="{4024C47A-E1E7-4BD7-9D47-F5CF67614F62}" srcId="{454B94C4-4D18-42FF-8A26-A85BB2903F33}" destId="{886DBFB4-81B7-46A1-9403-4B25AA099DB4}" srcOrd="1" destOrd="0" parTransId="{EA5BB7FA-4BF6-4FE2-9926-A8D7F3516EA2}" sibTransId="{9D29564B-E00D-4470-9433-D30174D6D752}"/>
     <dgm:cxn modelId="{9BACCD5A-DB6B-4A29-A683-63B9762791C8}" type="presOf" srcId="{DCF6042A-8A2A-444F-B8F1-EBBD0A2037F4}" destId="{6F7A575E-A18E-42A6-A699-383DC44A99EC}" srcOrd="0" destOrd="0" presId="urn:microsoft.com/office/officeart/2005/8/layout/hierarchy1"/>
-    <dgm:cxn modelId="{EC940383-E25F-4358-9497-A457C0A81C5A}" type="presOf" srcId="{886DBFB4-81B7-46A1-9403-4B25AA099DB4}" destId="{C3BF43CA-77AA-468C-82E8-D9048D71019C}" srcOrd="0" destOrd="0" presId="urn:microsoft.com/office/officeart/2005/8/layout/hierarchy1"/>
-    <dgm:cxn modelId="{2264658E-3130-4361-A9F6-E5611AF9184C}" type="presOf" srcId="{4B0690CE-DDAB-48DD-8ADB-7FCC55980C59}" destId="{DE3D3005-5A1D-4429-B5D6-CE033A097313}" srcOrd="0" destOrd="0" presId="urn:microsoft.com/office/officeart/2005/8/layout/hierarchy1"/>
-    <dgm:cxn modelId="{BEAB2790-2258-468F-90F0-BD9DA5AFCBE3}" srcId="{56A875E3-7E3D-4DAF-9B94-33BBF2EBF671}" destId="{27C13B01-5FAC-455B-93BE-7A269E94AFAF}" srcOrd="0" destOrd="0" parTransId="{5B41FB2A-2922-4245-A8CB-46DC3612D8F8}" sibTransId="{376C7ED2-0E18-4BA6-AF2D-45626A00B8AE}"/>
-    <dgm:cxn modelId="{629635A9-0A75-4D39-8A24-D6643EFBAAF7}" type="presOf" srcId="{9B0ED32A-9232-432E-B4C8-CAA5FD412282}" destId="{CBC98493-4FDE-46D7-810C-C14381D4C637}" srcOrd="0" destOrd="0" presId="urn:microsoft.com/office/officeart/2005/8/layout/hierarchy1"/>
-    <dgm:cxn modelId="{3034D6B0-66F3-470F-A847-E82EFF028B80}" srcId="{339F043E-FCB1-4A53-BB24-F7C0DA600376}" destId="{6615E033-FB56-4717-AE06-A83765B27235}" srcOrd="1" destOrd="0" parTransId="{DD714695-6EA2-4AAB-B894-3D57DE707808}" sibTransId="{648F7654-63E7-4CBA-8804-2A56B137C488}"/>
-    <dgm:cxn modelId="{2E0B54C0-C007-4454-A813-A58AA3BBC5F0}" srcId="{27C13B01-5FAC-455B-93BE-7A269E94AFAF}" destId="{339F043E-FCB1-4A53-BB24-F7C0DA600376}" srcOrd="0" destOrd="0" parTransId="{9B0ED32A-9232-432E-B4C8-CAA5FD412282}" sibTransId="{2F1BC246-886A-46F6-8128-6B9EA22F9740}"/>
-    <dgm:cxn modelId="{BB5486D6-10B5-45BC-88C1-6BC35BF8637F}" type="presOf" srcId="{EA5BB7FA-4BF6-4FE2-9926-A8D7F3516EA2}" destId="{6BBB9560-91E6-4938-846E-813D3AFEF0A9}" srcOrd="0" destOrd="0" presId="urn:microsoft.com/office/officeart/2005/8/layout/hierarchy1"/>
-    <dgm:cxn modelId="{1AB6C1D8-EE9B-4A6A-8874-058C4BE2A273}" type="presOf" srcId="{025673E3-BE66-47F3-825B-780ED89C4E1C}" destId="{FD427989-F9A3-4F94-B169-747865179B7C}" srcOrd="0" destOrd="0" presId="urn:microsoft.com/office/officeart/2005/8/layout/hierarchy1"/>
-    <dgm:cxn modelId="{031CD5DF-860F-4975-A8B6-E29AB892F0EF}" type="presOf" srcId="{27C13B01-5FAC-455B-93BE-7A269E94AFAF}" destId="{0CED9522-BA3A-4DC8-97C2-9A7C05112C91}" srcOrd="0" destOrd="0" presId="urn:microsoft.com/office/officeart/2005/8/layout/hierarchy1"/>
-    <dgm:cxn modelId="{86BC73E3-927F-442B-9BF9-EEC656F5CA49}" type="presOf" srcId="{C5C0D33F-242F-4FD6-8790-0AFBF95C1E53}" destId="{2FB859D4-3348-4ED2-8761-53F37F138382}" srcOrd="0" destOrd="0" presId="urn:microsoft.com/office/officeart/2005/8/layout/hierarchy1"/>
-    <dgm:cxn modelId="{827DEEE4-E694-4C5B-86AF-2F60679326E1}" type="presOf" srcId="{6F734B69-3B09-4342-9B67-E4145CB41363}" destId="{BE2A2634-89F8-4E41-B223-AA814DA647D9}" srcOrd="0" destOrd="0" presId="urn:microsoft.com/office/officeart/2005/8/layout/hierarchy1"/>
-    <dgm:cxn modelId="{73002DE9-BF12-4313-BC57-96CED4A001D8}" type="presOf" srcId="{61E40118-51A9-45FB-A026-9127C5489ACA}" destId="{89BEEEE6-2A5A-4073-8EE5-13ACE7078CF3}" srcOrd="0" destOrd="0" presId="urn:microsoft.com/office/officeart/2005/8/layout/hierarchy1"/>
-    <dgm:cxn modelId="{FE52E6E9-0939-4832-8D1F-6976AA2C06DD}" type="presOf" srcId="{339F043E-FCB1-4A53-BB24-F7C0DA600376}" destId="{1A07C803-4227-471B-8C7E-5B1C919109ED}" srcOrd="0" destOrd="0" presId="urn:microsoft.com/office/officeart/2005/8/layout/hierarchy1"/>
-    <dgm:cxn modelId="{88E280F8-869D-456A-95E8-D6215DFDE8E5}" type="presOf" srcId="{5201DA32-E713-48CD-BD78-5727BD27EF53}" destId="{E3B4A1E7-6A80-4C50-AEF2-4166F12811C6}" srcOrd="0" destOrd="0" presId="urn:microsoft.com/office/officeart/2005/8/layout/hierarchy1"/>
-    <dgm:cxn modelId="{18D450FB-25B8-40AF-A204-2E6F68D1492B}" type="presOf" srcId="{CE40ED7E-796C-4254-93F7-37EC1D0145C5}" destId="{C8BB6D5E-618D-410B-829A-C2F31CCAC293}" srcOrd="0" destOrd="0" presId="urn:microsoft.com/office/officeart/2005/8/layout/hierarchy1"/>
-    <dgm:cxn modelId="{0EE99CFD-FE8D-4FB1-8ADB-CCBB8028142F}" type="presOf" srcId="{D9F6E9D3-5F17-4317-9333-FD6DC5F9C478}" destId="{269003D1-F77A-4F41-9C7D-1C57466D4C98}" srcOrd="0" destOrd="0" presId="urn:microsoft.com/office/officeart/2005/8/layout/hierarchy1"/>
     <dgm:cxn modelId="{A211F08F-D8D9-4ADA-988E-38EF79A2C8F8}" type="presParOf" srcId="{F3BB58A1-DFD8-4E73-BD3B-F5F97AD4BC36}" destId="{FD59B736-4D95-4C5F-B759-DE453A036181}" srcOrd="0" destOrd="0" presId="urn:microsoft.com/office/officeart/2005/8/layout/hierarchy1"/>
     <dgm:cxn modelId="{85F417B0-D99E-409D-A576-8E3116B3F146}" type="presParOf" srcId="{FD59B736-4D95-4C5F-B759-DE453A036181}" destId="{33E79E77-0DD2-442C-9A3C-139060012ED0}" srcOrd="0" destOrd="0" presId="urn:microsoft.com/office/officeart/2005/8/layout/hierarchy1"/>
     <dgm:cxn modelId="{5E23951D-F81C-4B4F-A9DF-16F065356401}" type="presParOf" srcId="{33E79E77-0DD2-442C-9A3C-139060012ED0}" destId="{DE9B2360-0CF8-4CFF-9596-382FE8EB0898}" srcOrd="0" destOrd="0" presId="urn:microsoft.com/office/officeart/2005/8/layout/hierarchy1"/>
@@ -2750,7 +2978,7 @@
         </a:bodyPr>
         <a:lstStyle/>
         <a:p>
-          <a:pPr marL="0" lvl="0" indent="0" algn="ctr" defTabSz="577850">
+          <a:pPr lvl="0" algn="ctr" defTabSz="577850">
             <a:lnSpc>
               <a:spcPct val="90000"/>
             </a:lnSpc>
@@ -2760,7 +2988,6 @@
             <a:spcAft>
               <a:spcPct val="35000"/>
             </a:spcAft>
-            <a:buNone/>
           </a:pPr>
           <a:r>
             <a:rPr lang="es-ES" sz="1300" kern="1200" dirty="0"/>
@@ -2879,7 +3106,7 @@
         </a:bodyPr>
         <a:lstStyle/>
         <a:p>
-          <a:pPr marL="0" lvl="0" indent="0" algn="ctr" defTabSz="577850">
+          <a:pPr lvl="0" algn="ctr" defTabSz="577850">
             <a:lnSpc>
               <a:spcPct val="90000"/>
             </a:lnSpc>
@@ -2889,7 +3116,6 @@
             <a:spcAft>
               <a:spcPct val="35000"/>
             </a:spcAft>
-            <a:buNone/>
           </a:pPr>
           <a:r>
             <a:rPr lang="es-ES" sz="1300" kern="1200" dirty="0"/>
@@ -3008,7 +3234,7 @@
         </a:bodyPr>
         <a:lstStyle/>
         <a:p>
-          <a:pPr marL="0" lvl="0" indent="0" algn="ctr" defTabSz="577850">
+          <a:pPr lvl="0" algn="ctr" defTabSz="577850">
             <a:lnSpc>
               <a:spcPct val="90000"/>
             </a:lnSpc>
@@ -3018,7 +3244,6 @@
             <a:spcAft>
               <a:spcPct val="35000"/>
             </a:spcAft>
-            <a:buNone/>
           </a:pPr>
           <a:r>
             <a:rPr lang="es-ES" sz="1300" kern="1200" dirty="0"/>
@@ -3137,7 +3362,7 @@
         </a:bodyPr>
         <a:lstStyle/>
         <a:p>
-          <a:pPr marL="0" lvl="0" indent="0" algn="ctr" defTabSz="577850">
+          <a:pPr lvl="0" algn="ctr" defTabSz="577850">
             <a:lnSpc>
               <a:spcPct val="90000"/>
             </a:lnSpc>
@@ -3147,7 +3372,6 @@
             <a:spcAft>
               <a:spcPct val="35000"/>
             </a:spcAft>
-            <a:buNone/>
           </a:pPr>
           <a:r>
             <a:rPr lang="es-ES" sz="1300" kern="1200" dirty="0"/>
@@ -3155,7 +3379,7 @@
           </a:r>
         </a:p>
         <a:p>
-          <a:pPr marL="0" lvl="0" indent="0" algn="ctr" defTabSz="577850">
+          <a:pPr lvl="0" algn="ctr" defTabSz="577850">
             <a:lnSpc>
               <a:spcPct val="90000"/>
             </a:lnSpc>
@@ -3165,7 +3389,6 @@
             <a:spcAft>
               <a:spcPct val="35000"/>
             </a:spcAft>
-            <a:buNone/>
           </a:pPr>
           <a:r>
             <a:rPr lang="es-ES" sz="1300" kern="1200" dirty="0"/>
@@ -3284,7 +3507,7 @@
         </a:bodyPr>
         <a:lstStyle/>
         <a:p>
-          <a:pPr marL="0" lvl="0" indent="0" algn="ctr" defTabSz="577850">
+          <a:pPr lvl="0" algn="ctr" defTabSz="577850">
             <a:lnSpc>
               <a:spcPct val="90000"/>
             </a:lnSpc>
@@ -3294,7 +3517,6 @@
             <a:spcAft>
               <a:spcPct val="35000"/>
             </a:spcAft>
-            <a:buNone/>
           </a:pPr>
           <a:r>
             <a:rPr lang="es-ES" sz="1300" kern="1200" dirty="0"/>
@@ -3413,7 +3635,7 @@
         </a:bodyPr>
         <a:lstStyle/>
         <a:p>
-          <a:pPr marL="0" lvl="0" indent="0" algn="ctr" defTabSz="577850">
+          <a:pPr lvl="0" algn="ctr" defTabSz="577850">
             <a:lnSpc>
               <a:spcPct val="90000"/>
             </a:lnSpc>
@@ -3423,7 +3645,6 @@
             <a:spcAft>
               <a:spcPct val="35000"/>
             </a:spcAft>
-            <a:buNone/>
           </a:pPr>
           <a:r>
             <a:rPr lang="es-ES" sz="1300" kern="1200" dirty="0"/>
@@ -3542,7 +3763,7 @@
         </a:bodyPr>
         <a:lstStyle/>
         <a:p>
-          <a:pPr marL="0" lvl="0" indent="0" algn="ctr" defTabSz="577850">
+          <a:pPr lvl="0" algn="ctr" defTabSz="577850">
             <a:lnSpc>
               <a:spcPct val="90000"/>
             </a:lnSpc>
@@ -3552,7 +3773,6 @@
             <a:spcAft>
               <a:spcPct val="35000"/>
             </a:spcAft>
-            <a:buNone/>
           </a:pPr>
           <a:r>
             <a:rPr lang="es-ES" sz="1300" kern="1200" dirty="0"/>
@@ -3671,7 +3891,7 @@
         </a:bodyPr>
         <a:lstStyle/>
         <a:p>
-          <a:pPr marL="0" lvl="0" indent="0" algn="ctr" defTabSz="577850">
+          <a:pPr lvl="0" algn="ctr" defTabSz="577850">
             <a:lnSpc>
               <a:spcPct val="90000"/>
             </a:lnSpc>
@@ -3681,7 +3901,6 @@
             <a:spcAft>
               <a:spcPct val="35000"/>
             </a:spcAft>
-            <a:buNone/>
           </a:pPr>
           <a:r>
             <a:rPr lang="es-ES" sz="1300" kern="1200" dirty="0"/>
@@ -3800,7 +4019,7 @@
         </a:bodyPr>
         <a:lstStyle/>
         <a:p>
-          <a:pPr marL="0" lvl="0" indent="0" algn="ctr" defTabSz="577850">
+          <a:pPr lvl="0" algn="ctr" defTabSz="577850">
             <a:lnSpc>
               <a:spcPct val="90000"/>
             </a:lnSpc>
@@ -3810,7 +4029,6 @@
             <a:spcAft>
               <a:spcPct val="35000"/>
             </a:spcAft>
-            <a:buNone/>
           </a:pPr>
           <a:r>
             <a:rPr lang="es-ES" sz="1300" kern="1200" dirty="0"/>
@@ -3929,7 +4147,7 @@
         </a:bodyPr>
         <a:lstStyle/>
         <a:p>
-          <a:pPr marL="0" lvl="0" indent="0" algn="ctr" defTabSz="577850">
+          <a:pPr lvl="0" algn="ctr" defTabSz="577850">
             <a:lnSpc>
               <a:spcPct val="90000"/>
             </a:lnSpc>
@@ -3939,7 +4157,6 @@
             <a:spcAft>
               <a:spcPct val="35000"/>
             </a:spcAft>
-            <a:buNone/>
           </a:pPr>
           <a:r>
             <a:rPr lang="es-ES" sz="1300" kern="1200" dirty="0"/>
@@ -4058,7 +4275,7 @@
         </a:bodyPr>
         <a:lstStyle/>
         <a:p>
-          <a:pPr marL="0" lvl="0" indent="0" algn="ctr" defTabSz="577850">
+          <a:pPr lvl="0" algn="ctr" defTabSz="577850">
             <a:lnSpc>
               <a:spcPct val="90000"/>
             </a:lnSpc>
@@ -4068,7 +4285,6 @@
             <a:spcAft>
               <a:spcPct val="35000"/>
             </a:spcAft>
-            <a:buNone/>
           </a:pPr>
           <a:r>
             <a:rPr lang="es-ES" sz="1300" kern="1200" dirty="0"/>
@@ -4187,7 +4403,7 @@
         </a:bodyPr>
         <a:lstStyle/>
         <a:p>
-          <a:pPr marL="0" lvl="0" indent="0" algn="ctr" defTabSz="577850">
+          <a:pPr lvl="0" algn="ctr" defTabSz="577850">
             <a:lnSpc>
               <a:spcPct val="90000"/>
             </a:lnSpc>
@@ -4197,7 +4413,6 @@
             <a:spcAft>
               <a:spcPct val="35000"/>
             </a:spcAft>
-            <a:buNone/>
           </a:pPr>
           <a:r>
             <a:rPr lang="es-ES" sz="1300" kern="1200" dirty="0"/>
@@ -4316,7 +4531,7 @@
         </a:bodyPr>
         <a:lstStyle/>
         <a:p>
-          <a:pPr marL="0" lvl="0" indent="0" algn="ctr" defTabSz="577850">
+          <a:pPr lvl="0" algn="ctr" defTabSz="577850">
             <a:lnSpc>
               <a:spcPct val="90000"/>
             </a:lnSpc>
@@ -4326,7 +4541,6 @@
             <a:spcAft>
               <a:spcPct val="35000"/>
             </a:spcAft>
-            <a:buNone/>
           </a:pPr>
           <a:r>
             <a:rPr lang="es-ES" sz="1300" kern="1200" dirty="0"/>
@@ -6084,7 +6298,7 @@
           <a:p>
             <a:fld id="{48A87A34-81AB-432B-8DAE-1953F412C126}" type="datetimeFigureOut">
               <a:rPr lang="en-US" dirty="0"/>
-              <a:t>1/29/2020</a:t>
+              <a:t>2/5/2020</a:t>
             </a:fld>
             <a:endParaRPr lang="en-US" dirty="0"/>
           </a:p>
@@ -6299,7 +6513,7 @@
           <a:p>
             <a:fld id="{48A87A34-81AB-432B-8DAE-1953F412C126}" type="datetimeFigureOut">
               <a:rPr lang="en-US" dirty="0"/>
-              <a:t>1/29/2020</a:t>
+              <a:t>2/5/2020</a:t>
             </a:fld>
             <a:endParaRPr lang="en-US" dirty="0"/>
           </a:p>
@@ -6518,7 +6732,7 @@
           <a:p>
             <a:fld id="{48A87A34-81AB-432B-8DAE-1953F412C126}" type="datetimeFigureOut">
               <a:rPr lang="en-US" dirty="0"/>
-              <a:t>1/29/2020</a:t>
+              <a:t>2/5/2020</a:t>
             </a:fld>
             <a:endParaRPr lang="en-US" dirty="0"/>
           </a:p>
@@ -6728,7 +6942,7 @@
             <a:fld id="{48A87A34-81AB-432B-8DAE-1953F412C126}" type="datetimeFigureOut">
               <a:rPr lang="en-US" dirty="0"/>
               <a:pPr/>
-              <a:t>1/29/2020</a:t>
+              <a:t>2/5/2020</a:t>
             </a:fld>
             <a:endParaRPr lang="en-US" dirty="0"/>
           </a:p>
@@ -7015,7 +7229,7 @@
           <a:p>
             <a:fld id="{48A87A34-81AB-432B-8DAE-1953F412C126}" type="datetimeFigureOut">
               <a:rPr lang="en-US" dirty="0"/>
-              <a:t>1/29/2020</a:t>
+              <a:t>2/5/2020</a:t>
             </a:fld>
             <a:endParaRPr lang="en-US" dirty="0"/>
           </a:p>
@@ -7287,7 +7501,7 @@
           <a:p>
             <a:fld id="{48A87A34-81AB-432B-8DAE-1953F412C126}" type="datetimeFigureOut">
               <a:rPr lang="en-US" dirty="0"/>
-              <a:t>1/29/2020</a:t>
+              <a:t>2/5/2020</a:t>
             </a:fld>
             <a:endParaRPr lang="en-US" dirty="0"/>
           </a:p>
@@ -7707,7 +7921,7 @@
           <a:p>
             <a:fld id="{48A87A34-81AB-432B-8DAE-1953F412C126}" type="datetimeFigureOut">
               <a:rPr lang="en-US" dirty="0"/>
-              <a:t>1/29/2020</a:t>
+              <a:t>2/5/2020</a:t>
             </a:fld>
             <a:endParaRPr lang="en-US" dirty="0"/>
           </a:p>
@@ -7860,7 +8074,7 @@
           <a:p>
             <a:fld id="{48A87A34-81AB-432B-8DAE-1953F412C126}" type="datetimeFigureOut">
               <a:rPr lang="en-US" dirty="0"/>
-              <a:t>1/29/2020</a:t>
+              <a:t>2/5/2020</a:t>
             </a:fld>
             <a:endParaRPr lang="en-US" dirty="0"/>
           </a:p>
@@ -7990,7 +8204,7 @@
           <a:p>
             <a:fld id="{48A87A34-81AB-432B-8DAE-1953F412C126}" type="datetimeFigureOut">
               <a:rPr lang="en-US" dirty="0"/>
-              <a:t>1/29/2020</a:t>
+              <a:t>2/5/2020</a:t>
             </a:fld>
             <a:endParaRPr lang="en-US" dirty="0"/>
           </a:p>
@@ -8236,7 +8450,7 @@
           <a:p>
             <a:fld id="{48A87A34-81AB-432B-8DAE-1953F412C126}" type="datetimeFigureOut">
               <a:rPr lang="en-US" dirty="0"/>
-              <a:t>1/29/2020</a:t>
+              <a:t>2/5/2020</a:t>
             </a:fld>
             <a:endParaRPr lang="en-US" dirty="0"/>
           </a:p>
@@ -8692,7 +8906,7 @@
             <a:fld id="{48A87A34-81AB-432B-8DAE-1953F412C126}" type="datetimeFigureOut">
               <a:rPr lang="en-US" dirty="0"/>
               <a:pPr/>
-              <a:t>1/29/2020</a:t>
+              <a:t>2/5/2020</a:t>
             </a:fld>
             <a:endParaRPr lang="en-US" dirty="0"/>
           </a:p>
@@ -9070,7 +9284,7 @@
             <a:fld id="{48A87A34-81AB-432B-8DAE-1953F412C126}" type="datetimeFigureOut">
               <a:rPr lang="en-US" dirty="0"/>
               <a:pPr/>
-              <a:t>1/29/2020</a:t>
+              <a:t>2/5/2020</a:t>
             </a:fld>
             <a:endParaRPr lang="en-US" dirty="0"/>
           </a:p>
@@ -10770,6 +10984,10 @@
               <a:rPr lang="es-ES" dirty="0" err="1"/>
               <a:t>XPath</a:t>
             </a:r>
+            <a:r>
+              <a:rPr lang="es-ES" dirty="0"/>
+              <a:t/>
+            </a:r>
             <a:br>
               <a:rPr lang="es-ES" dirty="0"/>
             </a:br>
@@ -10897,6 +11115,10 @@
               <a:rPr lang="es-ES" dirty="0" err="1"/>
               <a:t>XPath</a:t>
             </a:r>
+            <a:r>
+              <a:rPr lang="es-ES" dirty="0"/>
+              <a:t/>
+            </a:r>
             <a:br>
               <a:rPr lang="es-ES" dirty="0"/>
             </a:br>
@@ -11014,7 +11236,21 @@
           <a:bodyPr/>
           <a:lstStyle/>
           <a:p>
-            <a:endParaRPr lang="es-ES" dirty="0"/>
+            <a:r>
+              <a:rPr lang="es-ES" dirty="0" err="1"/>
+              <a:t>XPath</a:t>
+            </a:r>
+            <a:r>
+              <a:rPr lang="es-ES" dirty="0"/>
+              <a:t/>
+            </a:r>
+            <a:br>
+              <a:rPr lang="es-ES" dirty="0"/>
+            </a:br>
+            <a:r>
+              <a:rPr lang="es-ES" dirty="0"/>
+              <a:t>Pasos de localización</a:t>
+            </a:r>
           </a:p>
         </p:txBody>
       </p:sp>
@@ -11039,7 +11275,60 @@
           <a:bodyPr/>
           <a:lstStyle/>
           <a:p>
-            <a:endParaRPr lang="es-ES"/>
+            <a:r>
+              <a:rPr lang="es-ES" dirty="0"/>
+              <a:t>Los pasos de localización (</a:t>
+            </a:r>
+            <a:r>
+              <a:rPr lang="es-ES" dirty="0" err="1"/>
+              <a:t>location</a:t>
+            </a:r>
+            <a:r>
+              <a:rPr lang="es-ES" dirty="0"/>
+              <a:t> </a:t>
+            </a:r>
+            <a:r>
+              <a:rPr lang="es-ES" dirty="0" err="1"/>
+              <a:t>steps</a:t>
+            </a:r>
+            <a:r>
+              <a:rPr lang="es-ES" dirty="0"/>
+              <a:t>) son cada unos de los elementos de una ruta de localización</a:t>
+            </a:r>
+          </a:p>
+          <a:p>
+            <a:r>
+              <a:rPr lang="es-ES" dirty="0"/>
+              <a:t>Con el resultado obtenido de evaluar un paso de localización, se obtiene el contexto del siguiente paso de localización</a:t>
+            </a:r>
+          </a:p>
+          <a:p>
+            <a:r>
+              <a:rPr lang="es-ES" dirty="0"/>
+              <a:t>Constan de un eje (axis), un test de nodo (</a:t>
+            </a:r>
+            <a:r>
+              <a:rPr lang="es-ES" dirty="0" err="1"/>
+              <a:t>node</a:t>
+            </a:r>
+            <a:r>
+              <a:rPr lang="es-ES" dirty="0"/>
+              <a:t> test) y opcionalmente de un predicado:</a:t>
+            </a:r>
+          </a:p>
+          <a:p>
+            <a:pPr marL="0" indent="0" algn="ctr">
+              <a:buNone/>
+            </a:pPr>
+            <a:r>
+              <a:rPr lang="es-ES" dirty="0">
+                <a:solidFill>
+                  <a:srgbClr val="00B050"/>
+                </a:solidFill>
+                <a:latin typeface="Consolas" panose="020B0609020204030204" pitchFamily="49" charset="0"/>
+              </a:rPr>
+              <a:t>eje::test-nodo[predicado]</a:t>
+            </a:r>
           </a:p>
         </p:txBody>
       </p:sp>
@@ -11156,6 +11445,2068 @@
 </p:sld>
 </file>
 
+<file path=ppt/slides/slide20.xml><?xml version="1.0" encoding="utf-8"?>
+<p:sld xmlns:a="http://schemas.openxmlformats.org/drawingml/2006/main" xmlns:r="http://schemas.openxmlformats.org/officeDocument/2006/relationships" xmlns:p="http://schemas.openxmlformats.org/presentationml/2006/main">
+  <p:cSld>
+    <p:spTree>
+      <p:nvGrpSpPr>
+        <p:cNvPr id="1" name=""/>
+        <p:cNvGrpSpPr/>
+        <p:nvPr/>
+      </p:nvGrpSpPr>
+      <p:grpSpPr>
+        <a:xfrm>
+          <a:off x="0" y="0"/>
+          <a:ext cx="0" cy="0"/>
+          <a:chOff x="0" y="0"/>
+          <a:chExt cx="0" cy="0"/>
+        </a:xfrm>
+      </p:grpSpPr>
+      <p:sp>
+        <p:nvSpPr>
+          <p:cNvPr id="2" name="Título 1">
+            <a:extLst>
+              <a:ext uri="{FF2B5EF4-FFF2-40B4-BE49-F238E27FC236}">
+                <a16:creationId xmlns:a16="http://schemas.microsoft.com/office/drawing/2014/main" id="{9E04ADD4-5CF8-41D0-93F1-45C5A92AEC25}"/>
+              </a:ext>
+            </a:extLst>
+          </p:cNvPr>
+          <p:cNvSpPr>
+            <a:spLocks noGrp="1"/>
+          </p:cNvSpPr>
+          <p:nvPr>
+            <p:ph type="title"/>
+          </p:nvPr>
+        </p:nvSpPr>
+        <p:spPr/>
+        <p:txBody>
+          <a:bodyPr/>
+          <a:lstStyle/>
+          <a:p>
+            <a:r>
+              <a:rPr lang="es-ES" dirty="0" err="1"/>
+              <a:t>XPath</a:t>
+            </a:r>
+            <a:r>
+              <a:rPr lang="es-ES" dirty="0"/>
+              <a:t/>
+            </a:r>
+            <a:br>
+              <a:rPr lang="es-ES" dirty="0"/>
+            </a:br>
+            <a:r>
+              <a:rPr lang="es-ES" dirty="0"/>
+              <a:t>Ejes</a:t>
+            </a:r>
+          </a:p>
+        </p:txBody>
+      </p:sp>
+      <p:sp>
+        <p:nvSpPr>
+          <p:cNvPr id="3" name="Marcador de contenido 2">
+            <a:extLst>
+              <a:ext uri="{FF2B5EF4-FFF2-40B4-BE49-F238E27FC236}">
+                <a16:creationId xmlns:a16="http://schemas.microsoft.com/office/drawing/2014/main" id="{8C4BC259-C52C-4DC4-BD3C-98A0EA393998}"/>
+              </a:ext>
+            </a:extLst>
+          </p:cNvPr>
+          <p:cNvSpPr>
+            <a:spLocks noGrp="1"/>
+          </p:cNvSpPr>
+          <p:nvPr>
+            <p:ph idx="1"/>
+          </p:nvPr>
+        </p:nvSpPr>
+        <p:spPr/>
+        <p:txBody>
+          <a:bodyPr/>
+          <a:lstStyle/>
+          <a:p>
+            <a:r>
+              <a:rPr lang="es-ES" dirty="0"/>
+              <a:t>Los ejes indican el conjunto de nodos sobre los cuales se evalúan el test de nodo y el predicado.</a:t>
+            </a:r>
+          </a:p>
+          <a:p>
+            <a:r>
+              <a:rPr lang="es-ES" dirty="0"/>
+              <a:t>Básicamente se trata de realizar un primer filtro de nodos del árbol para obtener el resultado con los datos buscados</a:t>
+            </a:r>
+          </a:p>
+          <a:p>
+            <a:r>
+              <a:rPr lang="es-ES" dirty="0"/>
+              <a:t>Si no se pone ninguno, el eje por defecto es “</a:t>
+            </a:r>
+            <a:r>
+              <a:rPr lang="es-ES" dirty="0" err="1"/>
+              <a:t>child</a:t>
+            </a:r>
+            <a:r>
+              <a:rPr lang="es-ES" dirty="0"/>
+              <a:t>”</a:t>
+            </a:r>
+          </a:p>
+          <a:p>
+            <a:r>
+              <a:rPr lang="es-ES" dirty="0"/>
+              <a:t>Se puede emplear el símbolo “@” en lugar el eje “</a:t>
+            </a:r>
+            <a:r>
+              <a:rPr lang="es-ES" dirty="0" err="1"/>
+              <a:t>attribute</a:t>
+            </a:r>
+            <a:r>
+              <a:rPr lang="es-ES" dirty="0"/>
+              <a:t>”</a:t>
+            </a:r>
+          </a:p>
+        </p:txBody>
+      </p:sp>
+    </p:spTree>
+    <p:extLst>
+      <p:ext uri="{BB962C8B-B14F-4D97-AF65-F5344CB8AC3E}">
+        <p14:creationId xmlns:p14="http://schemas.microsoft.com/office/powerpoint/2010/main" val="1052340678"/>
+      </p:ext>
+    </p:extLst>
+  </p:cSld>
+  <p:clrMapOvr>
+    <a:masterClrMapping/>
+  </p:clrMapOvr>
+</p:sld>
+</file>
+
+<file path=ppt/slides/slide21.xml><?xml version="1.0" encoding="utf-8"?>
+<p:sld xmlns:a="http://schemas.openxmlformats.org/drawingml/2006/main" xmlns:r="http://schemas.openxmlformats.org/officeDocument/2006/relationships" xmlns:p="http://schemas.openxmlformats.org/presentationml/2006/main">
+  <p:cSld>
+    <p:spTree>
+      <p:nvGrpSpPr>
+        <p:cNvPr id="1" name=""/>
+        <p:cNvGrpSpPr/>
+        <p:nvPr/>
+      </p:nvGrpSpPr>
+      <p:grpSpPr>
+        <a:xfrm>
+          <a:off x="0" y="0"/>
+          <a:ext cx="0" cy="0"/>
+          <a:chOff x="0" y="0"/>
+          <a:chExt cx="0" cy="0"/>
+        </a:xfrm>
+      </p:grpSpPr>
+      <p:sp>
+        <p:nvSpPr>
+          <p:cNvPr id="2" name="Título 1">
+            <a:extLst>
+              <a:ext uri="{FF2B5EF4-FFF2-40B4-BE49-F238E27FC236}">
+                <a16:creationId xmlns:a16="http://schemas.microsoft.com/office/drawing/2014/main" id="{08ACE8B6-7245-40C8-AC51-0FCDAA8DCD08}"/>
+              </a:ext>
+            </a:extLst>
+          </p:cNvPr>
+          <p:cNvSpPr>
+            <a:spLocks noGrp="1"/>
+          </p:cNvSpPr>
+          <p:nvPr>
+            <p:ph type="title"/>
+          </p:nvPr>
+        </p:nvSpPr>
+        <p:spPr/>
+        <p:txBody>
+          <a:bodyPr/>
+          <a:lstStyle/>
+          <a:p>
+            <a:r>
+              <a:rPr lang="es-ES" dirty="0" err="1"/>
+              <a:t>XPath</a:t>
+            </a:r>
+            <a:r>
+              <a:rPr lang="es-ES" dirty="0"/>
+              <a:t/>
+            </a:r>
+            <a:br>
+              <a:rPr lang="es-ES" dirty="0"/>
+            </a:br>
+            <a:r>
+              <a:rPr lang="es-ES" dirty="0"/>
+              <a:t>Ejes</a:t>
+            </a:r>
+          </a:p>
+        </p:txBody>
+      </p:sp>
+      <p:sp>
+        <p:nvSpPr>
+          <p:cNvPr id="3" name="Marcador de contenido 2">
+            <a:extLst>
+              <a:ext uri="{FF2B5EF4-FFF2-40B4-BE49-F238E27FC236}">
+                <a16:creationId xmlns:a16="http://schemas.microsoft.com/office/drawing/2014/main" id="{2F7ED38D-ED8D-4602-9546-991D225E5D09}"/>
+              </a:ext>
+            </a:extLst>
+          </p:cNvPr>
+          <p:cNvSpPr>
+            <a:spLocks noGrp="1"/>
+          </p:cNvSpPr>
+          <p:nvPr>
+            <p:ph idx="1"/>
+          </p:nvPr>
+        </p:nvSpPr>
+        <p:spPr/>
+        <p:txBody>
+          <a:bodyPr>
+            <a:normAutofit fontScale="62500" lnSpcReduction="20000"/>
+          </a:bodyPr>
+          <a:lstStyle/>
+          <a:p>
+            <a:r>
+              <a:rPr lang="es-ES" dirty="0"/>
+              <a:t>Los ejes que podemos emplear en </a:t>
+            </a:r>
+            <a:r>
+              <a:rPr lang="es-ES" dirty="0" err="1"/>
+              <a:t>XPath</a:t>
+            </a:r>
+            <a:r>
+              <a:rPr lang="es-ES" dirty="0"/>
+              <a:t> 1.0 son:</a:t>
+            </a:r>
+          </a:p>
+          <a:p>
+            <a:pPr lvl="1"/>
+            <a:r>
+              <a:rPr lang="es-ES" dirty="0" err="1">
+                <a:latin typeface="Consolas" panose="020B0609020204030204" pitchFamily="49" charset="0"/>
+              </a:rPr>
+              <a:t>self</a:t>
+            </a:r>
+            <a:r>
+              <a:rPr lang="es-ES" dirty="0"/>
+              <a:t>: el propio nodo contexto</a:t>
+            </a:r>
+          </a:p>
+          <a:p>
+            <a:pPr lvl="1"/>
+            <a:r>
+              <a:rPr lang="es-ES" dirty="0" err="1">
+                <a:latin typeface="Consolas" panose="020B0609020204030204" pitchFamily="49" charset="0"/>
+              </a:rPr>
+              <a:t>child</a:t>
+            </a:r>
+            <a:r>
+              <a:rPr lang="es-ES" dirty="0"/>
+              <a:t>: los hijos del nodo contexto</a:t>
+            </a:r>
+          </a:p>
+          <a:p>
+            <a:pPr lvl="1"/>
+            <a:r>
+              <a:rPr lang="es-ES" dirty="0" err="1">
+                <a:latin typeface="Consolas" panose="020B0609020204030204" pitchFamily="49" charset="0"/>
+              </a:rPr>
+              <a:t>parent</a:t>
+            </a:r>
+            <a:r>
+              <a:rPr lang="es-ES" dirty="0"/>
+              <a:t>: el padre del nodo contexto</a:t>
+            </a:r>
+          </a:p>
+          <a:p>
+            <a:pPr lvl="1"/>
+            <a:r>
+              <a:rPr lang="es-ES" dirty="0" err="1">
+                <a:latin typeface="Consolas" panose="020B0609020204030204" pitchFamily="49" charset="0"/>
+              </a:rPr>
+              <a:t>ancestor</a:t>
+            </a:r>
+            <a:r>
+              <a:rPr lang="es-ES" dirty="0"/>
+              <a:t>: los antepasados del nodo contexto</a:t>
+            </a:r>
+          </a:p>
+          <a:p>
+            <a:pPr lvl="1"/>
+            <a:r>
+              <a:rPr lang="es-ES" dirty="0" err="1">
+                <a:latin typeface="Consolas" panose="020B0609020204030204" pitchFamily="49" charset="0"/>
+              </a:rPr>
+              <a:t>ancestor-or-self</a:t>
+            </a:r>
+            <a:r>
+              <a:rPr lang="es-ES" dirty="0"/>
+              <a:t>: el nodo contexto y sus antepasados</a:t>
+            </a:r>
+          </a:p>
+          <a:p>
+            <a:pPr lvl="1"/>
+            <a:r>
+              <a:rPr lang="es-ES" dirty="0" err="1">
+                <a:latin typeface="Consolas" panose="020B0609020204030204" pitchFamily="49" charset="0"/>
+              </a:rPr>
+              <a:t>descendant</a:t>
+            </a:r>
+            <a:r>
+              <a:rPr lang="es-ES" dirty="0"/>
+              <a:t>: los descendientes del nodo contexto</a:t>
+            </a:r>
+          </a:p>
+          <a:p>
+            <a:pPr lvl="1"/>
+            <a:r>
+              <a:rPr lang="es-ES" dirty="0" err="1">
+                <a:latin typeface="Consolas" panose="020B0609020204030204" pitchFamily="49" charset="0"/>
+              </a:rPr>
+              <a:t>descendant-or-self</a:t>
+            </a:r>
+            <a:r>
+              <a:rPr lang="es-ES" dirty="0"/>
+              <a:t>: el nodo contexto y sus descendientes</a:t>
+            </a:r>
+          </a:p>
+          <a:p>
+            <a:pPr lvl="1"/>
+            <a:r>
+              <a:rPr lang="es-ES" dirty="0" err="1">
+                <a:latin typeface="Consolas" panose="020B0609020204030204" pitchFamily="49" charset="0"/>
+              </a:rPr>
+              <a:t>following</a:t>
+            </a:r>
+            <a:r>
+              <a:rPr lang="es-ES" dirty="0"/>
+              <a:t>: los nodos siguientes al nodo contexto, sin descendientes</a:t>
+            </a:r>
+          </a:p>
+          <a:p>
+            <a:pPr lvl="1"/>
+            <a:r>
+              <a:rPr lang="es-ES" dirty="0" err="1">
+                <a:latin typeface="Consolas" panose="020B0609020204030204" pitchFamily="49" charset="0"/>
+              </a:rPr>
+              <a:t>following-sibling</a:t>
+            </a:r>
+            <a:r>
+              <a:rPr lang="es-ES" dirty="0"/>
+              <a:t>: los nodos del mismo nivel que siguen al nodo contexto</a:t>
+            </a:r>
+          </a:p>
+          <a:p>
+            <a:pPr lvl="1"/>
+            <a:r>
+              <a:rPr lang="es-ES" dirty="0" err="1">
+                <a:latin typeface="Consolas" panose="020B0609020204030204" pitchFamily="49" charset="0"/>
+              </a:rPr>
+              <a:t>preceding</a:t>
+            </a:r>
+            <a:r>
+              <a:rPr lang="es-ES" dirty="0"/>
+              <a:t>: los nodos anteriores al nodo contexto, sin antepasados</a:t>
+            </a:r>
+          </a:p>
+          <a:p>
+            <a:pPr lvl="1"/>
+            <a:r>
+              <a:rPr lang="es-ES" dirty="0" err="1">
+                <a:latin typeface="Consolas" panose="020B0609020204030204" pitchFamily="49" charset="0"/>
+              </a:rPr>
+              <a:t>preceding-sibling</a:t>
+            </a:r>
+            <a:r>
+              <a:rPr lang="es-ES" dirty="0"/>
+              <a:t>: los nodos del mismo nivel que preceden al nodo contexto</a:t>
+            </a:r>
+          </a:p>
+          <a:p>
+            <a:pPr lvl="1"/>
+            <a:r>
+              <a:rPr lang="es-ES" dirty="0" err="1">
+                <a:latin typeface="Consolas" panose="020B0609020204030204" pitchFamily="49" charset="0"/>
+              </a:rPr>
+              <a:t>attribute</a:t>
+            </a:r>
+            <a:r>
+              <a:rPr lang="es-ES" dirty="0"/>
+              <a:t>: los nodos atributo del nodo contexto</a:t>
+            </a:r>
+          </a:p>
+          <a:p>
+            <a:pPr lvl="1"/>
+            <a:r>
+              <a:rPr lang="es-ES" dirty="0" err="1">
+                <a:latin typeface="Consolas" panose="020B0609020204030204" pitchFamily="49" charset="0"/>
+              </a:rPr>
+              <a:t>namespace</a:t>
+            </a:r>
+            <a:r>
+              <a:rPr lang="es-ES" dirty="0"/>
+              <a:t>: los nodos de espacio de nombres del nodo contexto</a:t>
+            </a:r>
+          </a:p>
+          <a:p>
+            <a:pPr lvl="1"/>
+            <a:endParaRPr lang="es-ES" dirty="0"/>
+          </a:p>
+        </p:txBody>
+      </p:sp>
+    </p:spTree>
+    <p:extLst>
+      <p:ext uri="{BB962C8B-B14F-4D97-AF65-F5344CB8AC3E}">
+        <p14:creationId xmlns:p14="http://schemas.microsoft.com/office/powerpoint/2010/main" val="3831299860"/>
+      </p:ext>
+    </p:extLst>
+  </p:cSld>
+  <p:clrMapOvr>
+    <a:masterClrMapping/>
+  </p:clrMapOvr>
+</p:sld>
+</file>
+
+<file path=ppt/slides/slide22.xml><?xml version="1.0" encoding="utf-8"?>
+<p:sld xmlns:a="http://schemas.openxmlformats.org/drawingml/2006/main" xmlns:r="http://schemas.openxmlformats.org/officeDocument/2006/relationships" xmlns:p="http://schemas.openxmlformats.org/presentationml/2006/main">
+  <p:cSld>
+    <p:spTree>
+      <p:nvGrpSpPr>
+        <p:cNvPr id="1" name=""/>
+        <p:cNvGrpSpPr/>
+        <p:nvPr/>
+      </p:nvGrpSpPr>
+      <p:grpSpPr>
+        <a:xfrm>
+          <a:off x="0" y="0"/>
+          <a:ext cx="0" cy="0"/>
+          <a:chOff x="0" y="0"/>
+          <a:chExt cx="0" cy="0"/>
+        </a:xfrm>
+      </p:grpSpPr>
+      <p:sp>
+        <p:nvSpPr>
+          <p:cNvPr id="2" name="Título 1">
+            <a:extLst>
+              <a:ext uri="{FF2B5EF4-FFF2-40B4-BE49-F238E27FC236}">
+                <a16:creationId xmlns:a16="http://schemas.microsoft.com/office/drawing/2014/main" id="{89D6F9FB-4918-4EE1-93E8-28D6D11288D9}"/>
+              </a:ext>
+            </a:extLst>
+          </p:cNvPr>
+          <p:cNvSpPr>
+            <a:spLocks noGrp="1"/>
+          </p:cNvSpPr>
+          <p:nvPr>
+            <p:ph type="title"/>
+          </p:nvPr>
+        </p:nvSpPr>
+        <p:spPr/>
+        <p:txBody>
+          <a:bodyPr/>
+          <a:lstStyle/>
+          <a:p>
+            <a:r>
+              <a:rPr lang="es-ES" dirty="0" err="1"/>
+              <a:t>XPath</a:t>
+            </a:r>
+            <a:r>
+              <a:rPr lang="es-ES" dirty="0"/>
+              <a:t/>
+            </a:r>
+            <a:br>
+              <a:rPr lang="es-ES" dirty="0"/>
+            </a:br>
+            <a:r>
+              <a:rPr lang="es-ES" dirty="0"/>
+              <a:t>Ejes</a:t>
+            </a:r>
+          </a:p>
+        </p:txBody>
+      </p:sp>
+      <p:sp>
+        <p:nvSpPr>
+          <p:cNvPr id="3" name="Marcador de contenido 2">
+            <a:extLst>
+              <a:ext uri="{FF2B5EF4-FFF2-40B4-BE49-F238E27FC236}">
+                <a16:creationId xmlns:a16="http://schemas.microsoft.com/office/drawing/2014/main" id="{E715F939-53F0-4F71-88BF-12FD137A8BBC}"/>
+              </a:ext>
+            </a:extLst>
+          </p:cNvPr>
+          <p:cNvSpPr>
+            <a:spLocks noGrp="1"/>
+          </p:cNvSpPr>
+          <p:nvPr>
+            <p:ph idx="1"/>
+          </p:nvPr>
+        </p:nvSpPr>
+        <p:spPr/>
+        <p:txBody>
+          <a:bodyPr/>
+          <a:lstStyle/>
+          <a:p>
+            <a:r>
+              <a:rPr lang="es-ES" dirty="0"/>
+              <a:t>Las siguientes expresiones son equivalentes:</a:t>
+            </a:r>
+          </a:p>
+          <a:p>
+            <a:pPr lvl="1"/>
+            <a:r>
+              <a:rPr lang="es-ES" dirty="0">
+                <a:latin typeface="Consolas" panose="020B0609020204030204" pitchFamily="49" charset="0"/>
+              </a:rPr>
+              <a:t>/venta/clientes/@</a:t>
+            </a:r>
+            <a:r>
+              <a:rPr lang="es-ES" dirty="0" err="1">
+                <a:latin typeface="Consolas" panose="020B0609020204030204" pitchFamily="49" charset="0"/>
+              </a:rPr>
+              <a:t>cod</a:t>
+            </a:r>
+            <a:endParaRPr lang="es-ES" dirty="0">
+              <a:latin typeface="Consolas" panose="020B0609020204030204" pitchFamily="49" charset="0"/>
+            </a:endParaRPr>
+          </a:p>
+          <a:p>
+            <a:pPr lvl="1"/>
+            <a:r>
+              <a:rPr lang="es-ES" dirty="0">
+                <a:latin typeface="Consolas" panose="020B0609020204030204" pitchFamily="49" charset="0"/>
+              </a:rPr>
+              <a:t>/</a:t>
+            </a:r>
+            <a:r>
+              <a:rPr lang="es-ES" dirty="0" err="1">
+                <a:latin typeface="Consolas" panose="020B0609020204030204" pitchFamily="49" charset="0"/>
+              </a:rPr>
+              <a:t>child</a:t>
+            </a:r>
+            <a:r>
+              <a:rPr lang="es-ES" dirty="0">
+                <a:latin typeface="Consolas" panose="020B0609020204030204" pitchFamily="49" charset="0"/>
+              </a:rPr>
+              <a:t>::venta/</a:t>
+            </a:r>
+            <a:r>
+              <a:rPr lang="es-ES" dirty="0" err="1">
+                <a:latin typeface="Consolas" panose="020B0609020204030204" pitchFamily="49" charset="0"/>
+              </a:rPr>
+              <a:t>child</a:t>
+            </a:r>
+            <a:r>
+              <a:rPr lang="es-ES" dirty="0">
+                <a:latin typeface="Consolas" panose="020B0609020204030204" pitchFamily="49" charset="0"/>
+              </a:rPr>
+              <a:t>::cliente/</a:t>
+            </a:r>
+            <a:r>
+              <a:rPr lang="es-ES" dirty="0" err="1">
+                <a:latin typeface="Consolas" panose="020B0609020204030204" pitchFamily="49" charset="0"/>
+              </a:rPr>
+              <a:t>attribute</a:t>
+            </a:r>
+            <a:r>
+              <a:rPr lang="es-ES" dirty="0">
+                <a:latin typeface="Consolas" panose="020B0609020204030204" pitchFamily="49" charset="0"/>
+              </a:rPr>
+              <a:t>::</a:t>
+            </a:r>
+            <a:r>
+              <a:rPr lang="es-ES" dirty="0" err="1">
+                <a:latin typeface="Consolas" panose="020B0609020204030204" pitchFamily="49" charset="0"/>
+              </a:rPr>
+              <a:t>cod</a:t>
+            </a:r>
+            <a:endParaRPr lang="es-ES" dirty="0">
+              <a:latin typeface="Consolas" panose="020B0609020204030204" pitchFamily="49" charset="0"/>
+            </a:endParaRPr>
+          </a:p>
+        </p:txBody>
+      </p:sp>
+      <p:pic>
+        <p:nvPicPr>
+          <p:cNvPr id="4" name="Imagen 3">
+            <a:extLst>
+              <a:ext uri="{FF2B5EF4-FFF2-40B4-BE49-F238E27FC236}">
+                <a16:creationId xmlns:a16="http://schemas.microsoft.com/office/drawing/2014/main" id="{18314FE9-9482-43F6-9920-36B8592C6B6E}"/>
+              </a:ext>
+            </a:extLst>
+          </p:cNvPr>
+          <p:cNvPicPr>
+            <a:picLocks noChangeAspect="1"/>
+          </p:cNvPicPr>
+          <p:nvPr/>
+        </p:nvPicPr>
+        <p:blipFill>
+          <a:blip r:embed="rId2"/>
+          <a:stretch>
+            <a:fillRect/>
+          </a:stretch>
+        </p:blipFill>
+        <p:spPr>
+          <a:xfrm>
+            <a:off x="3532678" y="3429000"/>
+            <a:ext cx="5126643" cy="3294576"/>
+          </a:xfrm>
+          <a:prstGeom prst="rect">
+            <a:avLst/>
+          </a:prstGeom>
+          <a:ln>
+            <a:noFill/>
+          </a:ln>
+          <a:effectLst>
+            <a:outerShdw blurRad="292100" dist="139700" dir="2700000" algn="tl" rotWithShape="0">
+              <a:srgbClr val="333333">
+                <a:alpha val="65000"/>
+              </a:srgbClr>
+            </a:outerShdw>
+          </a:effectLst>
+        </p:spPr>
+      </p:pic>
+    </p:spTree>
+    <p:extLst>
+      <p:ext uri="{BB962C8B-B14F-4D97-AF65-F5344CB8AC3E}">
+        <p14:creationId xmlns:p14="http://schemas.microsoft.com/office/powerpoint/2010/main" val="2499214204"/>
+      </p:ext>
+    </p:extLst>
+  </p:cSld>
+  <p:clrMapOvr>
+    <a:masterClrMapping/>
+  </p:clrMapOvr>
+</p:sld>
+</file>
+
+<file path=ppt/slides/slide23.xml><?xml version="1.0" encoding="utf-8"?>
+<p:sld xmlns:a="http://schemas.openxmlformats.org/drawingml/2006/main" xmlns:r="http://schemas.openxmlformats.org/officeDocument/2006/relationships" xmlns:p="http://schemas.openxmlformats.org/presentationml/2006/main">
+  <p:cSld>
+    <p:spTree>
+      <p:nvGrpSpPr>
+        <p:cNvPr id="1" name=""/>
+        <p:cNvGrpSpPr/>
+        <p:nvPr/>
+      </p:nvGrpSpPr>
+      <p:grpSpPr>
+        <a:xfrm>
+          <a:off x="0" y="0"/>
+          <a:ext cx="0" cy="0"/>
+          <a:chOff x="0" y="0"/>
+          <a:chExt cx="0" cy="0"/>
+        </a:xfrm>
+      </p:grpSpPr>
+      <p:sp>
+        <p:nvSpPr>
+          <p:cNvPr id="2" name="Título 1">
+            <a:extLst>
+              <a:ext uri="{FF2B5EF4-FFF2-40B4-BE49-F238E27FC236}">
+                <a16:creationId xmlns:a16="http://schemas.microsoft.com/office/drawing/2014/main" id="{756531D1-7D91-4063-B94C-BAEEE09DE001}"/>
+              </a:ext>
+            </a:extLst>
+          </p:cNvPr>
+          <p:cNvSpPr>
+            <a:spLocks noGrp="1"/>
+          </p:cNvSpPr>
+          <p:nvPr>
+            <p:ph type="title"/>
+          </p:nvPr>
+        </p:nvSpPr>
+        <p:spPr/>
+        <p:txBody>
+          <a:bodyPr/>
+          <a:lstStyle/>
+          <a:p>
+            <a:r>
+              <a:rPr lang="es-ES" dirty="0" err="1"/>
+              <a:t>XPath</a:t>
+            </a:r>
+            <a:r>
+              <a:rPr lang="es-ES" dirty="0"/>
+              <a:t/>
+            </a:r>
+            <a:br>
+              <a:rPr lang="es-ES" dirty="0"/>
+            </a:br>
+            <a:r>
+              <a:rPr lang="es-ES" dirty="0"/>
+              <a:t>Test de nodo</a:t>
+            </a:r>
+          </a:p>
+        </p:txBody>
+      </p:sp>
+      <p:sp>
+        <p:nvSpPr>
+          <p:cNvPr id="3" name="Marcador de contenido 2">
+            <a:extLst>
+              <a:ext uri="{FF2B5EF4-FFF2-40B4-BE49-F238E27FC236}">
+                <a16:creationId xmlns:a16="http://schemas.microsoft.com/office/drawing/2014/main" id="{2D67B135-7204-4E13-9976-62F8C3F187AB}"/>
+              </a:ext>
+            </a:extLst>
+          </p:cNvPr>
+          <p:cNvSpPr>
+            <a:spLocks noGrp="1"/>
+          </p:cNvSpPr>
+          <p:nvPr>
+            <p:ph idx="1"/>
+          </p:nvPr>
+        </p:nvSpPr>
+        <p:spPr/>
+        <p:txBody>
+          <a:bodyPr>
+            <a:normAutofit fontScale="85000" lnSpcReduction="10000"/>
+          </a:bodyPr>
+          <a:lstStyle/>
+          <a:p>
+            <a:r>
+              <a:rPr lang="es-ES" dirty="0"/>
+              <a:t>Sirve para una vez identificado un conjunto de nodos con el eje adecuado, especificar exactamente que nodos de ese conjunto de nodos son los que queremos.</a:t>
+            </a:r>
+          </a:p>
+          <a:p>
+            <a:r>
+              <a:rPr lang="es-ES" dirty="0"/>
+              <a:t>Los test de nodo pueden ser:</a:t>
+            </a:r>
+          </a:p>
+          <a:p>
+            <a:pPr lvl="1"/>
+            <a:r>
+              <a:rPr lang="es-ES" dirty="0" err="1">
+                <a:latin typeface="Consolas" panose="020B0609020204030204" pitchFamily="49" charset="0"/>
+              </a:rPr>
+              <a:t>nombre_de_un_nodo</a:t>
+            </a:r>
+            <a:r>
+              <a:rPr lang="es-ES" dirty="0"/>
+              <a:t>: Selecciona todos los nodos con el nombre indicado</a:t>
+            </a:r>
+          </a:p>
+          <a:p>
+            <a:pPr lvl="1"/>
+            <a:r>
+              <a:rPr lang="es-ES" dirty="0">
+                <a:latin typeface="Consolas" panose="020B0609020204030204" pitchFamily="49" charset="0"/>
+              </a:rPr>
+              <a:t>*</a:t>
+            </a:r>
+            <a:r>
+              <a:rPr lang="es-ES" dirty="0"/>
+              <a:t>: selecciona todos los elementos y atributos</a:t>
+            </a:r>
+          </a:p>
+          <a:p>
+            <a:pPr lvl="1"/>
+            <a:r>
+              <a:rPr lang="es-ES" dirty="0" err="1">
+                <a:latin typeface="Consolas" panose="020B0609020204030204" pitchFamily="49" charset="0"/>
+              </a:rPr>
+              <a:t>node</a:t>
+            </a:r>
+            <a:r>
+              <a:rPr lang="es-ES" dirty="0">
+                <a:latin typeface="Consolas" panose="020B0609020204030204" pitchFamily="49" charset="0"/>
+              </a:rPr>
+              <a:t>():</a:t>
+            </a:r>
+            <a:r>
+              <a:rPr lang="es-ES" dirty="0"/>
+              <a:t> selecciona todos los nodos (de cualquier tipo)</a:t>
+            </a:r>
+          </a:p>
+          <a:p>
+            <a:pPr lvl="1"/>
+            <a:r>
+              <a:rPr lang="es-ES" dirty="0" err="1">
+                <a:latin typeface="Consolas" panose="020B0609020204030204" pitchFamily="49" charset="0"/>
+              </a:rPr>
+              <a:t>text</a:t>
+            </a:r>
+            <a:r>
+              <a:rPr lang="es-ES" dirty="0">
+                <a:latin typeface="Consolas" panose="020B0609020204030204" pitchFamily="49" charset="0"/>
+              </a:rPr>
+              <a:t>()</a:t>
+            </a:r>
+            <a:r>
+              <a:rPr lang="es-ES" dirty="0"/>
+              <a:t>: selecciona los nodos de texto</a:t>
+            </a:r>
+          </a:p>
+          <a:p>
+            <a:pPr lvl="1"/>
+            <a:r>
+              <a:rPr lang="es-ES" dirty="0" err="1">
+                <a:latin typeface="Consolas" panose="020B0609020204030204" pitchFamily="49" charset="0"/>
+              </a:rPr>
+              <a:t>comment</a:t>
+            </a:r>
+            <a:r>
+              <a:rPr lang="es-ES" dirty="0">
+                <a:latin typeface="Consolas" panose="020B0609020204030204" pitchFamily="49" charset="0"/>
+              </a:rPr>
+              <a:t>()</a:t>
+            </a:r>
+            <a:r>
+              <a:rPr lang="es-ES" dirty="0"/>
+              <a:t>: selecciona los nodos de comentario</a:t>
+            </a:r>
+          </a:p>
+          <a:p>
+            <a:pPr lvl="1"/>
+            <a:r>
+              <a:rPr lang="es-ES" dirty="0" err="1">
+                <a:latin typeface="Consolas" panose="020B0609020204030204" pitchFamily="49" charset="0"/>
+              </a:rPr>
+              <a:t>processing-instructions</a:t>
+            </a:r>
+            <a:r>
+              <a:rPr lang="es-ES" dirty="0">
+                <a:latin typeface="Consolas" panose="020B0609020204030204" pitchFamily="49" charset="0"/>
+              </a:rPr>
+              <a:t>()</a:t>
+            </a:r>
+            <a:r>
+              <a:rPr lang="es-ES" dirty="0"/>
+              <a:t>: Selecciona los nodos de procesamiento de instrucciones</a:t>
+            </a:r>
+          </a:p>
+        </p:txBody>
+      </p:sp>
+    </p:spTree>
+    <p:extLst>
+      <p:ext uri="{BB962C8B-B14F-4D97-AF65-F5344CB8AC3E}">
+        <p14:creationId xmlns:p14="http://schemas.microsoft.com/office/powerpoint/2010/main" val="1775132419"/>
+      </p:ext>
+    </p:extLst>
+  </p:cSld>
+  <p:clrMapOvr>
+    <a:masterClrMapping/>
+  </p:clrMapOvr>
+</p:sld>
+</file>
+
+<file path=ppt/slides/slide24.xml><?xml version="1.0" encoding="utf-8"?>
+<p:sld xmlns:a="http://schemas.openxmlformats.org/drawingml/2006/main" xmlns:r="http://schemas.openxmlformats.org/officeDocument/2006/relationships" xmlns:p="http://schemas.openxmlformats.org/presentationml/2006/main">
+  <p:cSld>
+    <p:spTree>
+      <p:nvGrpSpPr>
+        <p:cNvPr id="1" name=""/>
+        <p:cNvGrpSpPr/>
+        <p:nvPr/>
+      </p:nvGrpSpPr>
+      <p:grpSpPr>
+        <a:xfrm>
+          <a:off x="0" y="0"/>
+          <a:ext cx="0" cy="0"/>
+          <a:chOff x="0" y="0"/>
+          <a:chExt cx="0" cy="0"/>
+        </a:xfrm>
+      </p:grpSpPr>
+      <p:sp>
+        <p:nvSpPr>
+          <p:cNvPr id="2" name="Título 1">
+            <a:extLst>
+              <a:ext uri="{FF2B5EF4-FFF2-40B4-BE49-F238E27FC236}">
+                <a16:creationId xmlns:a16="http://schemas.microsoft.com/office/drawing/2014/main" id="{002C69F5-794C-4D60-9ECC-6AE75F92827B}"/>
+              </a:ext>
+            </a:extLst>
+          </p:cNvPr>
+          <p:cNvSpPr>
+            <a:spLocks noGrp="1"/>
+          </p:cNvSpPr>
+          <p:nvPr>
+            <p:ph type="title"/>
+          </p:nvPr>
+        </p:nvSpPr>
+        <p:spPr/>
+        <p:txBody>
+          <a:bodyPr/>
+          <a:lstStyle/>
+          <a:p>
+            <a:r>
+              <a:rPr lang="es-ES" dirty="0" err="1"/>
+              <a:t>XPath</a:t>
+            </a:r>
+            <a:r>
+              <a:rPr lang="es-ES" dirty="0"/>
+              <a:t/>
+            </a:r>
+            <a:br>
+              <a:rPr lang="es-ES" dirty="0"/>
+            </a:br>
+            <a:r>
+              <a:rPr lang="es-ES" dirty="0"/>
+              <a:t>Test de nodo</a:t>
+            </a:r>
+          </a:p>
+        </p:txBody>
+      </p:sp>
+      <p:sp>
+        <p:nvSpPr>
+          <p:cNvPr id="3" name="Marcador de contenido 2">
+            <a:extLst>
+              <a:ext uri="{FF2B5EF4-FFF2-40B4-BE49-F238E27FC236}">
+                <a16:creationId xmlns:a16="http://schemas.microsoft.com/office/drawing/2014/main" id="{5035027B-B896-4727-8AD2-D5CE64D1D1DE}"/>
+              </a:ext>
+            </a:extLst>
+          </p:cNvPr>
+          <p:cNvSpPr>
+            <a:spLocks noGrp="1"/>
+          </p:cNvSpPr>
+          <p:nvPr>
+            <p:ph idx="1"/>
+          </p:nvPr>
+        </p:nvSpPr>
+        <p:spPr/>
+        <p:txBody>
+          <a:bodyPr/>
+          <a:lstStyle/>
+          <a:p>
+            <a:r>
+              <a:rPr lang="es-ES" dirty="0"/>
+              <a:t>Conjunto de todos los atributos del documento:</a:t>
+            </a:r>
+          </a:p>
+          <a:p>
+            <a:pPr lvl="1"/>
+            <a:r>
+              <a:rPr lang="es-ES" dirty="0">
+                <a:latin typeface="Consolas" panose="020B0609020204030204" pitchFamily="49" charset="0"/>
+              </a:rPr>
+              <a:t>/</a:t>
+            </a:r>
+            <a:r>
+              <a:rPr lang="es-ES" dirty="0" err="1">
+                <a:latin typeface="Consolas" panose="020B0609020204030204" pitchFamily="49" charset="0"/>
+              </a:rPr>
+              <a:t>descendant-or-self</a:t>
+            </a:r>
+            <a:r>
+              <a:rPr lang="es-ES" dirty="0">
+                <a:latin typeface="Consolas" panose="020B0609020204030204" pitchFamily="49" charset="0"/>
+              </a:rPr>
+              <a:t>::</a:t>
+            </a:r>
+            <a:r>
+              <a:rPr lang="es-ES" dirty="0" err="1">
+                <a:latin typeface="Consolas" panose="020B0609020204030204" pitchFamily="49" charset="0"/>
+              </a:rPr>
+              <a:t>node</a:t>
+            </a:r>
+            <a:r>
+              <a:rPr lang="es-ES" dirty="0">
+                <a:latin typeface="Consolas" panose="020B0609020204030204" pitchFamily="49" charset="0"/>
+              </a:rPr>
+              <a:t>()/@*</a:t>
+            </a:r>
+          </a:p>
+          <a:p>
+            <a:r>
+              <a:rPr lang="es-ES" dirty="0"/>
+              <a:t>Conjunto de los atributos con nombre “</a:t>
+            </a:r>
+            <a:r>
+              <a:rPr lang="es-ES" dirty="0" err="1"/>
+              <a:t>cod</a:t>
+            </a:r>
+            <a:r>
+              <a:rPr lang="es-ES" dirty="0"/>
+              <a:t>”:</a:t>
+            </a:r>
+          </a:p>
+          <a:p>
+            <a:pPr lvl="1"/>
+            <a:r>
+              <a:rPr lang="es-ES" dirty="0">
+                <a:latin typeface="Consolas" panose="020B0609020204030204" pitchFamily="49" charset="0"/>
+              </a:rPr>
+              <a:t>/</a:t>
+            </a:r>
+            <a:r>
+              <a:rPr lang="es-ES" dirty="0" err="1">
+                <a:latin typeface="Consolas" panose="020B0609020204030204" pitchFamily="49" charset="0"/>
+              </a:rPr>
+              <a:t>descendant-or-self</a:t>
+            </a:r>
+            <a:r>
+              <a:rPr lang="es-ES" dirty="0">
+                <a:latin typeface="Consolas" panose="020B0609020204030204" pitchFamily="49" charset="0"/>
+              </a:rPr>
+              <a:t>::</a:t>
+            </a:r>
+            <a:r>
+              <a:rPr lang="es-ES" dirty="0" err="1">
+                <a:latin typeface="Consolas" panose="020B0609020204030204" pitchFamily="49" charset="0"/>
+              </a:rPr>
+              <a:t>node</a:t>
+            </a:r>
+            <a:r>
+              <a:rPr lang="es-ES" dirty="0">
+                <a:latin typeface="Consolas" panose="020B0609020204030204" pitchFamily="49" charset="0"/>
+              </a:rPr>
+              <a:t>()/@</a:t>
+            </a:r>
+            <a:r>
+              <a:rPr lang="es-ES" dirty="0" err="1">
+                <a:latin typeface="Consolas" panose="020B0609020204030204" pitchFamily="49" charset="0"/>
+              </a:rPr>
+              <a:t>cod</a:t>
+            </a:r>
+            <a:endParaRPr lang="es-ES" dirty="0">
+              <a:latin typeface="Consolas" panose="020B0609020204030204" pitchFamily="49" charset="0"/>
+            </a:endParaRPr>
+          </a:p>
+          <a:p>
+            <a:r>
+              <a:rPr lang="es-ES" dirty="0"/>
+              <a:t>Textos de las descripción de los productos:</a:t>
+            </a:r>
+          </a:p>
+          <a:p>
+            <a:pPr lvl="1"/>
+            <a:r>
+              <a:rPr lang="es-ES" dirty="0">
+                <a:latin typeface="Consolas" panose="020B0609020204030204" pitchFamily="49" charset="0"/>
+              </a:rPr>
+              <a:t>/venta/productos/producto/descripción/</a:t>
+            </a:r>
+            <a:r>
+              <a:rPr lang="es-ES" dirty="0" err="1">
+                <a:latin typeface="Consolas" panose="020B0609020204030204" pitchFamily="49" charset="0"/>
+              </a:rPr>
+              <a:t>text</a:t>
+            </a:r>
+            <a:r>
+              <a:rPr lang="es-ES" dirty="0">
+                <a:latin typeface="Consolas" panose="020B0609020204030204" pitchFamily="49" charset="0"/>
+              </a:rPr>
+              <a:t>()</a:t>
+            </a:r>
+          </a:p>
+          <a:p>
+            <a:pPr lvl="1"/>
+            <a:r>
+              <a:rPr lang="es-ES" dirty="0">
+                <a:latin typeface="Consolas" panose="020B0609020204030204" pitchFamily="49" charset="0"/>
+              </a:rPr>
+              <a:t>/</a:t>
+            </a:r>
+            <a:r>
+              <a:rPr lang="es-ES" dirty="0" err="1">
+                <a:latin typeface="Consolas" panose="020B0609020204030204" pitchFamily="49" charset="0"/>
+              </a:rPr>
+              <a:t>descendant-or-self</a:t>
+            </a:r>
+            <a:r>
+              <a:rPr lang="es-ES" dirty="0">
+                <a:latin typeface="Consolas" panose="020B0609020204030204" pitchFamily="49" charset="0"/>
+              </a:rPr>
+              <a:t>::</a:t>
+            </a:r>
+            <a:r>
+              <a:rPr lang="es-ES" dirty="0" err="1">
+                <a:latin typeface="Consolas" panose="020B0609020204030204" pitchFamily="49" charset="0"/>
+              </a:rPr>
+              <a:t>node</a:t>
+            </a:r>
+            <a:r>
+              <a:rPr lang="es-ES" dirty="0">
+                <a:latin typeface="Consolas" panose="020B0609020204030204" pitchFamily="49" charset="0"/>
+              </a:rPr>
+              <a:t>()/descripción/</a:t>
+            </a:r>
+            <a:r>
+              <a:rPr lang="es-ES" dirty="0" err="1">
+                <a:latin typeface="Consolas" panose="020B0609020204030204" pitchFamily="49" charset="0"/>
+              </a:rPr>
+              <a:t>text</a:t>
+            </a:r>
+            <a:r>
+              <a:rPr lang="es-ES" dirty="0">
+                <a:latin typeface="Consolas" panose="020B0609020204030204" pitchFamily="49" charset="0"/>
+              </a:rPr>
+              <a:t>()</a:t>
+            </a:r>
+          </a:p>
+        </p:txBody>
+      </p:sp>
+    </p:spTree>
+    <p:extLst>
+      <p:ext uri="{BB962C8B-B14F-4D97-AF65-F5344CB8AC3E}">
+        <p14:creationId xmlns:p14="http://schemas.microsoft.com/office/powerpoint/2010/main" val="907350390"/>
+      </p:ext>
+    </p:extLst>
+  </p:cSld>
+  <p:clrMapOvr>
+    <a:masterClrMapping/>
+  </p:clrMapOvr>
+</p:sld>
+</file>
+
+<file path=ppt/slides/slide25.xml><?xml version="1.0" encoding="utf-8"?>
+<p:sld xmlns:a="http://schemas.openxmlformats.org/drawingml/2006/main" xmlns:r="http://schemas.openxmlformats.org/officeDocument/2006/relationships" xmlns:p="http://schemas.openxmlformats.org/presentationml/2006/main">
+  <p:cSld>
+    <p:spTree>
+      <p:nvGrpSpPr>
+        <p:cNvPr id="1" name=""/>
+        <p:cNvGrpSpPr/>
+        <p:nvPr/>
+      </p:nvGrpSpPr>
+      <p:grpSpPr>
+        <a:xfrm>
+          <a:off x="0" y="0"/>
+          <a:ext cx="0" cy="0"/>
+          <a:chOff x="0" y="0"/>
+          <a:chExt cx="0" cy="0"/>
+        </a:xfrm>
+      </p:grpSpPr>
+      <p:sp>
+        <p:nvSpPr>
+          <p:cNvPr id="2" name="Título 1">
+            <a:extLst>
+              <a:ext uri="{FF2B5EF4-FFF2-40B4-BE49-F238E27FC236}">
+                <a16:creationId xmlns:a16="http://schemas.microsoft.com/office/drawing/2014/main" id="{A6101566-ADE6-4AB2-9027-7AFCFEB67130}"/>
+              </a:ext>
+            </a:extLst>
+          </p:cNvPr>
+          <p:cNvSpPr>
+            <a:spLocks noGrp="1"/>
+          </p:cNvSpPr>
+          <p:nvPr>
+            <p:ph type="title"/>
+          </p:nvPr>
+        </p:nvSpPr>
+        <p:spPr/>
+        <p:txBody>
+          <a:bodyPr/>
+          <a:lstStyle/>
+          <a:p>
+            <a:r>
+              <a:rPr lang="es-ES" dirty="0" err="1"/>
+              <a:t>XPath</a:t>
+            </a:r>
+            <a:r>
+              <a:rPr lang="es-ES" dirty="0"/>
+              <a:t/>
+            </a:r>
+            <a:br>
+              <a:rPr lang="es-ES" dirty="0"/>
+            </a:br>
+            <a:r>
+              <a:rPr lang="es-ES" dirty="0"/>
+              <a:t>Test de nodo</a:t>
+            </a:r>
+          </a:p>
+        </p:txBody>
+      </p:sp>
+      <p:sp>
+        <p:nvSpPr>
+          <p:cNvPr id="3" name="Marcador de contenido 2">
+            <a:extLst>
+              <a:ext uri="{FF2B5EF4-FFF2-40B4-BE49-F238E27FC236}">
+                <a16:creationId xmlns:a16="http://schemas.microsoft.com/office/drawing/2014/main" id="{D2F3FCCD-B951-47AF-B84B-856AF8AEB368}"/>
+              </a:ext>
+            </a:extLst>
+          </p:cNvPr>
+          <p:cNvSpPr>
+            <a:spLocks noGrp="1"/>
+          </p:cNvSpPr>
+          <p:nvPr>
+            <p:ph idx="1"/>
+          </p:nvPr>
+        </p:nvSpPr>
+        <p:spPr/>
+        <p:txBody>
+          <a:bodyPr/>
+          <a:lstStyle/>
+          <a:p>
+            <a:r>
+              <a:rPr lang="es-ES" dirty="0"/>
+              <a:t>Observar que no es lo mismo obtener como resultado un conjunto de nodos sin filtrar:</a:t>
+            </a:r>
+          </a:p>
+          <a:p>
+            <a:pPr lvl="1"/>
+            <a:r>
+              <a:rPr lang="es-ES" dirty="0">
+                <a:latin typeface="Consolas" panose="020B0609020204030204" pitchFamily="49" charset="0"/>
+              </a:rPr>
+              <a:t>/</a:t>
+            </a:r>
+            <a:r>
+              <a:rPr lang="es-ES" dirty="0" err="1">
+                <a:latin typeface="Consolas" panose="020B0609020204030204" pitchFamily="49" charset="0"/>
+              </a:rPr>
+              <a:t>descendant-or-self</a:t>
+            </a:r>
+            <a:r>
+              <a:rPr lang="es-ES" dirty="0">
+                <a:latin typeface="Consolas" panose="020B0609020204030204" pitchFamily="49" charset="0"/>
+              </a:rPr>
+              <a:t>::</a:t>
+            </a:r>
+            <a:r>
+              <a:rPr lang="es-ES" dirty="0" err="1">
+                <a:latin typeface="Consolas" panose="020B0609020204030204" pitchFamily="49" charset="0"/>
+              </a:rPr>
+              <a:t>node</a:t>
+            </a:r>
+            <a:r>
+              <a:rPr lang="es-ES" dirty="0">
+                <a:latin typeface="Consolas" panose="020B0609020204030204" pitchFamily="49" charset="0"/>
+              </a:rPr>
+              <a:t>()/descripción</a:t>
+            </a:r>
+          </a:p>
+          <a:p>
+            <a:r>
+              <a:rPr lang="es-ES" dirty="0"/>
+              <a:t>Que indicar que queremos obtener solamente los nodos de tipo “Texto”:</a:t>
+            </a:r>
+          </a:p>
+          <a:p>
+            <a:pPr lvl="1"/>
+            <a:r>
+              <a:rPr lang="es-ES" dirty="0">
+                <a:latin typeface="Consolas" panose="020B0609020204030204" pitchFamily="49" charset="0"/>
+              </a:rPr>
+              <a:t>/</a:t>
+            </a:r>
+            <a:r>
+              <a:rPr lang="es-ES" dirty="0" err="1">
+                <a:latin typeface="Consolas" panose="020B0609020204030204" pitchFamily="49" charset="0"/>
+              </a:rPr>
+              <a:t>descendant-or-self</a:t>
+            </a:r>
+            <a:r>
+              <a:rPr lang="es-ES" dirty="0">
+                <a:latin typeface="Consolas" panose="020B0609020204030204" pitchFamily="49" charset="0"/>
+              </a:rPr>
+              <a:t>::</a:t>
+            </a:r>
+            <a:r>
+              <a:rPr lang="es-ES" dirty="0" err="1">
+                <a:latin typeface="Consolas" panose="020B0609020204030204" pitchFamily="49" charset="0"/>
+              </a:rPr>
+              <a:t>node</a:t>
+            </a:r>
+            <a:r>
+              <a:rPr lang="es-ES" dirty="0">
+                <a:latin typeface="Consolas" panose="020B0609020204030204" pitchFamily="49" charset="0"/>
+              </a:rPr>
+              <a:t>()/descripción/</a:t>
+            </a:r>
+            <a:r>
+              <a:rPr lang="es-ES" dirty="0" err="1">
+                <a:latin typeface="Consolas" panose="020B0609020204030204" pitchFamily="49" charset="0"/>
+              </a:rPr>
+              <a:t>text</a:t>
+            </a:r>
+            <a:r>
+              <a:rPr lang="es-ES" dirty="0">
+                <a:latin typeface="Consolas" panose="020B0609020204030204" pitchFamily="49" charset="0"/>
+              </a:rPr>
+              <a:t>()</a:t>
+            </a:r>
+          </a:p>
+          <a:p>
+            <a:pPr lvl="1"/>
+            <a:endParaRPr lang="es-ES" dirty="0"/>
+          </a:p>
+        </p:txBody>
+      </p:sp>
+    </p:spTree>
+    <p:extLst>
+      <p:ext uri="{BB962C8B-B14F-4D97-AF65-F5344CB8AC3E}">
+        <p14:creationId xmlns:p14="http://schemas.microsoft.com/office/powerpoint/2010/main" val="59868082"/>
+      </p:ext>
+    </p:extLst>
+  </p:cSld>
+  <p:clrMapOvr>
+    <a:masterClrMapping/>
+  </p:clrMapOvr>
+</p:sld>
+</file>
+
+<file path=ppt/slides/slide26.xml><?xml version="1.0" encoding="utf-8"?>
+<p:sld xmlns:a="http://schemas.openxmlformats.org/drawingml/2006/main" xmlns:r="http://schemas.openxmlformats.org/officeDocument/2006/relationships" xmlns:p="http://schemas.openxmlformats.org/presentationml/2006/main">
+  <p:cSld>
+    <p:spTree>
+      <p:nvGrpSpPr>
+        <p:cNvPr id="1" name=""/>
+        <p:cNvGrpSpPr/>
+        <p:nvPr/>
+      </p:nvGrpSpPr>
+      <p:grpSpPr>
+        <a:xfrm>
+          <a:off x="0" y="0"/>
+          <a:ext cx="0" cy="0"/>
+          <a:chOff x="0" y="0"/>
+          <a:chExt cx="0" cy="0"/>
+        </a:xfrm>
+      </p:grpSpPr>
+      <p:sp>
+        <p:nvSpPr>
+          <p:cNvPr id="2" name="Título 1">
+            <a:extLst>
+              <a:ext uri="{FF2B5EF4-FFF2-40B4-BE49-F238E27FC236}">
+                <a16:creationId xmlns:a16="http://schemas.microsoft.com/office/drawing/2014/main" id="{F600D8B0-B980-4CDF-B756-F371609F13BC}"/>
+              </a:ext>
+            </a:extLst>
+          </p:cNvPr>
+          <p:cNvSpPr>
+            <a:spLocks noGrp="1"/>
+          </p:cNvSpPr>
+          <p:nvPr>
+            <p:ph type="title"/>
+          </p:nvPr>
+        </p:nvSpPr>
+        <p:spPr/>
+        <p:txBody>
+          <a:bodyPr/>
+          <a:lstStyle/>
+          <a:p>
+            <a:r>
+              <a:rPr lang="es-ES" dirty="0" err="1"/>
+              <a:t>XPath</a:t>
+            </a:r>
+            <a:r>
+              <a:rPr lang="es-ES" dirty="0"/>
+              <a:t/>
+            </a:r>
+            <a:br>
+              <a:rPr lang="es-ES" dirty="0"/>
+            </a:br>
+            <a:r>
+              <a:rPr lang="es-ES" dirty="0"/>
+              <a:t>Test de nodo</a:t>
+            </a:r>
+          </a:p>
+        </p:txBody>
+      </p:sp>
+      <p:sp>
+        <p:nvSpPr>
+          <p:cNvPr id="3" name="Marcador de contenido 2">
+            <a:extLst>
+              <a:ext uri="{FF2B5EF4-FFF2-40B4-BE49-F238E27FC236}">
+                <a16:creationId xmlns:a16="http://schemas.microsoft.com/office/drawing/2014/main" id="{6DA07F17-D842-4266-952C-E31A851C98FB}"/>
+              </a:ext>
+            </a:extLst>
+          </p:cNvPr>
+          <p:cNvSpPr>
+            <a:spLocks noGrp="1"/>
+          </p:cNvSpPr>
+          <p:nvPr>
+            <p:ph idx="1"/>
+          </p:nvPr>
+        </p:nvSpPr>
+        <p:spPr/>
+        <p:txBody>
+          <a:bodyPr>
+            <a:normAutofit lnSpcReduction="10000"/>
+          </a:bodyPr>
+          <a:lstStyle/>
+          <a:p>
+            <a:r>
+              <a:rPr lang="es-ES" dirty="0"/>
+              <a:t>Debido a su frecuente uso, existen abreviaturas para algunas rutas de localización:</a:t>
+            </a:r>
+          </a:p>
+          <a:p>
+            <a:pPr lvl="1"/>
+            <a:r>
+              <a:rPr lang="es-ES" dirty="0"/>
+              <a:t>“</a:t>
+            </a:r>
+            <a:r>
+              <a:rPr lang="es-ES" dirty="0">
+                <a:latin typeface="Consolas" panose="020B0609020204030204" pitchFamily="49" charset="0"/>
+              </a:rPr>
+              <a:t>//</a:t>
+            </a:r>
+            <a:r>
+              <a:rPr lang="es-ES" dirty="0"/>
+              <a:t>” </a:t>
+            </a:r>
+            <a:r>
+              <a:rPr lang="es-ES" dirty="0">
+                <a:sym typeface="Wingdings" panose="05000000000000000000" pitchFamily="2" charset="2"/>
+              </a:rPr>
+              <a:t> “</a:t>
+            </a:r>
+            <a:r>
+              <a:rPr lang="es-ES" dirty="0" err="1">
+                <a:latin typeface="Consolas" panose="020B0609020204030204" pitchFamily="49" charset="0"/>
+                <a:sym typeface="Wingdings" panose="05000000000000000000" pitchFamily="2" charset="2"/>
+              </a:rPr>
+              <a:t>descendant-or-self</a:t>
+            </a:r>
+            <a:r>
+              <a:rPr lang="es-ES" dirty="0">
+                <a:latin typeface="Consolas" panose="020B0609020204030204" pitchFamily="49" charset="0"/>
+                <a:sym typeface="Wingdings" panose="05000000000000000000" pitchFamily="2" charset="2"/>
+              </a:rPr>
+              <a:t>::</a:t>
+            </a:r>
+            <a:r>
+              <a:rPr lang="es-ES" dirty="0" err="1">
+                <a:latin typeface="Consolas" panose="020B0609020204030204" pitchFamily="49" charset="0"/>
+                <a:sym typeface="Wingdings" panose="05000000000000000000" pitchFamily="2" charset="2"/>
+              </a:rPr>
+              <a:t>node</a:t>
+            </a:r>
+            <a:r>
+              <a:rPr lang="es-ES" dirty="0">
+                <a:latin typeface="Consolas" panose="020B0609020204030204" pitchFamily="49" charset="0"/>
+                <a:sym typeface="Wingdings" panose="05000000000000000000" pitchFamily="2" charset="2"/>
+              </a:rPr>
+              <a:t>()</a:t>
+            </a:r>
+            <a:r>
+              <a:rPr lang="es-ES" dirty="0">
+                <a:sym typeface="Wingdings" panose="05000000000000000000" pitchFamily="2" charset="2"/>
+              </a:rPr>
+              <a:t>”</a:t>
+            </a:r>
+          </a:p>
+          <a:p>
+            <a:pPr lvl="1"/>
+            <a:r>
+              <a:rPr lang="es-ES" dirty="0">
+                <a:sym typeface="Wingdings" panose="05000000000000000000" pitchFamily="2" charset="2"/>
+              </a:rPr>
+              <a:t>“</a:t>
+            </a:r>
+            <a:r>
+              <a:rPr lang="es-ES" dirty="0">
+                <a:latin typeface="Consolas" panose="020B0609020204030204" pitchFamily="49" charset="0"/>
+                <a:sym typeface="Wingdings" panose="05000000000000000000" pitchFamily="2" charset="2"/>
+              </a:rPr>
+              <a:t>.</a:t>
+            </a:r>
+            <a:r>
+              <a:rPr lang="es-ES" dirty="0">
+                <a:sym typeface="Wingdings" panose="05000000000000000000" pitchFamily="2" charset="2"/>
+              </a:rPr>
+              <a:t>”  “</a:t>
+            </a:r>
+            <a:r>
+              <a:rPr lang="es-ES" dirty="0" err="1">
+                <a:latin typeface="Consolas" panose="020B0609020204030204" pitchFamily="49" charset="0"/>
+                <a:sym typeface="Wingdings" panose="05000000000000000000" pitchFamily="2" charset="2"/>
+              </a:rPr>
+              <a:t>self</a:t>
+            </a:r>
+            <a:r>
+              <a:rPr lang="es-ES" dirty="0">
+                <a:latin typeface="Consolas" panose="020B0609020204030204" pitchFamily="49" charset="0"/>
+                <a:sym typeface="Wingdings" panose="05000000000000000000" pitchFamily="2" charset="2"/>
+              </a:rPr>
+              <a:t>::</a:t>
+            </a:r>
+            <a:r>
+              <a:rPr lang="es-ES" dirty="0" err="1">
+                <a:latin typeface="Consolas" panose="020B0609020204030204" pitchFamily="49" charset="0"/>
+                <a:sym typeface="Wingdings" panose="05000000000000000000" pitchFamily="2" charset="2"/>
+              </a:rPr>
+              <a:t>node</a:t>
+            </a:r>
+            <a:r>
+              <a:rPr lang="es-ES" dirty="0">
+                <a:latin typeface="Consolas" panose="020B0609020204030204" pitchFamily="49" charset="0"/>
+                <a:sym typeface="Wingdings" panose="05000000000000000000" pitchFamily="2" charset="2"/>
+              </a:rPr>
+              <a:t>()</a:t>
+            </a:r>
+            <a:r>
+              <a:rPr lang="es-ES" dirty="0">
+                <a:sym typeface="Wingdings" panose="05000000000000000000" pitchFamily="2" charset="2"/>
+              </a:rPr>
+              <a:t>”</a:t>
+            </a:r>
+          </a:p>
+          <a:p>
+            <a:pPr lvl="1"/>
+            <a:r>
+              <a:rPr lang="es-ES" dirty="0">
+                <a:sym typeface="Wingdings" panose="05000000000000000000" pitchFamily="2" charset="2"/>
+              </a:rPr>
+              <a:t>“</a:t>
+            </a:r>
+            <a:r>
+              <a:rPr lang="es-ES" dirty="0">
+                <a:latin typeface="Consolas" panose="020B0609020204030204" pitchFamily="49" charset="0"/>
+                <a:sym typeface="Wingdings" panose="05000000000000000000" pitchFamily="2" charset="2"/>
+              </a:rPr>
+              <a:t>..</a:t>
+            </a:r>
+            <a:r>
+              <a:rPr lang="es-ES" dirty="0">
+                <a:sym typeface="Wingdings" panose="05000000000000000000" pitchFamily="2" charset="2"/>
+              </a:rPr>
+              <a:t>”  “</a:t>
+            </a:r>
+            <a:r>
+              <a:rPr lang="es-ES" dirty="0" err="1">
+                <a:latin typeface="Consolas" panose="020B0609020204030204" pitchFamily="49" charset="0"/>
+                <a:sym typeface="Wingdings" panose="05000000000000000000" pitchFamily="2" charset="2"/>
+              </a:rPr>
+              <a:t>parent</a:t>
+            </a:r>
+            <a:r>
+              <a:rPr lang="es-ES" dirty="0">
+                <a:latin typeface="Consolas" panose="020B0609020204030204" pitchFamily="49" charset="0"/>
+                <a:sym typeface="Wingdings" panose="05000000000000000000" pitchFamily="2" charset="2"/>
+              </a:rPr>
+              <a:t>::</a:t>
+            </a:r>
+            <a:r>
+              <a:rPr lang="es-ES" dirty="0" err="1">
+                <a:latin typeface="Consolas" panose="020B0609020204030204" pitchFamily="49" charset="0"/>
+                <a:sym typeface="Wingdings" panose="05000000000000000000" pitchFamily="2" charset="2"/>
+              </a:rPr>
+              <a:t>node</a:t>
+            </a:r>
+            <a:r>
+              <a:rPr lang="es-ES" dirty="0">
+                <a:latin typeface="Consolas" panose="020B0609020204030204" pitchFamily="49" charset="0"/>
+                <a:sym typeface="Wingdings" panose="05000000000000000000" pitchFamily="2" charset="2"/>
+              </a:rPr>
+              <a:t>()</a:t>
+            </a:r>
+            <a:r>
+              <a:rPr lang="es-ES" dirty="0">
+                <a:sym typeface="Wingdings" panose="05000000000000000000" pitchFamily="2" charset="2"/>
+              </a:rPr>
+              <a:t>”</a:t>
+            </a:r>
+          </a:p>
+          <a:p>
+            <a:endParaRPr lang="es-ES" dirty="0">
+              <a:sym typeface="Wingdings" panose="05000000000000000000" pitchFamily="2" charset="2"/>
+            </a:endParaRPr>
+          </a:p>
+          <a:p>
+            <a:r>
+              <a:rPr lang="es-ES" dirty="0">
+                <a:sym typeface="Wingdings" panose="05000000000000000000" pitchFamily="2" charset="2"/>
+              </a:rPr>
+              <a:t>La expresión anterior quedaría:</a:t>
+            </a:r>
+          </a:p>
+          <a:p>
+            <a:pPr lvl="1"/>
+            <a:r>
+              <a:rPr lang="es-ES" dirty="0">
+                <a:latin typeface="Consolas" panose="020B0609020204030204" pitchFamily="49" charset="0"/>
+                <a:sym typeface="Wingdings" panose="05000000000000000000" pitchFamily="2" charset="2"/>
+              </a:rPr>
+              <a:t>//descripción/</a:t>
+            </a:r>
+            <a:r>
+              <a:rPr lang="es-ES" dirty="0" err="1">
+                <a:latin typeface="Consolas" panose="020B0609020204030204" pitchFamily="49" charset="0"/>
+                <a:sym typeface="Wingdings" panose="05000000000000000000" pitchFamily="2" charset="2"/>
+              </a:rPr>
+              <a:t>text</a:t>
+            </a:r>
+            <a:r>
+              <a:rPr lang="es-ES" dirty="0">
+                <a:latin typeface="Consolas" panose="020B0609020204030204" pitchFamily="49" charset="0"/>
+                <a:sym typeface="Wingdings" panose="05000000000000000000" pitchFamily="2" charset="2"/>
+              </a:rPr>
+              <a:t>()</a:t>
+            </a:r>
+          </a:p>
+        </p:txBody>
+      </p:sp>
+    </p:spTree>
+    <p:extLst>
+      <p:ext uri="{BB962C8B-B14F-4D97-AF65-F5344CB8AC3E}">
+        <p14:creationId xmlns:p14="http://schemas.microsoft.com/office/powerpoint/2010/main" val="3918670384"/>
+      </p:ext>
+    </p:extLst>
+  </p:cSld>
+  <p:clrMapOvr>
+    <a:masterClrMapping/>
+  </p:clrMapOvr>
+</p:sld>
+</file>
+
+<file path=ppt/slides/slide27.xml><?xml version="1.0" encoding="utf-8"?>
+<p:sld xmlns:a="http://schemas.openxmlformats.org/drawingml/2006/main" xmlns:r="http://schemas.openxmlformats.org/officeDocument/2006/relationships" xmlns:p="http://schemas.openxmlformats.org/presentationml/2006/main">
+  <p:cSld>
+    <p:spTree>
+      <p:nvGrpSpPr>
+        <p:cNvPr id="1" name=""/>
+        <p:cNvGrpSpPr/>
+        <p:nvPr/>
+      </p:nvGrpSpPr>
+      <p:grpSpPr>
+        <a:xfrm>
+          <a:off x="0" y="0"/>
+          <a:ext cx="0" cy="0"/>
+          <a:chOff x="0" y="0"/>
+          <a:chExt cx="0" cy="0"/>
+        </a:xfrm>
+      </p:grpSpPr>
+      <p:sp>
+        <p:nvSpPr>
+          <p:cNvPr id="2" name="Título 1">
+            <a:extLst>
+              <a:ext uri="{FF2B5EF4-FFF2-40B4-BE49-F238E27FC236}">
+                <a16:creationId xmlns:a16="http://schemas.microsoft.com/office/drawing/2014/main" id="{9707E7DC-A46E-4072-ACA7-22B9127F28DA}"/>
+              </a:ext>
+            </a:extLst>
+          </p:cNvPr>
+          <p:cNvSpPr>
+            <a:spLocks noGrp="1"/>
+          </p:cNvSpPr>
+          <p:nvPr>
+            <p:ph type="title"/>
+          </p:nvPr>
+        </p:nvSpPr>
+        <p:spPr/>
+        <p:txBody>
+          <a:bodyPr/>
+          <a:lstStyle/>
+          <a:p>
+            <a:r>
+              <a:rPr lang="es-ES" dirty="0" err="1"/>
+              <a:t>XPath</a:t>
+            </a:r>
+            <a:r>
+              <a:rPr lang="es-ES" dirty="0"/>
+              <a:t/>
+            </a:r>
+            <a:br>
+              <a:rPr lang="es-ES" dirty="0"/>
+            </a:br>
+            <a:r>
+              <a:rPr lang="es-ES" dirty="0"/>
+              <a:t>Predicados</a:t>
+            </a:r>
+          </a:p>
+        </p:txBody>
+      </p:sp>
+      <p:sp>
+        <p:nvSpPr>
+          <p:cNvPr id="3" name="Marcador de contenido 2">
+            <a:extLst>
+              <a:ext uri="{FF2B5EF4-FFF2-40B4-BE49-F238E27FC236}">
+                <a16:creationId xmlns:a16="http://schemas.microsoft.com/office/drawing/2014/main" id="{8C97A074-644A-4AD1-A0AB-677B3DD26008}"/>
+              </a:ext>
+            </a:extLst>
+          </p:cNvPr>
+          <p:cNvSpPr>
+            <a:spLocks noGrp="1"/>
+          </p:cNvSpPr>
+          <p:nvPr>
+            <p:ph idx="1"/>
+          </p:nvPr>
+        </p:nvSpPr>
+        <p:spPr/>
+        <p:txBody>
+          <a:bodyPr>
+            <a:normAutofit fontScale="92500" lnSpcReduction="20000"/>
+          </a:bodyPr>
+          <a:lstStyle/>
+          <a:p>
+            <a:r>
+              <a:rPr lang="es-ES" dirty="0"/>
+              <a:t>Los predicados son condiciones opcionales en un paso de localización</a:t>
+            </a:r>
+          </a:p>
+          <a:p>
+            <a:r>
+              <a:rPr lang="es-ES" dirty="0"/>
+              <a:t>Se introducen entre corchetes después del test de nodo</a:t>
+            </a:r>
+          </a:p>
+          <a:p>
+            <a:r>
+              <a:rPr lang="es-ES" dirty="0"/>
+              <a:t>Nos ayudan a ajustar la búsqueda en el conjunto de nodos que nos interesan</a:t>
+            </a:r>
+          </a:p>
+          <a:p>
+            <a:r>
+              <a:rPr lang="es-ES" dirty="0"/>
+              <a:t>Cada predicado puede contener una ruta de localización relativa al nodo actual</a:t>
+            </a:r>
+          </a:p>
+          <a:p>
+            <a:r>
+              <a:rPr lang="es-ES" dirty="0"/>
+              <a:t>Una forma habitual que se emplea en los predicados hace uso de una característica especial de </a:t>
+            </a:r>
+            <a:r>
+              <a:rPr lang="es-ES" dirty="0" err="1"/>
+              <a:t>XPath</a:t>
+            </a:r>
+            <a:r>
+              <a:rPr lang="es-ES" dirty="0"/>
+              <a:t>:</a:t>
+            </a:r>
+          </a:p>
+          <a:p>
+            <a:pPr lvl="1"/>
+            <a:r>
+              <a:rPr lang="es-ES" dirty="0"/>
+              <a:t>Cualquier conjunto de nodos no vacío es tratado de forma booleana como “verdadero” y a los nodos vacío se le asigna el valor booleano “falso”</a:t>
+            </a:r>
+          </a:p>
+        </p:txBody>
+      </p:sp>
+    </p:spTree>
+    <p:extLst>
+      <p:ext uri="{BB962C8B-B14F-4D97-AF65-F5344CB8AC3E}">
+        <p14:creationId xmlns:p14="http://schemas.microsoft.com/office/powerpoint/2010/main" val="3318152395"/>
+      </p:ext>
+    </p:extLst>
+  </p:cSld>
+  <p:clrMapOvr>
+    <a:masterClrMapping/>
+  </p:clrMapOvr>
+</p:sld>
+</file>
+
+<file path=ppt/slides/slide28.xml><?xml version="1.0" encoding="utf-8"?>
+<p:sld xmlns:a="http://schemas.openxmlformats.org/drawingml/2006/main" xmlns:r="http://schemas.openxmlformats.org/officeDocument/2006/relationships" xmlns:p="http://schemas.openxmlformats.org/presentationml/2006/main">
+  <p:cSld>
+    <p:spTree>
+      <p:nvGrpSpPr>
+        <p:cNvPr id="1" name=""/>
+        <p:cNvGrpSpPr/>
+        <p:nvPr/>
+      </p:nvGrpSpPr>
+      <p:grpSpPr>
+        <a:xfrm>
+          <a:off x="0" y="0"/>
+          <a:ext cx="0" cy="0"/>
+          <a:chOff x="0" y="0"/>
+          <a:chExt cx="0" cy="0"/>
+        </a:xfrm>
+      </p:grpSpPr>
+      <p:sp>
+        <p:nvSpPr>
+          <p:cNvPr id="2" name="Título 1">
+            <a:extLst>
+              <a:ext uri="{FF2B5EF4-FFF2-40B4-BE49-F238E27FC236}">
+                <a16:creationId xmlns:a16="http://schemas.microsoft.com/office/drawing/2014/main" id="{DC51F0B6-50B0-4F19-B8FE-85BF079141D1}"/>
+              </a:ext>
+            </a:extLst>
+          </p:cNvPr>
+          <p:cNvSpPr>
+            <a:spLocks noGrp="1"/>
+          </p:cNvSpPr>
+          <p:nvPr>
+            <p:ph type="title"/>
+          </p:nvPr>
+        </p:nvSpPr>
+        <p:spPr/>
+        <p:txBody>
+          <a:bodyPr/>
+          <a:lstStyle/>
+          <a:p>
+            <a:r>
+              <a:rPr lang="es-ES" dirty="0" err="1"/>
+              <a:t>XPath</a:t>
+            </a:r>
+            <a:r>
+              <a:rPr lang="es-ES" dirty="0"/>
+              <a:t/>
+            </a:r>
+            <a:br>
+              <a:rPr lang="es-ES" dirty="0"/>
+            </a:br>
+            <a:r>
+              <a:rPr lang="es-ES" dirty="0"/>
+              <a:t>Predicados</a:t>
+            </a:r>
+          </a:p>
+        </p:txBody>
+      </p:sp>
+      <p:sp>
+        <p:nvSpPr>
+          <p:cNvPr id="3" name="Marcador de contenido 2">
+            <a:extLst>
+              <a:ext uri="{FF2B5EF4-FFF2-40B4-BE49-F238E27FC236}">
+                <a16:creationId xmlns:a16="http://schemas.microsoft.com/office/drawing/2014/main" id="{58498CA3-E916-4C7C-9E5F-6B27796C7285}"/>
+              </a:ext>
+            </a:extLst>
+          </p:cNvPr>
+          <p:cNvSpPr>
+            <a:spLocks noGrp="1"/>
+          </p:cNvSpPr>
+          <p:nvPr>
+            <p:ph idx="1"/>
+          </p:nvPr>
+        </p:nvSpPr>
+        <p:spPr/>
+        <p:txBody>
+          <a:bodyPr>
+            <a:normAutofit fontScale="92500" lnSpcReduction="20000"/>
+          </a:bodyPr>
+          <a:lstStyle/>
+          <a:p>
+            <a:r>
+              <a:rPr lang="es-ES" dirty="0"/>
+              <a:t>Ejemplo:</a:t>
+            </a:r>
+          </a:p>
+          <a:p>
+            <a:pPr lvl="1"/>
+            <a:r>
+              <a:rPr lang="es-ES" dirty="0">
+                <a:latin typeface="Consolas" panose="020B0609020204030204" pitchFamily="49" charset="0"/>
+              </a:rPr>
+              <a:t>//producto[</a:t>
+            </a:r>
+            <a:r>
+              <a:rPr lang="es-ES" dirty="0" err="1">
+                <a:latin typeface="Consolas" panose="020B0609020204030204" pitchFamily="49" charset="0"/>
+              </a:rPr>
+              <a:t>child</a:t>
+            </a:r>
+            <a:r>
+              <a:rPr lang="es-ES" dirty="0">
+                <a:latin typeface="Consolas" panose="020B0609020204030204" pitchFamily="49" charset="0"/>
+              </a:rPr>
+              <a:t>::descripción]</a:t>
+            </a:r>
+          </a:p>
+          <a:p>
+            <a:pPr lvl="1"/>
+            <a:r>
+              <a:rPr lang="es-ES" dirty="0">
+                <a:latin typeface="Consolas" panose="020B0609020204030204" pitchFamily="49" charset="0"/>
+              </a:rPr>
+              <a:t>//producto[descripción]</a:t>
+            </a:r>
+          </a:p>
+          <a:p>
+            <a:r>
+              <a:rPr lang="es-ES" dirty="0"/>
+              <a:t>Se pueden poner condiciones al resultado obtenido por la ruta de localización indicada en el predicado:</a:t>
+            </a:r>
+          </a:p>
+          <a:p>
+            <a:pPr lvl="1"/>
+            <a:r>
+              <a:rPr lang="es-ES" dirty="0">
+                <a:latin typeface="Consolas" panose="020B0609020204030204" pitchFamily="49" charset="0"/>
+              </a:rPr>
+              <a:t>//producto[</a:t>
+            </a:r>
+            <a:r>
+              <a:rPr lang="es-ES" dirty="0" err="1">
+                <a:latin typeface="Consolas" panose="020B0609020204030204" pitchFamily="49" charset="0"/>
+              </a:rPr>
+              <a:t>cod</a:t>
+            </a:r>
+            <a:r>
+              <a:rPr lang="es-ES" dirty="0">
+                <a:latin typeface="Consolas" panose="020B0609020204030204" pitchFamily="49" charset="0"/>
+              </a:rPr>
+              <a:t>=“LACT02330993”]</a:t>
+            </a:r>
+          </a:p>
+          <a:p>
+            <a:pPr lvl="1"/>
+            <a:r>
+              <a:rPr lang="es-ES" dirty="0">
+                <a:latin typeface="Consolas" panose="020B0609020204030204" pitchFamily="49" charset="0"/>
+              </a:rPr>
+              <a:t>//cliente[nombre/</a:t>
+            </a:r>
+            <a:r>
+              <a:rPr lang="es-ES" dirty="0" err="1">
+                <a:latin typeface="Consolas" panose="020B0609020204030204" pitchFamily="49" charset="0"/>
+              </a:rPr>
+              <a:t>text</a:t>
+            </a:r>
+            <a:r>
+              <a:rPr lang="es-ES" dirty="0">
+                <a:latin typeface="Consolas" panose="020B0609020204030204" pitchFamily="49" charset="0"/>
+              </a:rPr>
+              <a:t>()=“Jack Sparrow”]</a:t>
+            </a:r>
+          </a:p>
+          <a:p>
+            <a:r>
+              <a:rPr lang="es-ES" dirty="0"/>
+              <a:t>Se pueden poner desde cero a varios predicados:</a:t>
+            </a:r>
+          </a:p>
+          <a:p>
+            <a:pPr lvl="1"/>
+            <a:r>
+              <a:rPr lang="es-ES" dirty="0">
+                <a:latin typeface="Consolas" panose="020B0609020204030204" pitchFamily="49" charset="0"/>
+              </a:rPr>
+              <a:t>//producto[descripción][</a:t>
+            </a:r>
+            <a:r>
+              <a:rPr lang="es-ES" dirty="0" err="1">
+                <a:latin typeface="Consolas" panose="020B0609020204030204" pitchFamily="49" charset="0"/>
+              </a:rPr>
+              <a:t>cod</a:t>
+            </a:r>
+            <a:r>
+              <a:rPr lang="es-ES" dirty="0">
+                <a:latin typeface="Consolas" panose="020B0609020204030204" pitchFamily="49" charset="0"/>
+              </a:rPr>
+              <a:t> =“LACT02330993”]</a:t>
+            </a:r>
+          </a:p>
+        </p:txBody>
+      </p:sp>
+    </p:spTree>
+    <p:extLst>
+      <p:ext uri="{BB962C8B-B14F-4D97-AF65-F5344CB8AC3E}">
+        <p14:creationId xmlns:p14="http://schemas.microsoft.com/office/powerpoint/2010/main" val="131767183"/>
+      </p:ext>
+    </p:extLst>
+  </p:cSld>
+  <p:clrMapOvr>
+    <a:masterClrMapping/>
+  </p:clrMapOvr>
+</p:sld>
+</file>
+
+<file path=ppt/slides/slide29.xml><?xml version="1.0" encoding="utf-8"?>
+<p:sld xmlns:a="http://schemas.openxmlformats.org/drawingml/2006/main" xmlns:r="http://schemas.openxmlformats.org/officeDocument/2006/relationships" xmlns:p="http://schemas.openxmlformats.org/presentationml/2006/main">
+  <p:cSld>
+    <p:spTree>
+      <p:nvGrpSpPr>
+        <p:cNvPr id="1" name=""/>
+        <p:cNvGrpSpPr/>
+        <p:nvPr/>
+      </p:nvGrpSpPr>
+      <p:grpSpPr>
+        <a:xfrm>
+          <a:off x="0" y="0"/>
+          <a:ext cx="0" cy="0"/>
+          <a:chOff x="0" y="0"/>
+          <a:chExt cx="0" cy="0"/>
+        </a:xfrm>
+      </p:grpSpPr>
+      <p:sp>
+        <p:nvSpPr>
+          <p:cNvPr id="2" name="Título 1">
+            <a:extLst>
+              <a:ext uri="{FF2B5EF4-FFF2-40B4-BE49-F238E27FC236}">
+                <a16:creationId xmlns:a16="http://schemas.microsoft.com/office/drawing/2014/main" id="{E2C99A11-8C84-40DD-BB1E-26B8870DF0BD}"/>
+              </a:ext>
+            </a:extLst>
+          </p:cNvPr>
+          <p:cNvSpPr>
+            <a:spLocks noGrp="1"/>
+          </p:cNvSpPr>
+          <p:nvPr>
+            <p:ph type="title"/>
+          </p:nvPr>
+        </p:nvSpPr>
+        <p:spPr/>
+        <p:txBody>
+          <a:bodyPr/>
+          <a:lstStyle/>
+          <a:p>
+            <a:r>
+              <a:rPr lang="es-ES" dirty="0" err="1"/>
+              <a:t>XPath</a:t>
+            </a:r>
+            <a:r>
+              <a:rPr lang="es-ES" dirty="0"/>
+              <a:t/>
+            </a:r>
+            <a:br>
+              <a:rPr lang="es-ES" dirty="0"/>
+            </a:br>
+            <a:r>
+              <a:rPr lang="es-ES" dirty="0"/>
+              <a:t>Operadores</a:t>
+            </a:r>
+          </a:p>
+        </p:txBody>
+      </p:sp>
+      <p:sp>
+        <p:nvSpPr>
+          <p:cNvPr id="3" name="Marcador de contenido 2">
+            <a:extLst>
+              <a:ext uri="{FF2B5EF4-FFF2-40B4-BE49-F238E27FC236}">
+                <a16:creationId xmlns:a16="http://schemas.microsoft.com/office/drawing/2014/main" id="{91221C3A-F4CF-470F-876B-0D997A8104B2}"/>
+              </a:ext>
+            </a:extLst>
+          </p:cNvPr>
+          <p:cNvSpPr>
+            <a:spLocks noGrp="1"/>
+          </p:cNvSpPr>
+          <p:nvPr>
+            <p:ph idx="1"/>
+          </p:nvPr>
+        </p:nvSpPr>
+        <p:spPr/>
+        <p:txBody>
+          <a:bodyPr/>
+          <a:lstStyle/>
+          <a:p>
+            <a:r>
+              <a:rPr lang="es-ES" dirty="0"/>
+              <a:t>Se pueden utilizar otros operadores y funciones </a:t>
+            </a:r>
+            <a:r>
+              <a:rPr lang="es-ES" dirty="0" err="1"/>
+              <a:t>XPath</a:t>
+            </a:r>
+            <a:r>
+              <a:rPr lang="es-ES" dirty="0"/>
+              <a:t> para filtrar el conjunto de nodos en función del valor de alguna estructura del documento</a:t>
+            </a:r>
+          </a:p>
+        </p:txBody>
+      </p:sp>
+      <p:pic>
+        <p:nvPicPr>
+          <p:cNvPr id="4" name="Imagen 3">
+            <a:extLst>
+              <a:ext uri="{FF2B5EF4-FFF2-40B4-BE49-F238E27FC236}">
+                <a16:creationId xmlns:a16="http://schemas.microsoft.com/office/drawing/2014/main" id="{A470C46D-D580-40C5-94C7-38612215B506}"/>
+              </a:ext>
+            </a:extLst>
+          </p:cNvPr>
+          <p:cNvPicPr>
+            <a:picLocks noChangeAspect="1"/>
+          </p:cNvPicPr>
+          <p:nvPr/>
+        </p:nvPicPr>
+        <p:blipFill>
+          <a:blip r:embed="rId2"/>
+          <a:stretch>
+            <a:fillRect/>
+          </a:stretch>
+        </p:blipFill>
+        <p:spPr>
+          <a:xfrm>
+            <a:off x="3256548" y="2979820"/>
+            <a:ext cx="6681902" cy="3765885"/>
+          </a:xfrm>
+          <a:prstGeom prst="rect">
+            <a:avLst/>
+          </a:prstGeom>
+          <a:ln>
+            <a:noFill/>
+          </a:ln>
+          <a:effectLst>
+            <a:outerShdw blurRad="292100" dist="139700" dir="2700000" algn="tl" rotWithShape="0">
+              <a:srgbClr val="333333">
+                <a:alpha val="65000"/>
+              </a:srgbClr>
+            </a:outerShdw>
+          </a:effectLst>
+        </p:spPr>
+      </p:pic>
+    </p:spTree>
+    <p:extLst>
+      <p:ext uri="{BB962C8B-B14F-4D97-AF65-F5344CB8AC3E}">
+        <p14:creationId xmlns:p14="http://schemas.microsoft.com/office/powerpoint/2010/main" val="3671467973"/>
+      </p:ext>
+    </p:extLst>
+  </p:cSld>
+  <p:clrMapOvr>
+    <a:masterClrMapping/>
+  </p:clrMapOvr>
+</p:sld>
+</file>
+
 <file path=ppt/slides/slide3.xml><?xml version="1.0" encoding="utf-8"?>
 <p:sld xmlns:a="http://schemas.openxmlformats.org/drawingml/2006/main" xmlns:r="http://schemas.openxmlformats.org/officeDocument/2006/relationships" xmlns:p="http://schemas.openxmlformats.org/presentationml/2006/main">
   <p:cSld>
@@ -11275,6 +13626,3976 @@
     <p:extLst>
       <p:ext uri="{BB962C8B-B14F-4D97-AF65-F5344CB8AC3E}">
         <p14:creationId xmlns:p14="http://schemas.microsoft.com/office/powerpoint/2010/main" val="557450150"/>
+      </p:ext>
+    </p:extLst>
+  </p:cSld>
+  <p:clrMapOvr>
+    <a:masterClrMapping/>
+  </p:clrMapOvr>
+</p:sld>
+</file>
+
+<file path=ppt/slides/slide30.xml><?xml version="1.0" encoding="utf-8"?>
+<p:sld xmlns:a="http://schemas.openxmlformats.org/drawingml/2006/main" xmlns:r="http://schemas.openxmlformats.org/officeDocument/2006/relationships" xmlns:p="http://schemas.openxmlformats.org/presentationml/2006/main">
+  <p:cSld>
+    <p:spTree>
+      <p:nvGrpSpPr>
+        <p:cNvPr id="1" name=""/>
+        <p:cNvGrpSpPr/>
+        <p:nvPr/>
+      </p:nvGrpSpPr>
+      <p:grpSpPr>
+        <a:xfrm>
+          <a:off x="0" y="0"/>
+          <a:ext cx="0" cy="0"/>
+          <a:chOff x="0" y="0"/>
+          <a:chExt cx="0" cy="0"/>
+        </a:xfrm>
+      </p:grpSpPr>
+      <p:sp>
+        <p:nvSpPr>
+          <p:cNvPr id="2" name="Título 1">
+            <a:extLst>
+              <a:ext uri="{FF2B5EF4-FFF2-40B4-BE49-F238E27FC236}">
+                <a16:creationId xmlns:a16="http://schemas.microsoft.com/office/drawing/2014/main" id="{5637614E-B381-4F76-8921-1795C41B507F}"/>
+              </a:ext>
+            </a:extLst>
+          </p:cNvPr>
+          <p:cNvSpPr>
+            <a:spLocks noGrp="1"/>
+          </p:cNvSpPr>
+          <p:nvPr>
+            <p:ph type="title"/>
+          </p:nvPr>
+        </p:nvSpPr>
+        <p:spPr/>
+        <p:txBody>
+          <a:bodyPr/>
+          <a:lstStyle/>
+          <a:p>
+            <a:r>
+              <a:rPr lang="es-ES" dirty="0" err="1"/>
+              <a:t>XPath</a:t>
+            </a:r>
+            <a:r>
+              <a:rPr lang="es-ES" dirty="0"/>
+              <a:t/>
+            </a:r>
+            <a:br>
+              <a:rPr lang="es-ES" dirty="0"/>
+            </a:br>
+            <a:r>
+              <a:rPr lang="es-ES" dirty="0"/>
+              <a:t>Funciones</a:t>
+            </a:r>
+          </a:p>
+        </p:txBody>
+      </p:sp>
+      <p:sp>
+        <p:nvSpPr>
+          <p:cNvPr id="3" name="Marcador de contenido 2">
+            <a:extLst>
+              <a:ext uri="{FF2B5EF4-FFF2-40B4-BE49-F238E27FC236}">
+                <a16:creationId xmlns:a16="http://schemas.microsoft.com/office/drawing/2014/main" id="{6B67D28D-4C3C-4673-917C-E25C4BF1040F}"/>
+              </a:ext>
+            </a:extLst>
+          </p:cNvPr>
+          <p:cNvSpPr>
+            <a:spLocks noGrp="1"/>
+          </p:cNvSpPr>
+          <p:nvPr>
+            <p:ph idx="1"/>
+          </p:nvPr>
+        </p:nvSpPr>
+        <p:spPr/>
+        <p:txBody>
+          <a:bodyPr/>
+          <a:lstStyle/>
+          <a:p>
+            <a:r>
+              <a:rPr lang="es-ES" dirty="0"/>
+              <a:t>Se definen las siguientes funciones que se pueden emplear en las expresiones:</a:t>
+            </a:r>
+          </a:p>
+          <a:p>
+            <a:endParaRPr lang="es-ES" dirty="0"/>
+          </a:p>
+        </p:txBody>
+      </p:sp>
+      <p:graphicFrame>
+        <p:nvGraphicFramePr>
+          <p:cNvPr id="4" name="Tabla 4">
+            <a:extLst>
+              <a:ext uri="{FF2B5EF4-FFF2-40B4-BE49-F238E27FC236}">
+                <a16:creationId xmlns:a16="http://schemas.microsoft.com/office/drawing/2014/main" id="{7B2A7575-4AF6-45CB-9DD7-B9156CF8938B}"/>
+              </a:ext>
+            </a:extLst>
+          </p:cNvPr>
+          <p:cNvGraphicFramePr>
+            <a:graphicFrameLocks noGrp="1"/>
+          </p:cNvGraphicFramePr>
+          <p:nvPr>
+            <p:extLst>
+              <p:ext uri="{D42A27DB-BD31-4B8C-83A1-F6EECF244321}">
+                <p14:modId xmlns:p14="http://schemas.microsoft.com/office/powerpoint/2010/main" val="2874700771"/>
+              </p:ext>
+            </p:extLst>
+          </p:nvPr>
+        </p:nvGraphicFramePr>
+        <p:xfrm>
+          <a:off x="1234554" y="2975842"/>
+          <a:ext cx="9722892" cy="3759200"/>
+        </p:xfrm>
+        <a:graphic>
+          <a:graphicData uri="http://schemas.openxmlformats.org/drawingml/2006/table">
+            <a:tbl>
+              <a:tblPr firstRow="1" bandRow="1">
+                <a:tableStyleId>{5C22544A-7EE6-4342-B048-85BDC9FD1C3A}</a:tableStyleId>
+              </a:tblPr>
+              <a:tblGrid>
+                <a:gridCol w="2118934">
+                  <a:extLst>
+                    <a:ext uri="{9D8B030D-6E8A-4147-A177-3AD203B41FA5}">
+                      <a16:colId xmlns:a16="http://schemas.microsoft.com/office/drawing/2014/main" val="3538106324"/>
+                    </a:ext>
+                  </a:extLst>
+                </a:gridCol>
+                <a:gridCol w="2021306">
+                  <a:extLst>
+                    <a:ext uri="{9D8B030D-6E8A-4147-A177-3AD203B41FA5}">
+                      <a16:colId xmlns:a16="http://schemas.microsoft.com/office/drawing/2014/main" val="1983043589"/>
+                    </a:ext>
+                  </a:extLst>
+                </a:gridCol>
+                <a:gridCol w="2342147">
+                  <a:extLst>
+                    <a:ext uri="{9D8B030D-6E8A-4147-A177-3AD203B41FA5}">
+                      <a16:colId xmlns:a16="http://schemas.microsoft.com/office/drawing/2014/main" val="257644162"/>
+                    </a:ext>
+                  </a:extLst>
+                </a:gridCol>
+                <a:gridCol w="3240505">
+                  <a:extLst>
+                    <a:ext uri="{9D8B030D-6E8A-4147-A177-3AD203B41FA5}">
+                      <a16:colId xmlns:a16="http://schemas.microsoft.com/office/drawing/2014/main" val="2808599621"/>
+                    </a:ext>
+                  </a:extLst>
+                </a:gridCol>
+              </a:tblGrid>
+              <a:tr h="370840">
+                <a:tc>
+                  <a:txBody>
+                    <a:bodyPr/>
+                    <a:lstStyle/>
+                    <a:p>
+                      <a:r>
+                        <a:rPr lang="es-ES" dirty="0"/>
+                        <a:t>Función</a:t>
+                      </a:r>
+                    </a:p>
+                  </a:txBody>
+                  <a:tcPr/>
+                </a:tc>
+                <a:tc>
+                  <a:txBody>
+                    <a:bodyPr/>
+                    <a:lstStyle/>
+                    <a:p>
+                      <a:r>
+                        <a:rPr lang="es-ES" dirty="0"/>
+                        <a:t>Valor devuelto</a:t>
+                      </a:r>
+                    </a:p>
+                  </a:txBody>
+                  <a:tcPr/>
+                </a:tc>
+                <a:tc>
+                  <a:txBody>
+                    <a:bodyPr/>
+                    <a:lstStyle/>
+                    <a:p>
+                      <a:r>
+                        <a:rPr lang="es-ES" dirty="0"/>
+                        <a:t>Descripción</a:t>
+                      </a:r>
+                    </a:p>
+                  </a:txBody>
+                  <a:tcPr/>
+                </a:tc>
+                <a:tc>
+                  <a:txBody>
+                    <a:bodyPr/>
+                    <a:lstStyle/>
+                    <a:p>
+                      <a:r>
+                        <a:rPr lang="es-ES" dirty="0"/>
+                        <a:t>Ejemplo</a:t>
+                      </a:r>
+                    </a:p>
+                  </a:txBody>
+                  <a:tcPr/>
+                </a:tc>
+                <a:extLst>
+                  <a:ext uri="{0D108BD9-81ED-4DB2-BD59-A6C34878D82A}">
+                    <a16:rowId xmlns:a16="http://schemas.microsoft.com/office/drawing/2014/main" val="2073292555"/>
+                  </a:ext>
+                </a:extLst>
+              </a:tr>
+              <a:tr h="370840">
+                <a:tc>
+                  <a:txBody>
+                    <a:bodyPr/>
+                    <a:lstStyle/>
+                    <a:p>
+                      <a:r>
+                        <a:rPr lang="es-ES" dirty="0" err="1"/>
+                        <a:t>boolean</a:t>
+                      </a:r>
+                      <a:r>
+                        <a:rPr lang="es-ES" dirty="0"/>
+                        <a:t>()</a:t>
+                      </a:r>
+                    </a:p>
+                  </a:txBody>
+                  <a:tcPr/>
+                </a:tc>
+                <a:tc>
+                  <a:txBody>
+                    <a:bodyPr/>
+                    <a:lstStyle/>
+                    <a:p>
+                      <a:r>
+                        <a:rPr lang="es-ES" dirty="0"/>
+                        <a:t>Booleano</a:t>
+                      </a:r>
+                    </a:p>
+                  </a:txBody>
+                  <a:tcPr/>
+                </a:tc>
+                <a:tc>
+                  <a:txBody>
+                    <a:bodyPr/>
+                    <a:lstStyle/>
+                    <a:p>
+                      <a:r>
+                        <a:rPr lang="es-ES" dirty="0"/>
+                        <a:t>Convierte el parámetro a un valor booleano</a:t>
+                      </a:r>
+                    </a:p>
+                  </a:txBody>
+                  <a:tcPr/>
+                </a:tc>
+                <a:tc>
+                  <a:txBody>
+                    <a:bodyPr/>
+                    <a:lstStyle/>
+                    <a:p>
+                      <a:r>
+                        <a:rPr lang="es-ES"/>
+                        <a:t>boolean(//</a:t>
+                      </a:r>
+                      <a:r>
+                        <a:rPr lang="es-ES" dirty="0"/>
+                        <a:t>producto)</a:t>
+                      </a:r>
+                    </a:p>
+                  </a:txBody>
+                  <a:tcPr/>
+                </a:tc>
+                <a:extLst>
+                  <a:ext uri="{0D108BD9-81ED-4DB2-BD59-A6C34878D82A}">
+                    <a16:rowId xmlns:a16="http://schemas.microsoft.com/office/drawing/2014/main" val="2885564956"/>
+                  </a:ext>
+                </a:extLst>
+              </a:tr>
+              <a:tr h="370840">
+                <a:tc>
+                  <a:txBody>
+                    <a:bodyPr/>
+                    <a:lstStyle/>
+                    <a:p>
+                      <a:r>
+                        <a:rPr lang="es-ES" dirty="0"/>
+                        <a:t>false()</a:t>
+                      </a:r>
+                    </a:p>
+                  </a:txBody>
+                  <a:tcPr/>
+                </a:tc>
+                <a:tc>
+                  <a:txBody>
+                    <a:bodyPr/>
+                    <a:lstStyle/>
+                    <a:p>
+                      <a:r>
+                        <a:rPr lang="es-ES" dirty="0"/>
+                        <a:t>Booleano</a:t>
+                      </a:r>
+                    </a:p>
+                  </a:txBody>
+                  <a:tcPr/>
+                </a:tc>
+                <a:tc>
+                  <a:txBody>
+                    <a:bodyPr/>
+                    <a:lstStyle/>
+                    <a:p>
+                      <a:r>
+                        <a:rPr lang="es-ES" dirty="0"/>
+                        <a:t>Devuelve falso</a:t>
+                      </a:r>
+                    </a:p>
+                  </a:txBody>
+                  <a:tcPr/>
+                </a:tc>
+                <a:tc>
+                  <a:txBody>
+                    <a:bodyPr/>
+                    <a:lstStyle/>
+                    <a:p>
+                      <a:r>
+                        <a:rPr lang="es-ES" dirty="0"/>
+                        <a:t>false()</a:t>
+                      </a:r>
+                    </a:p>
+                  </a:txBody>
+                  <a:tcPr/>
+                </a:tc>
+                <a:extLst>
+                  <a:ext uri="{0D108BD9-81ED-4DB2-BD59-A6C34878D82A}">
+                    <a16:rowId xmlns:a16="http://schemas.microsoft.com/office/drawing/2014/main" val="1612873062"/>
+                  </a:ext>
+                </a:extLst>
+              </a:tr>
+              <a:tr h="370840">
+                <a:tc>
+                  <a:txBody>
+                    <a:bodyPr/>
+                    <a:lstStyle/>
+                    <a:p>
+                      <a:r>
+                        <a:rPr lang="es-ES" dirty="0"/>
+                        <a:t>true()</a:t>
+                      </a:r>
+                    </a:p>
+                  </a:txBody>
+                  <a:tcPr/>
+                </a:tc>
+                <a:tc>
+                  <a:txBody>
+                    <a:bodyPr/>
+                    <a:lstStyle/>
+                    <a:p>
+                      <a:r>
+                        <a:rPr lang="es-ES" dirty="0"/>
+                        <a:t>Booleano</a:t>
+                      </a:r>
+                    </a:p>
+                  </a:txBody>
+                  <a:tcPr/>
+                </a:tc>
+                <a:tc>
+                  <a:txBody>
+                    <a:bodyPr/>
+                    <a:lstStyle/>
+                    <a:p>
+                      <a:r>
+                        <a:rPr lang="es-ES" dirty="0"/>
+                        <a:t>Devuelve verdadero</a:t>
+                      </a:r>
+                    </a:p>
+                  </a:txBody>
+                  <a:tcPr/>
+                </a:tc>
+                <a:tc>
+                  <a:txBody>
+                    <a:bodyPr/>
+                    <a:lstStyle/>
+                    <a:p>
+                      <a:r>
+                        <a:rPr lang="es-ES" dirty="0"/>
+                        <a:t>true()</a:t>
+                      </a:r>
+                    </a:p>
+                  </a:txBody>
+                  <a:tcPr/>
+                </a:tc>
+                <a:extLst>
+                  <a:ext uri="{0D108BD9-81ED-4DB2-BD59-A6C34878D82A}">
+                    <a16:rowId xmlns:a16="http://schemas.microsoft.com/office/drawing/2014/main" val="1014566830"/>
+                  </a:ext>
+                </a:extLst>
+              </a:tr>
+              <a:tr h="370840">
+                <a:tc>
+                  <a:txBody>
+                    <a:bodyPr/>
+                    <a:lstStyle/>
+                    <a:p>
+                      <a:r>
+                        <a:rPr lang="es-ES" dirty="0" err="1"/>
+                        <a:t>not</a:t>
+                      </a:r>
+                      <a:r>
+                        <a:rPr lang="es-ES" dirty="0"/>
+                        <a:t>()</a:t>
+                      </a:r>
+                    </a:p>
+                  </a:txBody>
+                  <a:tcPr/>
+                </a:tc>
+                <a:tc>
+                  <a:txBody>
+                    <a:bodyPr/>
+                    <a:lstStyle/>
+                    <a:p>
+                      <a:r>
+                        <a:rPr lang="es-ES" dirty="0"/>
+                        <a:t>Booleano</a:t>
+                      </a:r>
+                    </a:p>
+                  </a:txBody>
+                  <a:tcPr/>
+                </a:tc>
+                <a:tc>
+                  <a:txBody>
+                    <a:bodyPr/>
+                    <a:lstStyle/>
+                    <a:p>
+                      <a:r>
+                        <a:rPr lang="es-ES" dirty="0"/>
+                        <a:t>Devuelve verdadero si el valor del operando es falso, verdadero en caso contrario</a:t>
+                      </a:r>
+                    </a:p>
+                  </a:txBody>
+                  <a:tcPr/>
+                </a:tc>
+                <a:tc>
+                  <a:txBody>
+                    <a:bodyPr/>
+                    <a:lstStyle/>
+                    <a:p>
+                      <a:endParaRPr lang="es-ES" dirty="0"/>
+                    </a:p>
+                  </a:txBody>
+                  <a:tcPr/>
+                </a:tc>
+                <a:extLst>
+                  <a:ext uri="{0D108BD9-81ED-4DB2-BD59-A6C34878D82A}">
+                    <a16:rowId xmlns:a16="http://schemas.microsoft.com/office/drawing/2014/main" val="1693023292"/>
+                  </a:ext>
+                </a:extLst>
+              </a:tr>
+            </a:tbl>
+          </a:graphicData>
+        </a:graphic>
+      </p:graphicFrame>
+    </p:spTree>
+    <p:extLst>
+      <p:ext uri="{BB962C8B-B14F-4D97-AF65-F5344CB8AC3E}">
+        <p14:creationId xmlns:p14="http://schemas.microsoft.com/office/powerpoint/2010/main" val="2312278642"/>
+      </p:ext>
+    </p:extLst>
+  </p:cSld>
+  <p:clrMapOvr>
+    <a:masterClrMapping/>
+  </p:clrMapOvr>
+</p:sld>
+</file>
+
+<file path=ppt/slides/slide31.xml><?xml version="1.0" encoding="utf-8"?>
+<p:sld xmlns:a="http://schemas.openxmlformats.org/drawingml/2006/main" xmlns:r="http://schemas.openxmlformats.org/officeDocument/2006/relationships" xmlns:p="http://schemas.openxmlformats.org/presentationml/2006/main">
+  <p:cSld>
+    <p:spTree>
+      <p:nvGrpSpPr>
+        <p:cNvPr id="1" name=""/>
+        <p:cNvGrpSpPr/>
+        <p:nvPr/>
+      </p:nvGrpSpPr>
+      <p:grpSpPr>
+        <a:xfrm>
+          <a:off x="0" y="0"/>
+          <a:ext cx="0" cy="0"/>
+          <a:chOff x="0" y="0"/>
+          <a:chExt cx="0" cy="0"/>
+        </a:xfrm>
+      </p:grpSpPr>
+      <p:sp>
+        <p:nvSpPr>
+          <p:cNvPr id="2" name="Título 1">
+            <a:extLst>
+              <a:ext uri="{FF2B5EF4-FFF2-40B4-BE49-F238E27FC236}">
+                <a16:creationId xmlns:a16="http://schemas.microsoft.com/office/drawing/2014/main" id="{91B37394-1F8B-42E0-BEA6-750C7CD26E28}"/>
+              </a:ext>
+            </a:extLst>
+          </p:cNvPr>
+          <p:cNvSpPr>
+            <a:spLocks noGrp="1"/>
+          </p:cNvSpPr>
+          <p:nvPr>
+            <p:ph type="title"/>
+          </p:nvPr>
+        </p:nvSpPr>
+        <p:spPr/>
+        <p:txBody>
+          <a:bodyPr/>
+          <a:lstStyle/>
+          <a:p>
+            <a:r>
+              <a:rPr lang="es-ES" dirty="0" err="1"/>
+              <a:t>XPath</a:t>
+            </a:r>
+            <a:r>
+              <a:rPr lang="es-ES" dirty="0"/>
+              <a:t/>
+            </a:r>
+            <a:br>
+              <a:rPr lang="es-ES" dirty="0"/>
+            </a:br>
+            <a:r>
+              <a:rPr lang="es-ES" dirty="0"/>
+              <a:t>Funciones</a:t>
+            </a:r>
+          </a:p>
+        </p:txBody>
+      </p:sp>
+      <p:graphicFrame>
+        <p:nvGraphicFramePr>
+          <p:cNvPr id="4" name="Tabla 4">
+            <a:extLst>
+              <a:ext uri="{FF2B5EF4-FFF2-40B4-BE49-F238E27FC236}">
+                <a16:creationId xmlns:a16="http://schemas.microsoft.com/office/drawing/2014/main" id="{35CC5E2B-D6C6-4BA4-B355-7A88245312D4}"/>
+              </a:ext>
+            </a:extLst>
+          </p:cNvPr>
+          <p:cNvGraphicFramePr>
+            <a:graphicFrameLocks noGrp="1"/>
+          </p:cNvGraphicFramePr>
+          <p:nvPr>
+            <p:extLst>
+              <p:ext uri="{D42A27DB-BD31-4B8C-83A1-F6EECF244321}">
+                <p14:modId xmlns:p14="http://schemas.microsoft.com/office/powerpoint/2010/main" val="2436937852"/>
+              </p:ext>
+            </p:extLst>
+          </p:nvPr>
+        </p:nvGraphicFramePr>
+        <p:xfrm>
+          <a:off x="1234554" y="2145476"/>
+          <a:ext cx="9722892" cy="3937000"/>
+        </p:xfrm>
+        <a:graphic>
+          <a:graphicData uri="http://schemas.openxmlformats.org/drawingml/2006/table">
+            <a:tbl>
+              <a:tblPr firstRow="1" bandRow="1">
+                <a:tableStyleId>{5C22544A-7EE6-4342-B048-85BDC9FD1C3A}</a:tableStyleId>
+              </a:tblPr>
+              <a:tblGrid>
+                <a:gridCol w="2118934">
+                  <a:extLst>
+                    <a:ext uri="{9D8B030D-6E8A-4147-A177-3AD203B41FA5}">
+                      <a16:colId xmlns:a16="http://schemas.microsoft.com/office/drawing/2014/main" val="3538106324"/>
+                    </a:ext>
+                  </a:extLst>
+                </a:gridCol>
+                <a:gridCol w="2021306">
+                  <a:extLst>
+                    <a:ext uri="{9D8B030D-6E8A-4147-A177-3AD203B41FA5}">
+                      <a16:colId xmlns:a16="http://schemas.microsoft.com/office/drawing/2014/main" val="1983043589"/>
+                    </a:ext>
+                  </a:extLst>
+                </a:gridCol>
+                <a:gridCol w="2342147">
+                  <a:extLst>
+                    <a:ext uri="{9D8B030D-6E8A-4147-A177-3AD203B41FA5}">
+                      <a16:colId xmlns:a16="http://schemas.microsoft.com/office/drawing/2014/main" val="257644162"/>
+                    </a:ext>
+                  </a:extLst>
+                </a:gridCol>
+                <a:gridCol w="3240505">
+                  <a:extLst>
+                    <a:ext uri="{9D8B030D-6E8A-4147-A177-3AD203B41FA5}">
+                      <a16:colId xmlns:a16="http://schemas.microsoft.com/office/drawing/2014/main" val="2808599621"/>
+                    </a:ext>
+                  </a:extLst>
+                </a:gridCol>
+              </a:tblGrid>
+              <a:tr h="370840">
+                <a:tc>
+                  <a:txBody>
+                    <a:bodyPr/>
+                    <a:lstStyle/>
+                    <a:p>
+                      <a:r>
+                        <a:rPr lang="es-ES" dirty="0"/>
+                        <a:t>Función</a:t>
+                      </a:r>
+                    </a:p>
+                  </a:txBody>
+                  <a:tcPr/>
+                </a:tc>
+                <a:tc>
+                  <a:txBody>
+                    <a:bodyPr/>
+                    <a:lstStyle/>
+                    <a:p>
+                      <a:r>
+                        <a:rPr lang="es-ES" dirty="0"/>
+                        <a:t>Valor devuelto</a:t>
+                      </a:r>
+                    </a:p>
+                  </a:txBody>
+                  <a:tcPr/>
+                </a:tc>
+                <a:tc>
+                  <a:txBody>
+                    <a:bodyPr/>
+                    <a:lstStyle/>
+                    <a:p>
+                      <a:r>
+                        <a:rPr lang="es-ES" sz="1400" dirty="0"/>
+                        <a:t>Descripción</a:t>
+                      </a:r>
+                    </a:p>
+                  </a:txBody>
+                  <a:tcPr/>
+                </a:tc>
+                <a:tc>
+                  <a:txBody>
+                    <a:bodyPr/>
+                    <a:lstStyle/>
+                    <a:p>
+                      <a:r>
+                        <a:rPr lang="es-ES" dirty="0"/>
+                        <a:t>Ejemplo</a:t>
+                      </a:r>
+                    </a:p>
+                  </a:txBody>
+                  <a:tcPr/>
+                </a:tc>
+                <a:extLst>
+                  <a:ext uri="{0D108BD9-81ED-4DB2-BD59-A6C34878D82A}">
+                    <a16:rowId xmlns:a16="http://schemas.microsoft.com/office/drawing/2014/main" val="2073292555"/>
+                  </a:ext>
+                </a:extLst>
+              </a:tr>
+              <a:tr h="370840">
+                <a:tc>
+                  <a:txBody>
+                    <a:bodyPr/>
+                    <a:lstStyle/>
+                    <a:p>
+                      <a:r>
+                        <a:rPr lang="es-ES" dirty="0" err="1"/>
+                        <a:t>lang</a:t>
+                      </a:r>
+                      <a:r>
+                        <a:rPr lang="es-ES" dirty="0"/>
+                        <a:t>()</a:t>
+                      </a:r>
+                    </a:p>
+                  </a:txBody>
+                  <a:tcPr/>
+                </a:tc>
+                <a:tc>
+                  <a:txBody>
+                    <a:bodyPr/>
+                    <a:lstStyle/>
+                    <a:p>
+                      <a:r>
+                        <a:rPr lang="es-ES" dirty="0"/>
+                        <a:t>Booleano</a:t>
+                      </a:r>
+                    </a:p>
+                  </a:txBody>
+                  <a:tcPr/>
+                </a:tc>
+                <a:tc>
+                  <a:txBody>
+                    <a:bodyPr/>
+                    <a:lstStyle/>
+                    <a:p>
+                      <a:r>
+                        <a:rPr lang="es-ES" sz="1400" dirty="0"/>
+                        <a:t>Devuelve verdadero si el lenguaje definido con </a:t>
+                      </a:r>
+                      <a:r>
+                        <a:rPr lang="es-ES" sz="1400" dirty="0" err="1"/>
+                        <a:t>xml:Lang</a:t>
+                      </a:r>
+                      <a:r>
+                        <a:rPr lang="es-ES" sz="1400" dirty="0"/>
+                        <a:t> coincide con la especificada en el parámetro, falso en caso contrario</a:t>
+                      </a:r>
+                    </a:p>
+                  </a:txBody>
+                  <a:tcPr/>
+                </a:tc>
+                <a:tc>
+                  <a:txBody>
+                    <a:bodyPr/>
+                    <a:lstStyle/>
+                    <a:p>
+                      <a:r>
+                        <a:rPr lang="es-ES" dirty="0" err="1"/>
+                        <a:t>lang</a:t>
+                      </a:r>
+                      <a:r>
+                        <a:rPr lang="es-ES" dirty="0"/>
+                        <a:t>(“es”)</a:t>
+                      </a:r>
+                    </a:p>
+                  </a:txBody>
+                  <a:tcPr/>
+                </a:tc>
+                <a:extLst>
+                  <a:ext uri="{0D108BD9-81ED-4DB2-BD59-A6C34878D82A}">
+                    <a16:rowId xmlns:a16="http://schemas.microsoft.com/office/drawing/2014/main" val="2885564956"/>
+                  </a:ext>
+                </a:extLst>
+              </a:tr>
+              <a:tr h="370840">
+                <a:tc>
+                  <a:txBody>
+                    <a:bodyPr/>
+                    <a:lstStyle/>
+                    <a:p>
+                      <a:r>
+                        <a:rPr lang="es-ES"/>
+                        <a:t>ceiling()</a:t>
+                      </a:r>
+                      <a:endParaRPr lang="es-ES" dirty="0"/>
+                    </a:p>
+                  </a:txBody>
+                  <a:tcPr/>
+                </a:tc>
+                <a:tc>
+                  <a:txBody>
+                    <a:bodyPr/>
+                    <a:lstStyle/>
+                    <a:p>
+                      <a:r>
+                        <a:rPr lang="es-ES" dirty="0"/>
+                        <a:t>Numérico</a:t>
+                      </a:r>
+                    </a:p>
+                  </a:txBody>
+                  <a:tcPr/>
+                </a:tc>
+                <a:tc>
+                  <a:txBody>
+                    <a:bodyPr/>
+                    <a:lstStyle/>
+                    <a:p>
+                      <a:r>
+                        <a:rPr lang="es-ES" sz="1400" dirty="0"/>
+                        <a:t>Devuelve el primer entero mayor que el valor del parámetro</a:t>
+                      </a:r>
+                    </a:p>
+                  </a:txBody>
+                  <a:tcPr/>
+                </a:tc>
+                <a:tc>
+                  <a:txBody>
+                    <a:bodyPr/>
+                    <a:lstStyle/>
+                    <a:p>
+                      <a:r>
+                        <a:rPr lang="es-ES" dirty="0" err="1"/>
+                        <a:t>ceiling</a:t>
+                      </a:r>
+                      <a:r>
+                        <a:rPr lang="es-ES" dirty="0"/>
+                        <a:t>(8 </a:t>
+                      </a:r>
+                      <a:r>
+                        <a:rPr lang="es-ES" dirty="0" err="1"/>
+                        <a:t>div</a:t>
+                      </a:r>
+                      <a:r>
+                        <a:rPr lang="es-ES" dirty="0"/>
+                        <a:t> 3)</a:t>
+                      </a:r>
+                    </a:p>
+                  </a:txBody>
+                  <a:tcPr/>
+                </a:tc>
+                <a:extLst>
+                  <a:ext uri="{0D108BD9-81ED-4DB2-BD59-A6C34878D82A}">
+                    <a16:rowId xmlns:a16="http://schemas.microsoft.com/office/drawing/2014/main" val="1612873062"/>
+                  </a:ext>
+                </a:extLst>
+              </a:tr>
+              <a:tr h="370840">
+                <a:tc>
+                  <a:txBody>
+                    <a:bodyPr/>
+                    <a:lstStyle/>
+                    <a:p>
+                      <a:r>
+                        <a:rPr lang="es-ES" dirty="0" err="1"/>
+                        <a:t>floor</a:t>
+                      </a:r>
+                      <a:r>
+                        <a:rPr lang="es-ES" dirty="0"/>
+                        <a:t>()</a:t>
+                      </a:r>
+                    </a:p>
+                  </a:txBody>
+                  <a:tcPr/>
+                </a:tc>
+                <a:tc>
+                  <a:txBody>
+                    <a:bodyPr/>
+                    <a:lstStyle/>
+                    <a:p>
+                      <a:r>
+                        <a:rPr lang="es-ES" dirty="0"/>
+                        <a:t>Numérico</a:t>
+                      </a:r>
+                    </a:p>
+                  </a:txBody>
+                  <a:tcPr/>
+                </a:tc>
+                <a:tc>
+                  <a:txBody>
+                    <a:bodyPr/>
+                    <a:lstStyle/>
+                    <a:p>
+                      <a:r>
+                        <a:rPr lang="es-ES" sz="1400" dirty="0"/>
+                        <a:t>Devuelve el primer entero menor que el valor del parámetro</a:t>
+                      </a:r>
+                    </a:p>
+                  </a:txBody>
+                  <a:tcPr/>
+                </a:tc>
+                <a:tc>
+                  <a:txBody>
+                    <a:bodyPr/>
+                    <a:lstStyle/>
+                    <a:p>
+                      <a:r>
+                        <a:rPr lang="es-ES" dirty="0" err="1"/>
+                        <a:t>floor</a:t>
+                      </a:r>
+                      <a:r>
+                        <a:rPr lang="es-ES" dirty="0"/>
+                        <a:t>(8 </a:t>
+                      </a:r>
+                      <a:r>
+                        <a:rPr lang="es-ES" dirty="0" err="1"/>
+                        <a:t>div</a:t>
+                      </a:r>
+                      <a:r>
+                        <a:rPr lang="es-ES" dirty="0"/>
+                        <a:t> 3)</a:t>
+                      </a:r>
+                    </a:p>
+                  </a:txBody>
+                  <a:tcPr/>
+                </a:tc>
+                <a:extLst>
+                  <a:ext uri="{0D108BD9-81ED-4DB2-BD59-A6C34878D82A}">
+                    <a16:rowId xmlns:a16="http://schemas.microsoft.com/office/drawing/2014/main" val="1014566830"/>
+                  </a:ext>
+                </a:extLst>
+              </a:tr>
+              <a:tr h="370840">
+                <a:tc>
+                  <a:txBody>
+                    <a:bodyPr/>
+                    <a:lstStyle/>
+                    <a:p>
+                      <a:r>
+                        <a:rPr lang="es-ES" dirty="0"/>
+                        <a:t>round()</a:t>
+                      </a:r>
+                    </a:p>
+                  </a:txBody>
+                  <a:tcPr/>
+                </a:tc>
+                <a:tc>
+                  <a:txBody>
+                    <a:bodyPr/>
+                    <a:lstStyle/>
+                    <a:p>
+                      <a:r>
+                        <a:rPr lang="es-ES" dirty="0"/>
+                        <a:t>Numérico</a:t>
+                      </a:r>
+                    </a:p>
+                  </a:txBody>
+                  <a:tcPr/>
+                </a:tc>
+                <a:tc>
+                  <a:txBody>
+                    <a:bodyPr/>
+                    <a:lstStyle/>
+                    <a:p>
+                      <a:r>
+                        <a:rPr lang="es-ES" sz="1400" dirty="0"/>
+                        <a:t>Devuelve el entero más próximo al valor del parámetro</a:t>
+                      </a:r>
+                    </a:p>
+                  </a:txBody>
+                  <a:tcPr/>
+                </a:tc>
+                <a:tc>
+                  <a:txBody>
+                    <a:bodyPr/>
+                    <a:lstStyle/>
+                    <a:p>
+                      <a:r>
+                        <a:rPr lang="es-ES" dirty="0"/>
+                        <a:t>round(8 </a:t>
+                      </a:r>
+                      <a:r>
+                        <a:rPr lang="es-ES" dirty="0" err="1"/>
+                        <a:t>div</a:t>
+                      </a:r>
+                      <a:r>
+                        <a:rPr lang="es-ES" dirty="0"/>
+                        <a:t> 3)</a:t>
+                      </a:r>
+                    </a:p>
+                  </a:txBody>
+                  <a:tcPr/>
+                </a:tc>
+                <a:extLst>
+                  <a:ext uri="{0D108BD9-81ED-4DB2-BD59-A6C34878D82A}">
+                    <a16:rowId xmlns:a16="http://schemas.microsoft.com/office/drawing/2014/main" val="1693023292"/>
+                  </a:ext>
+                </a:extLst>
+              </a:tr>
+            </a:tbl>
+          </a:graphicData>
+        </a:graphic>
+      </p:graphicFrame>
+    </p:spTree>
+    <p:extLst>
+      <p:ext uri="{BB962C8B-B14F-4D97-AF65-F5344CB8AC3E}">
+        <p14:creationId xmlns:p14="http://schemas.microsoft.com/office/powerpoint/2010/main" val="2278531229"/>
+      </p:ext>
+    </p:extLst>
+  </p:cSld>
+  <p:clrMapOvr>
+    <a:masterClrMapping/>
+  </p:clrMapOvr>
+</p:sld>
+</file>
+
+<file path=ppt/slides/slide32.xml><?xml version="1.0" encoding="utf-8"?>
+<p:sld xmlns:a="http://schemas.openxmlformats.org/drawingml/2006/main" xmlns:r="http://schemas.openxmlformats.org/officeDocument/2006/relationships" xmlns:p="http://schemas.openxmlformats.org/presentationml/2006/main">
+  <p:cSld>
+    <p:spTree>
+      <p:nvGrpSpPr>
+        <p:cNvPr id="1" name=""/>
+        <p:cNvGrpSpPr/>
+        <p:nvPr/>
+      </p:nvGrpSpPr>
+      <p:grpSpPr>
+        <a:xfrm>
+          <a:off x="0" y="0"/>
+          <a:ext cx="0" cy="0"/>
+          <a:chOff x="0" y="0"/>
+          <a:chExt cx="0" cy="0"/>
+        </a:xfrm>
+      </p:grpSpPr>
+      <p:sp>
+        <p:nvSpPr>
+          <p:cNvPr id="2" name="Título 1">
+            <a:extLst>
+              <a:ext uri="{FF2B5EF4-FFF2-40B4-BE49-F238E27FC236}">
+                <a16:creationId xmlns:a16="http://schemas.microsoft.com/office/drawing/2014/main" id="{91B37394-1F8B-42E0-BEA6-750C7CD26E28}"/>
+              </a:ext>
+            </a:extLst>
+          </p:cNvPr>
+          <p:cNvSpPr>
+            <a:spLocks noGrp="1"/>
+          </p:cNvSpPr>
+          <p:nvPr>
+            <p:ph type="title"/>
+          </p:nvPr>
+        </p:nvSpPr>
+        <p:spPr/>
+        <p:txBody>
+          <a:bodyPr/>
+          <a:lstStyle/>
+          <a:p>
+            <a:r>
+              <a:rPr lang="es-ES" dirty="0" err="1"/>
+              <a:t>XPath</a:t>
+            </a:r>
+            <a:r>
+              <a:rPr lang="es-ES" dirty="0"/>
+              <a:t/>
+            </a:r>
+            <a:br>
+              <a:rPr lang="es-ES" dirty="0"/>
+            </a:br>
+            <a:r>
+              <a:rPr lang="es-ES" dirty="0"/>
+              <a:t>Funciones</a:t>
+            </a:r>
+          </a:p>
+        </p:txBody>
+      </p:sp>
+      <p:graphicFrame>
+        <p:nvGraphicFramePr>
+          <p:cNvPr id="4" name="Tabla 4">
+            <a:extLst>
+              <a:ext uri="{FF2B5EF4-FFF2-40B4-BE49-F238E27FC236}">
+                <a16:creationId xmlns:a16="http://schemas.microsoft.com/office/drawing/2014/main" id="{35CC5E2B-D6C6-4BA4-B355-7A88245312D4}"/>
+              </a:ext>
+            </a:extLst>
+          </p:cNvPr>
+          <p:cNvGraphicFramePr>
+            <a:graphicFrameLocks noGrp="1"/>
+          </p:cNvGraphicFramePr>
+          <p:nvPr>
+            <p:extLst>
+              <p:ext uri="{D42A27DB-BD31-4B8C-83A1-F6EECF244321}">
+                <p14:modId xmlns:p14="http://schemas.microsoft.com/office/powerpoint/2010/main" val="3441192482"/>
+              </p:ext>
+            </p:extLst>
+          </p:nvPr>
+        </p:nvGraphicFramePr>
+        <p:xfrm>
+          <a:off x="1234554" y="2145476"/>
+          <a:ext cx="9722892" cy="4363720"/>
+        </p:xfrm>
+        <a:graphic>
+          <a:graphicData uri="http://schemas.openxmlformats.org/drawingml/2006/table">
+            <a:tbl>
+              <a:tblPr firstRow="1" bandRow="1">
+                <a:tableStyleId>{5C22544A-7EE6-4342-B048-85BDC9FD1C3A}</a:tableStyleId>
+              </a:tblPr>
+              <a:tblGrid>
+                <a:gridCol w="2326793">
+                  <a:extLst>
+                    <a:ext uri="{9D8B030D-6E8A-4147-A177-3AD203B41FA5}">
+                      <a16:colId xmlns:a16="http://schemas.microsoft.com/office/drawing/2014/main" val="3538106324"/>
+                    </a:ext>
+                  </a:extLst>
+                </a:gridCol>
+                <a:gridCol w="1813447">
+                  <a:extLst>
+                    <a:ext uri="{9D8B030D-6E8A-4147-A177-3AD203B41FA5}">
+                      <a16:colId xmlns:a16="http://schemas.microsoft.com/office/drawing/2014/main" val="1983043589"/>
+                    </a:ext>
+                  </a:extLst>
+                </a:gridCol>
+                <a:gridCol w="2342147">
+                  <a:extLst>
+                    <a:ext uri="{9D8B030D-6E8A-4147-A177-3AD203B41FA5}">
+                      <a16:colId xmlns:a16="http://schemas.microsoft.com/office/drawing/2014/main" val="257644162"/>
+                    </a:ext>
+                  </a:extLst>
+                </a:gridCol>
+                <a:gridCol w="3240505">
+                  <a:extLst>
+                    <a:ext uri="{9D8B030D-6E8A-4147-A177-3AD203B41FA5}">
+                      <a16:colId xmlns:a16="http://schemas.microsoft.com/office/drawing/2014/main" val="2808599621"/>
+                    </a:ext>
+                  </a:extLst>
+                </a:gridCol>
+              </a:tblGrid>
+              <a:tr h="370840">
+                <a:tc>
+                  <a:txBody>
+                    <a:bodyPr/>
+                    <a:lstStyle/>
+                    <a:p>
+                      <a:r>
+                        <a:rPr lang="es-ES" dirty="0"/>
+                        <a:t>Función</a:t>
+                      </a:r>
+                    </a:p>
+                  </a:txBody>
+                  <a:tcPr/>
+                </a:tc>
+                <a:tc>
+                  <a:txBody>
+                    <a:bodyPr/>
+                    <a:lstStyle/>
+                    <a:p>
+                      <a:r>
+                        <a:rPr lang="es-ES" dirty="0"/>
+                        <a:t>Valor devuelto</a:t>
+                      </a:r>
+                    </a:p>
+                  </a:txBody>
+                  <a:tcPr/>
+                </a:tc>
+                <a:tc>
+                  <a:txBody>
+                    <a:bodyPr/>
+                    <a:lstStyle/>
+                    <a:p>
+                      <a:r>
+                        <a:rPr lang="es-ES" sz="1400" dirty="0"/>
+                        <a:t>Descripción</a:t>
+                      </a:r>
+                    </a:p>
+                  </a:txBody>
+                  <a:tcPr/>
+                </a:tc>
+                <a:tc>
+                  <a:txBody>
+                    <a:bodyPr/>
+                    <a:lstStyle/>
+                    <a:p>
+                      <a:r>
+                        <a:rPr lang="es-ES" dirty="0"/>
+                        <a:t>Ejemplo</a:t>
+                      </a:r>
+                    </a:p>
+                  </a:txBody>
+                  <a:tcPr/>
+                </a:tc>
+                <a:extLst>
+                  <a:ext uri="{0D108BD9-81ED-4DB2-BD59-A6C34878D82A}">
+                    <a16:rowId xmlns:a16="http://schemas.microsoft.com/office/drawing/2014/main" val="2073292555"/>
+                  </a:ext>
+                </a:extLst>
+              </a:tr>
+              <a:tr h="370840">
+                <a:tc>
+                  <a:txBody>
+                    <a:bodyPr/>
+                    <a:lstStyle/>
+                    <a:p>
+                      <a:r>
+                        <a:rPr lang="es-ES"/>
+                        <a:t>sum()</a:t>
+                      </a:r>
+                      <a:endParaRPr lang="es-ES" dirty="0"/>
+                    </a:p>
+                  </a:txBody>
+                  <a:tcPr/>
+                </a:tc>
+                <a:tc>
+                  <a:txBody>
+                    <a:bodyPr/>
+                    <a:lstStyle/>
+                    <a:p>
+                      <a:r>
+                        <a:rPr lang="es-ES" dirty="0"/>
+                        <a:t>Numérico</a:t>
+                      </a:r>
+                    </a:p>
+                  </a:txBody>
+                  <a:tcPr/>
+                </a:tc>
+                <a:tc>
+                  <a:txBody>
+                    <a:bodyPr/>
+                    <a:lstStyle/>
+                    <a:p>
+                      <a:r>
+                        <a:rPr lang="es-ES" sz="1400" dirty="0"/>
+                        <a:t>Devuelve la suma de los valores de los nodos que pasan como parámetros</a:t>
+                      </a:r>
+                    </a:p>
+                  </a:txBody>
+                  <a:tcPr/>
+                </a:tc>
+                <a:tc>
+                  <a:txBody>
+                    <a:bodyPr/>
+                    <a:lstStyle/>
+                    <a:p>
+                      <a:r>
+                        <a:rPr lang="es-ES" dirty="0"/>
+                        <a:t>sum(//producto/importe)</a:t>
+                      </a:r>
+                    </a:p>
+                  </a:txBody>
+                  <a:tcPr/>
+                </a:tc>
+                <a:extLst>
+                  <a:ext uri="{0D108BD9-81ED-4DB2-BD59-A6C34878D82A}">
+                    <a16:rowId xmlns:a16="http://schemas.microsoft.com/office/drawing/2014/main" val="2885564956"/>
+                  </a:ext>
+                </a:extLst>
+              </a:tr>
+              <a:tr h="370840">
+                <a:tc>
+                  <a:txBody>
+                    <a:bodyPr/>
+                    <a:lstStyle/>
+                    <a:p>
+                      <a:r>
+                        <a:rPr lang="es-ES" dirty="0" err="1"/>
+                        <a:t>concat</a:t>
+                      </a:r>
+                      <a:r>
+                        <a:rPr lang="es-ES" dirty="0"/>
+                        <a:t>()</a:t>
+                      </a:r>
+                    </a:p>
+                  </a:txBody>
+                  <a:tcPr/>
+                </a:tc>
+                <a:tc>
+                  <a:txBody>
+                    <a:bodyPr/>
+                    <a:lstStyle/>
+                    <a:p>
+                      <a:r>
+                        <a:rPr lang="es-ES" dirty="0"/>
+                        <a:t>Cadena de </a:t>
+                      </a:r>
+                      <a:r>
+                        <a:rPr lang="es-ES" dirty="0" err="1"/>
+                        <a:t>carácteres</a:t>
+                      </a:r>
+                      <a:endParaRPr lang="es-ES" dirty="0"/>
+                    </a:p>
+                  </a:txBody>
+                  <a:tcPr/>
+                </a:tc>
+                <a:tc>
+                  <a:txBody>
+                    <a:bodyPr/>
+                    <a:lstStyle/>
+                    <a:p>
+                      <a:r>
+                        <a:rPr lang="es-ES" sz="1400" dirty="0"/>
+                        <a:t>Concadena como una cadena todos los parámetros que se pasan</a:t>
+                      </a:r>
+                    </a:p>
+                  </a:txBody>
+                  <a:tcPr/>
+                </a:tc>
+                <a:tc>
+                  <a:txBody>
+                    <a:bodyPr/>
+                    <a:lstStyle/>
+                    <a:p>
+                      <a:r>
+                        <a:rPr lang="es-ES" dirty="0" err="1"/>
+                        <a:t>concat</a:t>
+                      </a:r>
+                      <a:r>
+                        <a:rPr lang="es-ES" dirty="0"/>
+                        <a:t>(“Don “,//nombre/</a:t>
+                      </a:r>
+                      <a:r>
+                        <a:rPr lang="es-ES" dirty="0" err="1"/>
+                        <a:t>text</a:t>
+                      </a:r>
+                      <a:r>
+                        <a:rPr lang="es-ES" dirty="0"/>
+                        <a:t>())</a:t>
+                      </a:r>
+                    </a:p>
+                  </a:txBody>
+                  <a:tcPr/>
+                </a:tc>
+                <a:extLst>
+                  <a:ext uri="{0D108BD9-81ED-4DB2-BD59-A6C34878D82A}">
+                    <a16:rowId xmlns:a16="http://schemas.microsoft.com/office/drawing/2014/main" val="1612873062"/>
+                  </a:ext>
+                </a:extLst>
+              </a:tr>
+              <a:tr h="370840">
+                <a:tc>
+                  <a:txBody>
+                    <a:bodyPr/>
+                    <a:lstStyle/>
+                    <a:p>
+                      <a:r>
+                        <a:rPr lang="es-ES" dirty="0" err="1"/>
+                        <a:t>contains</a:t>
+                      </a:r>
+                      <a:r>
+                        <a:rPr lang="es-ES" dirty="0"/>
+                        <a:t>()</a:t>
+                      </a:r>
+                    </a:p>
+                  </a:txBody>
+                  <a:tcPr/>
+                </a:tc>
+                <a:tc>
+                  <a:txBody>
+                    <a:bodyPr/>
+                    <a:lstStyle/>
+                    <a:p>
+                      <a:r>
+                        <a:rPr lang="es-ES" dirty="0"/>
+                        <a:t>Booleano</a:t>
+                      </a:r>
+                    </a:p>
+                  </a:txBody>
+                  <a:tcPr/>
+                </a:tc>
+                <a:tc>
+                  <a:txBody>
+                    <a:bodyPr/>
+                    <a:lstStyle/>
+                    <a:p>
+                      <a:r>
+                        <a:rPr lang="es-ES" sz="1400" dirty="0"/>
+                        <a:t>Devuelve verdadero si la primera cadena contiene a la segunda, falso en caso contrario</a:t>
+                      </a:r>
+                    </a:p>
+                  </a:txBody>
+                  <a:tcPr/>
+                </a:tc>
+                <a:tc>
+                  <a:txBody>
+                    <a:bodyPr/>
+                    <a:lstStyle/>
+                    <a:p>
+                      <a:r>
+                        <a:rPr lang="es-ES" dirty="0" err="1"/>
+                        <a:t>contains</a:t>
+                      </a:r>
+                      <a:r>
+                        <a:rPr lang="es-ES" dirty="0"/>
+                        <a:t>(//nombre/</a:t>
+                      </a:r>
+                      <a:r>
+                        <a:rPr lang="es-ES" dirty="0" err="1"/>
+                        <a:t>text</a:t>
+                      </a:r>
+                      <a:endParaRPr lang="es-ES" dirty="0"/>
+                    </a:p>
+                  </a:txBody>
+                  <a:tcPr/>
+                </a:tc>
+                <a:extLst>
+                  <a:ext uri="{0D108BD9-81ED-4DB2-BD59-A6C34878D82A}">
+                    <a16:rowId xmlns:a16="http://schemas.microsoft.com/office/drawing/2014/main" val="1014566830"/>
+                  </a:ext>
+                </a:extLst>
+              </a:tr>
+              <a:tr h="370840">
+                <a:tc>
+                  <a:txBody>
+                    <a:bodyPr/>
+                    <a:lstStyle/>
+                    <a:p>
+                      <a:r>
+                        <a:rPr lang="es-ES" dirty="0" err="1"/>
+                        <a:t>normalize-space</a:t>
+                      </a:r>
+                      <a:r>
+                        <a:rPr lang="es-ES" dirty="0"/>
+                        <a:t>()</a:t>
+                      </a:r>
+                    </a:p>
+                  </a:txBody>
+                  <a:tcPr/>
+                </a:tc>
+                <a:tc>
+                  <a:txBody>
+                    <a:bodyPr/>
+                    <a:lstStyle/>
+                    <a:p>
+                      <a:r>
+                        <a:rPr lang="es-ES" dirty="0" err="1"/>
+                        <a:t>Cadna</a:t>
+                      </a:r>
+                      <a:r>
+                        <a:rPr lang="es-ES" dirty="0"/>
+                        <a:t> de </a:t>
+                      </a:r>
+                      <a:r>
+                        <a:rPr lang="es-ES" dirty="0" err="1"/>
+                        <a:t>carácteres</a:t>
+                      </a:r>
+                      <a:endParaRPr lang="es-ES" dirty="0"/>
+                    </a:p>
+                  </a:txBody>
+                  <a:tcPr/>
+                </a:tc>
+                <a:tc>
+                  <a:txBody>
+                    <a:bodyPr/>
+                    <a:lstStyle/>
+                    <a:p>
+                      <a:r>
+                        <a:rPr lang="es-ES" sz="1400" dirty="0"/>
+                        <a:t>Devuelve una cadena como la que se le pasa como parámetro, quitando los espacios al comienzo, al final, y los duplicados</a:t>
+                      </a:r>
+                    </a:p>
+                  </a:txBody>
+                  <a:tcPr/>
+                </a:tc>
+                <a:tc>
+                  <a:txBody>
+                    <a:bodyPr/>
+                    <a:lstStyle/>
+                    <a:p>
+                      <a:r>
+                        <a:rPr lang="es-ES" dirty="0" err="1"/>
+                        <a:t>normalize-space</a:t>
+                      </a:r>
+                      <a:r>
+                        <a:rPr lang="es-ES" dirty="0"/>
+                        <a:t>(//nombre/</a:t>
+                      </a:r>
+                      <a:r>
+                        <a:rPr lang="es-ES" dirty="0" err="1"/>
+                        <a:t>text</a:t>
+                      </a:r>
+                      <a:r>
+                        <a:rPr lang="es-ES" dirty="0"/>
+                        <a:t>())</a:t>
+                      </a:r>
+                    </a:p>
+                  </a:txBody>
+                  <a:tcPr/>
+                </a:tc>
+                <a:extLst>
+                  <a:ext uri="{0D108BD9-81ED-4DB2-BD59-A6C34878D82A}">
+                    <a16:rowId xmlns:a16="http://schemas.microsoft.com/office/drawing/2014/main" val="1693023292"/>
+                  </a:ext>
+                </a:extLst>
+              </a:tr>
+            </a:tbl>
+          </a:graphicData>
+        </a:graphic>
+      </p:graphicFrame>
+    </p:spTree>
+    <p:extLst>
+      <p:ext uri="{BB962C8B-B14F-4D97-AF65-F5344CB8AC3E}">
+        <p14:creationId xmlns:p14="http://schemas.microsoft.com/office/powerpoint/2010/main" val="4060496793"/>
+      </p:ext>
+    </p:extLst>
+  </p:cSld>
+  <p:clrMapOvr>
+    <a:masterClrMapping/>
+  </p:clrMapOvr>
+</p:sld>
+</file>
+
+<file path=ppt/slides/slide33.xml><?xml version="1.0" encoding="utf-8"?>
+<p:sld xmlns:a="http://schemas.openxmlformats.org/drawingml/2006/main" xmlns:r="http://schemas.openxmlformats.org/officeDocument/2006/relationships" xmlns:p="http://schemas.openxmlformats.org/presentationml/2006/main">
+  <p:cSld>
+    <p:spTree>
+      <p:nvGrpSpPr>
+        <p:cNvPr id="1" name=""/>
+        <p:cNvGrpSpPr/>
+        <p:nvPr/>
+      </p:nvGrpSpPr>
+      <p:grpSpPr>
+        <a:xfrm>
+          <a:off x="0" y="0"/>
+          <a:ext cx="0" cy="0"/>
+          <a:chOff x="0" y="0"/>
+          <a:chExt cx="0" cy="0"/>
+        </a:xfrm>
+      </p:grpSpPr>
+      <p:sp>
+        <p:nvSpPr>
+          <p:cNvPr id="2" name="Título 1">
+            <a:extLst>
+              <a:ext uri="{FF2B5EF4-FFF2-40B4-BE49-F238E27FC236}">
+                <a16:creationId xmlns:a16="http://schemas.microsoft.com/office/drawing/2014/main" id="{91B37394-1F8B-42E0-BEA6-750C7CD26E28}"/>
+              </a:ext>
+            </a:extLst>
+          </p:cNvPr>
+          <p:cNvSpPr>
+            <a:spLocks noGrp="1"/>
+          </p:cNvSpPr>
+          <p:nvPr>
+            <p:ph type="title"/>
+          </p:nvPr>
+        </p:nvSpPr>
+        <p:spPr/>
+        <p:txBody>
+          <a:bodyPr/>
+          <a:lstStyle/>
+          <a:p>
+            <a:r>
+              <a:rPr lang="es-ES" dirty="0" err="1"/>
+              <a:t>XPath</a:t>
+            </a:r>
+            <a:r>
+              <a:rPr lang="es-ES" dirty="0"/>
+              <a:t/>
+            </a:r>
+            <a:br>
+              <a:rPr lang="es-ES" dirty="0"/>
+            </a:br>
+            <a:r>
+              <a:rPr lang="es-ES" dirty="0"/>
+              <a:t>Funciones</a:t>
+            </a:r>
+          </a:p>
+        </p:txBody>
+      </p:sp>
+      <p:graphicFrame>
+        <p:nvGraphicFramePr>
+          <p:cNvPr id="4" name="Tabla 4">
+            <a:extLst>
+              <a:ext uri="{FF2B5EF4-FFF2-40B4-BE49-F238E27FC236}">
+                <a16:creationId xmlns:a16="http://schemas.microsoft.com/office/drawing/2014/main" id="{35CC5E2B-D6C6-4BA4-B355-7A88245312D4}"/>
+              </a:ext>
+            </a:extLst>
+          </p:cNvPr>
+          <p:cNvGraphicFramePr>
+            <a:graphicFrameLocks noGrp="1"/>
+          </p:cNvGraphicFramePr>
+          <p:nvPr>
+            <p:extLst>
+              <p:ext uri="{D42A27DB-BD31-4B8C-83A1-F6EECF244321}">
+                <p14:modId xmlns:p14="http://schemas.microsoft.com/office/powerpoint/2010/main" val="863283144"/>
+              </p:ext>
+            </p:extLst>
+          </p:nvPr>
+        </p:nvGraphicFramePr>
+        <p:xfrm>
+          <a:off x="1234554" y="1903602"/>
+          <a:ext cx="10027004" cy="4058920"/>
+        </p:xfrm>
+        <a:graphic>
+          <a:graphicData uri="http://schemas.openxmlformats.org/drawingml/2006/table">
+            <a:tbl>
+              <a:tblPr firstRow="1" bandRow="1">
+                <a:tableStyleId>{5C22544A-7EE6-4342-B048-85BDC9FD1C3A}</a:tableStyleId>
+              </a:tblPr>
+              <a:tblGrid>
+                <a:gridCol w="2021993">
+                  <a:extLst>
+                    <a:ext uri="{9D8B030D-6E8A-4147-A177-3AD203B41FA5}">
+                      <a16:colId xmlns:a16="http://schemas.microsoft.com/office/drawing/2014/main" val="3538106324"/>
+                    </a:ext>
+                  </a:extLst>
+                </a:gridCol>
+                <a:gridCol w="1925053">
+                  <a:extLst>
+                    <a:ext uri="{9D8B030D-6E8A-4147-A177-3AD203B41FA5}">
+                      <a16:colId xmlns:a16="http://schemas.microsoft.com/office/drawing/2014/main" val="1983043589"/>
+                    </a:ext>
+                  </a:extLst>
+                </a:gridCol>
+                <a:gridCol w="2738097">
+                  <a:extLst>
+                    <a:ext uri="{9D8B030D-6E8A-4147-A177-3AD203B41FA5}">
+                      <a16:colId xmlns:a16="http://schemas.microsoft.com/office/drawing/2014/main" val="257644162"/>
+                    </a:ext>
+                  </a:extLst>
+                </a:gridCol>
+                <a:gridCol w="3341861">
+                  <a:extLst>
+                    <a:ext uri="{9D8B030D-6E8A-4147-A177-3AD203B41FA5}">
+                      <a16:colId xmlns:a16="http://schemas.microsoft.com/office/drawing/2014/main" val="2808599621"/>
+                    </a:ext>
+                  </a:extLst>
+                </a:gridCol>
+              </a:tblGrid>
+              <a:tr h="370840">
+                <a:tc>
+                  <a:txBody>
+                    <a:bodyPr/>
+                    <a:lstStyle/>
+                    <a:p>
+                      <a:r>
+                        <a:rPr lang="es-ES" dirty="0"/>
+                        <a:t>Función</a:t>
+                      </a:r>
+                    </a:p>
+                  </a:txBody>
+                  <a:tcPr/>
+                </a:tc>
+                <a:tc>
+                  <a:txBody>
+                    <a:bodyPr/>
+                    <a:lstStyle/>
+                    <a:p>
+                      <a:r>
+                        <a:rPr lang="es-ES" dirty="0"/>
+                        <a:t>Valor devuelto</a:t>
+                      </a:r>
+                    </a:p>
+                  </a:txBody>
+                  <a:tcPr/>
+                </a:tc>
+                <a:tc>
+                  <a:txBody>
+                    <a:bodyPr/>
+                    <a:lstStyle/>
+                    <a:p>
+                      <a:r>
+                        <a:rPr lang="es-ES" sz="1400" dirty="0"/>
+                        <a:t>Descripción</a:t>
+                      </a:r>
+                    </a:p>
+                  </a:txBody>
+                  <a:tcPr/>
+                </a:tc>
+                <a:tc>
+                  <a:txBody>
+                    <a:bodyPr/>
+                    <a:lstStyle/>
+                    <a:p>
+                      <a:r>
+                        <a:rPr lang="es-ES" dirty="0"/>
+                        <a:t>Ejemplo</a:t>
+                      </a:r>
+                    </a:p>
+                  </a:txBody>
+                  <a:tcPr/>
+                </a:tc>
+                <a:extLst>
+                  <a:ext uri="{0D108BD9-81ED-4DB2-BD59-A6C34878D82A}">
+                    <a16:rowId xmlns:a16="http://schemas.microsoft.com/office/drawing/2014/main" val="2073292555"/>
+                  </a:ext>
+                </a:extLst>
+              </a:tr>
+              <a:tr h="370840">
+                <a:tc>
+                  <a:txBody>
+                    <a:bodyPr/>
+                    <a:lstStyle/>
+                    <a:p>
+                      <a:r>
+                        <a:rPr lang="es-ES" dirty="0" err="1"/>
+                        <a:t>start-with</a:t>
+                      </a:r>
+                      <a:r>
+                        <a:rPr lang="es-ES" dirty="0"/>
+                        <a:t>()</a:t>
+                      </a:r>
+                    </a:p>
+                  </a:txBody>
+                  <a:tcPr/>
+                </a:tc>
+                <a:tc>
+                  <a:txBody>
+                    <a:bodyPr/>
+                    <a:lstStyle/>
+                    <a:p>
+                      <a:r>
+                        <a:rPr lang="es-ES" dirty="0"/>
+                        <a:t>Booleano</a:t>
+                      </a:r>
+                    </a:p>
+                  </a:txBody>
+                  <a:tcPr/>
+                </a:tc>
+                <a:tc>
+                  <a:txBody>
+                    <a:bodyPr/>
+                    <a:lstStyle/>
+                    <a:p>
+                      <a:r>
+                        <a:rPr lang="es-ES" sz="1400" dirty="0"/>
+                        <a:t>Devuelve verdadero si la primera cadena comienza con la segunda, falso en caso contrario</a:t>
+                      </a:r>
+                    </a:p>
+                  </a:txBody>
+                  <a:tcPr/>
+                </a:tc>
+                <a:tc>
+                  <a:txBody>
+                    <a:bodyPr/>
+                    <a:lstStyle/>
+                    <a:p>
+                      <a:r>
+                        <a:rPr lang="es-ES" dirty="0" err="1"/>
+                        <a:t>start-with</a:t>
+                      </a:r>
+                      <a:r>
+                        <a:rPr lang="es-ES" dirty="0"/>
+                        <a:t>(//nombre/tex(),”Jack”)</a:t>
+                      </a:r>
+                    </a:p>
+                  </a:txBody>
+                  <a:tcPr/>
+                </a:tc>
+                <a:extLst>
+                  <a:ext uri="{0D108BD9-81ED-4DB2-BD59-A6C34878D82A}">
+                    <a16:rowId xmlns:a16="http://schemas.microsoft.com/office/drawing/2014/main" val="2885564956"/>
+                  </a:ext>
+                </a:extLst>
+              </a:tr>
+              <a:tr h="370840">
+                <a:tc>
+                  <a:txBody>
+                    <a:bodyPr/>
+                    <a:lstStyle/>
+                    <a:p>
+                      <a:r>
+                        <a:rPr lang="es-ES"/>
+                        <a:t>string-length</a:t>
+                      </a:r>
+                      <a:r>
+                        <a:rPr lang="es-ES" dirty="0"/>
+                        <a:t>()</a:t>
+                      </a:r>
+                    </a:p>
+                  </a:txBody>
+                  <a:tcPr/>
+                </a:tc>
+                <a:tc>
+                  <a:txBody>
+                    <a:bodyPr/>
+                    <a:lstStyle/>
+                    <a:p>
+                      <a:r>
+                        <a:rPr lang="es-ES" dirty="0"/>
+                        <a:t>Numérico</a:t>
+                      </a:r>
+                    </a:p>
+                  </a:txBody>
+                  <a:tcPr/>
+                </a:tc>
+                <a:tc>
+                  <a:txBody>
+                    <a:bodyPr/>
+                    <a:lstStyle/>
+                    <a:p>
+                      <a:r>
+                        <a:rPr lang="es-ES" sz="1400" dirty="0"/>
+                        <a:t>Devuelve el número de caracteres de cadena</a:t>
+                      </a:r>
+                    </a:p>
+                  </a:txBody>
+                  <a:tcPr/>
+                </a:tc>
+                <a:tc>
+                  <a:txBody>
+                    <a:bodyPr/>
+                    <a:lstStyle/>
+                    <a:p>
+                      <a:r>
+                        <a:rPr lang="es-ES" dirty="0" err="1"/>
+                        <a:t>string-length</a:t>
+                      </a:r>
+                      <a:r>
+                        <a:rPr lang="es-ES" dirty="0"/>
+                        <a:t>(//nombre/</a:t>
+                      </a:r>
+                      <a:r>
+                        <a:rPr lang="es-ES" dirty="0" err="1"/>
+                        <a:t>text</a:t>
+                      </a:r>
+                      <a:r>
+                        <a:rPr lang="es-ES" dirty="0"/>
+                        <a:t>())</a:t>
+                      </a:r>
+                    </a:p>
+                  </a:txBody>
+                  <a:tcPr/>
+                </a:tc>
+                <a:extLst>
+                  <a:ext uri="{0D108BD9-81ED-4DB2-BD59-A6C34878D82A}">
+                    <a16:rowId xmlns:a16="http://schemas.microsoft.com/office/drawing/2014/main" val="1612873062"/>
+                  </a:ext>
+                </a:extLst>
+              </a:tr>
+              <a:tr h="370840">
+                <a:tc>
+                  <a:txBody>
+                    <a:bodyPr/>
+                    <a:lstStyle/>
+                    <a:p>
+                      <a:r>
+                        <a:rPr lang="es-ES"/>
+                        <a:t>substring()</a:t>
+                      </a:r>
+                      <a:endParaRPr lang="es-ES" dirty="0"/>
+                    </a:p>
+                  </a:txBody>
+                  <a:tcPr/>
+                </a:tc>
+                <a:tc>
+                  <a:txBody>
+                    <a:bodyPr/>
+                    <a:lstStyle/>
+                    <a:p>
+                      <a:r>
+                        <a:rPr lang="es-ES" dirty="0"/>
+                        <a:t>Cadena de </a:t>
+                      </a:r>
+                      <a:r>
+                        <a:rPr lang="es-ES" dirty="0" err="1"/>
+                        <a:t>carácteres</a:t>
+                      </a:r>
+                      <a:endParaRPr lang="es-ES" dirty="0"/>
+                    </a:p>
+                  </a:txBody>
+                  <a:tcPr/>
+                </a:tc>
+                <a:tc>
+                  <a:txBody>
+                    <a:bodyPr/>
+                    <a:lstStyle/>
+                    <a:p>
+                      <a:r>
+                        <a:rPr lang="es-ES" sz="1400" dirty="0"/>
+                        <a:t>Del primer parámetro, devuelve tantos caracteres como indique el tercer parámetro, contando desde el segundo parámetro</a:t>
+                      </a:r>
+                    </a:p>
+                  </a:txBody>
+                  <a:tcPr/>
+                </a:tc>
+                <a:tc>
+                  <a:txBody>
+                    <a:bodyPr/>
+                    <a:lstStyle/>
+                    <a:p>
+                      <a:r>
+                        <a:rPr lang="es-ES" dirty="0" err="1"/>
+                        <a:t>substring</a:t>
+                      </a:r>
+                      <a:r>
+                        <a:rPr lang="es-ES" dirty="0"/>
+                        <a:t>(//nombre/</a:t>
+                      </a:r>
+                      <a:r>
+                        <a:rPr lang="es-ES" dirty="0" err="1"/>
+                        <a:t>text</a:t>
+                      </a:r>
+                      <a:r>
+                        <a:rPr lang="es-ES" dirty="0"/>
+                        <a:t>(),6,7)</a:t>
+                      </a:r>
+                    </a:p>
+                  </a:txBody>
+                  <a:tcPr/>
+                </a:tc>
+                <a:extLst>
+                  <a:ext uri="{0D108BD9-81ED-4DB2-BD59-A6C34878D82A}">
+                    <a16:rowId xmlns:a16="http://schemas.microsoft.com/office/drawing/2014/main" val="1014566830"/>
+                  </a:ext>
+                </a:extLst>
+              </a:tr>
+              <a:tr h="370840">
+                <a:tc>
+                  <a:txBody>
+                    <a:bodyPr/>
+                    <a:lstStyle/>
+                    <a:p>
+                      <a:r>
+                        <a:rPr lang="es-ES" dirty="0" err="1"/>
+                        <a:t>substring</a:t>
+                      </a:r>
+                      <a:r>
+                        <a:rPr lang="es-ES" dirty="0"/>
+                        <a:t>-after()</a:t>
+                      </a:r>
+                    </a:p>
+                  </a:txBody>
+                  <a:tcPr/>
+                </a:tc>
+                <a:tc>
+                  <a:txBody>
+                    <a:bodyPr/>
+                    <a:lstStyle/>
+                    <a:p>
+                      <a:r>
+                        <a:rPr lang="es-ES" dirty="0"/>
+                        <a:t>Cadena de caracteres</a:t>
+                      </a:r>
+                    </a:p>
+                  </a:txBody>
+                  <a:tcPr/>
+                </a:tc>
+                <a:tc>
+                  <a:txBody>
+                    <a:bodyPr/>
+                    <a:lstStyle/>
+                    <a:p>
+                      <a:r>
+                        <a:rPr lang="es-ES" sz="1400" dirty="0"/>
+                        <a:t>Devuelve la cadena del primer parámetro a partir de la primera ocurrencia del segundo parámetro</a:t>
+                      </a:r>
+                    </a:p>
+                  </a:txBody>
+                  <a:tcPr/>
+                </a:tc>
+                <a:tc>
+                  <a:txBody>
+                    <a:bodyPr/>
+                    <a:lstStyle/>
+                    <a:p>
+                      <a:r>
+                        <a:rPr lang="es-ES" dirty="0" err="1"/>
+                        <a:t>substring</a:t>
+                      </a:r>
+                      <a:r>
+                        <a:rPr lang="es-ES" dirty="0"/>
+                        <a:t>-after(//nombre/</a:t>
+                      </a:r>
+                      <a:r>
+                        <a:rPr lang="es-ES" dirty="0" err="1"/>
+                        <a:t>text</a:t>
+                      </a:r>
+                      <a:r>
+                        <a:rPr lang="es-ES" dirty="0"/>
+                        <a:t>(),” “)</a:t>
+                      </a:r>
+                    </a:p>
+                  </a:txBody>
+                  <a:tcPr/>
+                </a:tc>
+                <a:extLst>
+                  <a:ext uri="{0D108BD9-81ED-4DB2-BD59-A6C34878D82A}">
+                    <a16:rowId xmlns:a16="http://schemas.microsoft.com/office/drawing/2014/main" val="1693023292"/>
+                  </a:ext>
+                </a:extLst>
+              </a:tr>
+            </a:tbl>
+          </a:graphicData>
+        </a:graphic>
+      </p:graphicFrame>
+    </p:spTree>
+    <p:extLst>
+      <p:ext uri="{BB962C8B-B14F-4D97-AF65-F5344CB8AC3E}">
+        <p14:creationId xmlns:p14="http://schemas.microsoft.com/office/powerpoint/2010/main" val="726554900"/>
+      </p:ext>
+    </p:extLst>
+  </p:cSld>
+  <p:clrMapOvr>
+    <a:masterClrMapping/>
+  </p:clrMapOvr>
+</p:sld>
+</file>
+
+<file path=ppt/slides/slide34.xml><?xml version="1.0" encoding="utf-8"?>
+<p:sld xmlns:a="http://schemas.openxmlformats.org/drawingml/2006/main" xmlns:r="http://schemas.openxmlformats.org/officeDocument/2006/relationships" xmlns:p="http://schemas.openxmlformats.org/presentationml/2006/main">
+  <p:cSld>
+    <p:spTree>
+      <p:nvGrpSpPr>
+        <p:cNvPr id="1" name=""/>
+        <p:cNvGrpSpPr/>
+        <p:nvPr/>
+      </p:nvGrpSpPr>
+      <p:grpSpPr>
+        <a:xfrm>
+          <a:off x="0" y="0"/>
+          <a:ext cx="0" cy="0"/>
+          <a:chOff x="0" y="0"/>
+          <a:chExt cx="0" cy="0"/>
+        </a:xfrm>
+      </p:grpSpPr>
+      <p:sp>
+        <p:nvSpPr>
+          <p:cNvPr id="2" name="Título 1">
+            <a:extLst>
+              <a:ext uri="{FF2B5EF4-FFF2-40B4-BE49-F238E27FC236}">
+                <a16:creationId xmlns:a16="http://schemas.microsoft.com/office/drawing/2014/main" id="{91B37394-1F8B-42E0-BEA6-750C7CD26E28}"/>
+              </a:ext>
+            </a:extLst>
+          </p:cNvPr>
+          <p:cNvSpPr>
+            <a:spLocks noGrp="1"/>
+          </p:cNvSpPr>
+          <p:nvPr>
+            <p:ph type="title"/>
+          </p:nvPr>
+        </p:nvSpPr>
+        <p:spPr/>
+        <p:txBody>
+          <a:bodyPr/>
+          <a:lstStyle/>
+          <a:p>
+            <a:r>
+              <a:rPr lang="es-ES" dirty="0" err="1"/>
+              <a:t>XPath</a:t>
+            </a:r>
+            <a:r>
+              <a:rPr lang="es-ES" dirty="0"/>
+              <a:t/>
+            </a:r>
+            <a:br>
+              <a:rPr lang="es-ES" dirty="0"/>
+            </a:br>
+            <a:r>
+              <a:rPr lang="es-ES" dirty="0"/>
+              <a:t>Funciones</a:t>
+            </a:r>
+          </a:p>
+        </p:txBody>
+      </p:sp>
+      <p:graphicFrame>
+        <p:nvGraphicFramePr>
+          <p:cNvPr id="4" name="Tabla 4">
+            <a:extLst>
+              <a:ext uri="{FF2B5EF4-FFF2-40B4-BE49-F238E27FC236}">
+                <a16:creationId xmlns:a16="http://schemas.microsoft.com/office/drawing/2014/main" id="{35CC5E2B-D6C6-4BA4-B355-7A88245312D4}"/>
+              </a:ext>
+            </a:extLst>
+          </p:cNvPr>
+          <p:cNvGraphicFramePr>
+            <a:graphicFrameLocks noGrp="1"/>
+          </p:cNvGraphicFramePr>
+          <p:nvPr>
+            <p:extLst>
+              <p:ext uri="{D42A27DB-BD31-4B8C-83A1-F6EECF244321}">
+                <p14:modId xmlns:p14="http://schemas.microsoft.com/office/powerpoint/2010/main" val="3332297018"/>
+              </p:ext>
+            </p:extLst>
+          </p:nvPr>
+        </p:nvGraphicFramePr>
+        <p:xfrm>
+          <a:off x="1234554" y="1903602"/>
+          <a:ext cx="10027004" cy="3723640"/>
+        </p:xfrm>
+        <a:graphic>
+          <a:graphicData uri="http://schemas.openxmlformats.org/drawingml/2006/table">
+            <a:tbl>
+              <a:tblPr firstRow="1" bandRow="1">
+                <a:tableStyleId>{5C22544A-7EE6-4342-B048-85BDC9FD1C3A}</a:tableStyleId>
+              </a:tblPr>
+              <a:tblGrid>
+                <a:gridCol w="2294709">
+                  <a:extLst>
+                    <a:ext uri="{9D8B030D-6E8A-4147-A177-3AD203B41FA5}">
+                      <a16:colId xmlns:a16="http://schemas.microsoft.com/office/drawing/2014/main" val="3538106324"/>
+                    </a:ext>
+                  </a:extLst>
+                </a:gridCol>
+                <a:gridCol w="1860884">
+                  <a:extLst>
+                    <a:ext uri="{9D8B030D-6E8A-4147-A177-3AD203B41FA5}">
+                      <a16:colId xmlns:a16="http://schemas.microsoft.com/office/drawing/2014/main" val="1983043589"/>
+                    </a:ext>
+                  </a:extLst>
+                </a:gridCol>
+                <a:gridCol w="2529550">
+                  <a:extLst>
+                    <a:ext uri="{9D8B030D-6E8A-4147-A177-3AD203B41FA5}">
+                      <a16:colId xmlns:a16="http://schemas.microsoft.com/office/drawing/2014/main" val="257644162"/>
+                    </a:ext>
+                  </a:extLst>
+                </a:gridCol>
+                <a:gridCol w="3341861">
+                  <a:extLst>
+                    <a:ext uri="{9D8B030D-6E8A-4147-A177-3AD203B41FA5}">
+                      <a16:colId xmlns:a16="http://schemas.microsoft.com/office/drawing/2014/main" val="2808599621"/>
+                    </a:ext>
+                  </a:extLst>
+                </a:gridCol>
+              </a:tblGrid>
+              <a:tr h="370840">
+                <a:tc>
+                  <a:txBody>
+                    <a:bodyPr/>
+                    <a:lstStyle/>
+                    <a:p>
+                      <a:r>
+                        <a:rPr lang="es-ES" dirty="0"/>
+                        <a:t>Función</a:t>
+                      </a:r>
+                    </a:p>
+                  </a:txBody>
+                  <a:tcPr/>
+                </a:tc>
+                <a:tc>
+                  <a:txBody>
+                    <a:bodyPr/>
+                    <a:lstStyle/>
+                    <a:p>
+                      <a:r>
+                        <a:rPr lang="es-ES" dirty="0"/>
+                        <a:t>Valor devuelto</a:t>
+                      </a:r>
+                    </a:p>
+                  </a:txBody>
+                  <a:tcPr/>
+                </a:tc>
+                <a:tc>
+                  <a:txBody>
+                    <a:bodyPr/>
+                    <a:lstStyle/>
+                    <a:p>
+                      <a:r>
+                        <a:rPr lang="es-ES" sz="1400" dirty="0"/>
+                        <a:t>Descripción</a:t>
+                      </a:r>
+                    </a:p>
+                  </a:txBody>
+                  <a:tcPr/>
+                </a:tc>
+                <a:tc>
+                  <a:txBody>
+                    <a:bodyPr/>
+                    <a:lstStyle/>
+                    <a:p>
+                      <a:r>
+                        <a:rPr lang="es-ES" dirty="0"/>
+                        <a:t>Ejemplo</a:t>
+                      </a:r>
+                    </a:p>
+                  </a:txBody>
+                  <a:tcPr/>
+                </a:tc>
+                <a:extLst>
+                  <a:ext uri="{0D108BD9-81ED-4DB2-BD59-A6C34878D82A}">
+                    <a16:rowId xmlns:a16="http://schemas.microsoft.com/office/drawing/2014/main" val="2073292555"/>
+                  </a:ext>
+                </a:extLst>
+              </a:tr>
+              <a:tr h="370840">
+                <a:tc>
+                  <a:txBody>
+                    <a:bodyPr/>
+                    <a:lstStyle/>
+                    <a:p>
+                      <a:r>
+                        <a:rPr lang="es-ES"/>
+                        <a:t>substring-before</a:t>
+                      </a:r>
+                      <a:r>
+                        <a:rPr lang="es-ES" dirty="0"/>
+                        <a:t>()</a:t>
+                      </a:r>
+                    </a:p>
+                  </a:txBody>
+                  <a:tcPr/>
+                </a:tc>
+                <a:tc>
+                  <a:txBody>
+                    <a:bodyPr/>
+                    <a:lstStyle/>
+                    <a:p>
+                      <a:r>
+                        <a:rPr lang="es-ES" dirty="0"/>
+                        <a:t>Cadena de </a:t>
+                      </a:r>
+                      <a:r>
+                        <a:rPr lang="es-ES" dirty="0" err="1"/>
+                        <a:t>carácteres</a:t>
+                      </a:r>
+                      <a:endParaRPr lang="es-ES" dirty="0"/>
+                    </a:p>
+                  </a:txBody>
+                  <a:tcPr/>
+                </a:tc>
+                <a:tc>
+                  <a:txBody>
+                    <a:bodyPr/>
+                    <a:lstStyle/>
+                    <a:p>
+                      <a:r>
+                        <a:rPr lang="es-ES" sz="1400" dirty="0"/>
+                        <a:t>Devuelve la cadena del primer parámetro anterior a la primera ocurrencia del segundo parámetro</a:t>
+                      </a:r>
+                    </a:p>
+                  </a:txBody>
+                  <a:tcPr/>
+                </a:tc>
+                <a:tc>
+                  <a:txBody>
+                    <a:bodyPr/>
+                    <a:lstStyle/>
+                    <a:p>
+                      <a:r>
+                        <a:rPr lang="es-ES" dirty="0" err="1"/>
+                        <a:t>substring-before</a:t>
+                      </a:r>
+                      <a:r>
+                        <a:rPr lang="es-ES" dirty="0"/>
+                        <a:t>(//nombre/</a:t>
+                      </a:r>
+                      <a:r>
+                        <a:rPr lang="es-ES" dirty="0" err="1"/>
+                        <a:t>text</a:t>
+                      </a:r>
+                      <a:r>
+                        <a:rPr lang="es-ES" dirty="0"/>
+                        <a:t>(),” “)</a:t>
+                      </a:r>
+                    </a:p>
+                  </a:txBody>
+                  <a:tcPr/>
+                </a:tc>
+                <a:extLst>
+                  <a:ext uri="{0D108BD9-81ED-4DB2-BD59-A6C34878D82A}">
+                    <a16:rowId xmlns:a16="http://schemas.microsoft.com/office/drawing/2014/main" val="2885564956"/>
+                  </a:ext>
+                </a:extLst>
+              </a:tr>
+              <a:tr h="370840">
+                <a:tc>
+                  <a:txBody>
+                    <a:bodyPr/>
+                    <a:lstStyle/>
+                    <a:p>
+                      <a:r>
+                        <a:rPr lang="es-ES"/>
+                        <a:t>translate()</a:t>
+                      </a:r>
+                      <a:endParaRPr lang="es-ES" dirty="0"/>
+                    </a:p>
+                  </a:txBody>
+                  <a:tcPr/>
+                </a:tc>
+                <a:tc>
+                  <a:txBody>
+                    <a:bodyPr/>
+                    <a:lstStyle/>
+                    <a:p>
+                      <a:r>
+                        <a:rPr lang="es-ES" dirty="0"/>
+                        <a:t>Cadena de </a:t>
+                      </a:r>
+                      <a:r>
+                        <a:rPr lang="es-ES" dirty="0" err="1"/>
+                        <a:t>carácteres</a:t>
+                      </a:r>
+                      <a:endParaRPr lang="es-ES" dirty="0"/>
+                    </a:p>
+                  </a:txBody>
+                  <a:tcPr/>
+                </a:tc>
+                <a:tc>
+                  <a:txBody>
+                    <a:bodyPr/>
+                    <a:lstStyle/>
+                    <a:p>
+                      <a:r>
+                        <a:rPr lang="es-ES" sz="1400" dirty="0"/>
+                        <a:t>Devuelve la cadena del primer </a:t>
+                      </a:r>
+                      <a:r>
+                        <a:rPr lang="es-ES" sz="1400" dirty="0" err="1"/>
+                        <a:t>pámetro</a:t>
+                      </a:r>
+                      <a:r>
+                        <a:rPr lang="es-ES" sz="1400" dirty="0"/>
+                        <a:t>, sustituyendo el segundo parámetro por el tercero</a:t>
+                      </a:r>
+                    </a:p>
+                  </a:txBody>
+                  <a:tcPr/>
+                </a:tc>
+                <a:tc>
+                  <a:txBody>
+                    <a:bodyPr/>
+                    <a:lstStyle/>
+                    <a:p>
+                      <a:r>
+                        <a:rPr lang="es-ES"/>
+                        <a:t>translate(//</a:t>
+                      </a:r>
+                      <a:r>
+                        <a:rPr lang="es-ES" dirty="0"/>
+                        <a:t>nombre/</a:t>
+                      </a:r>
+                      <a:r>
+                        <a:rPr lang="es-ES" dirty="0" err="1"/>
+                        <a:t>text</a:t>
+                      </a:r>
+                      <a:r>
+                        <a:rPr lang="es-ES" dirty="0"/>
+                        <a:t>(),” “,”-”)</a:t>
+                      </a:r>
+                    </a:p>
+                  </a:txBody>
+                  <a:tcPr/>
+                </a:tc>
+                <a:extLst>
+                  <a:ext uri="{0D108BD9-81ED-4DB2-BD59-A6C34878D82A}">
+                    <a16:rowId xmlns:a16="http://schemas.microsoft.com/office/drawing/2014/main" val="1612873062"/>
+                  </a:ext>
+                </a:extLst>
+              </a:tr>
+              <a:tr h="370840">
+                <a:tc>
+                  <a:txBody>
+                    <a:bodyPr/>
+                    <a:lstStyle/>
+                    <a:p>
+                      <a:r>
+                        <a:rPr lang="es-ES"/>
+                        <a:t>string()</a:t>
+                      </a:r>
+                      <a:endParaRPr lang="es-ES" dirty="0"/>
+                    </a:p>
+                  </a:txBody>
+                  <a:tcPr/>
+                </a:tc>
+                <a:tc>
+                  <a:txBody>
+                    <a:bodyPr/>
+                    <a:lstStyle/>
+                    <a:p>
+                      <a:r>
+                        <a:rPr lang="es-ES" dirty="0"/>
+                        <a:t>Cadena de </a:t>
+                      </a:r>
+                      <a:r>
+                        <a:rPr lang="es-ES" dirty="0" err="1"/>
+                        <a:t>carácteres</a:t>
+                      </a:r>
+                      <a:endParaRPr lang="es-ES" dirty="0"/>
+                    </a:p>
+                  </a:txBody>
+                  <a:tcPr/>
+                </a:tc>
+                <a:tc>
+                  <a:txBody>
+                    <a:bodyPr/>
+                    <a:lstStyle/>
+                    <a:p>
+                      <a:r>
+                        <a:rPr lang="es-ES" sz="1400" dirty="0"/>
+                        <a:t>Devuelve el parámetro convertido a una cadena de </a:t>
+                      </a:r>
+                      <a:r>
+                        <a:rPr lang="es-ES" sz="1400" dirty="0" err="1"/>
+                        <a:t>carácteres</a:t>
+                      </a:r>
+                      <a:endParaRPr lang="es-ES" sz="1400" dirty="0"/>
+                    </a:p>
+                  </a:txBody>
+                  <a:tcPr/>
+                </a:tc>
+                <a:tc>
+                  <a:txBody>
+                    <a:bodyPr/>
+                    <a:lstStyle/>
+                    <a:p>
+                      <a:r>
+                        <a:rPr lang="es-ES" dirty="0" err="1"/>
+                        <a:t>string</a:t>
+                      </a:r>
+                      <a:r>
+                        <a:rPr lang="es-ES" dirty="0"/>
+                        <a:t>(//nombre)</a:t>
+                      </a:r>
+                    </a:p>
+                  </a:txBody>
+                  <a:tcPr/>
+                </a:tc>
+                <a:extLst>
+                  <a:ext uri="{0D108BD9-81ED-4DB2-BD59-A6C34878D82A}">
+                    <a16:rowId xmlns:a16="http://schemas.microsoft.com/office/drawing/2014/main" val="1014566830"/>
+                  </a:ext>
+                </a:extLst>
+              </a:tr>
+              <a:tr h="370840">
+                <a:tc>
+                  <a:txBody>
+                    <a:bodyPr/>
+                    <a:lstStyle/>
+                    <a:p>
+                      <a:r>
+                        <a:rPr lang="es-ES"/>
+                        <a:t>count()</a:t>
+                      </a:r>
+                      <a:endParaRPr lang="es-ES" dirty="0"/>
+                    </a:p>
+                  </a:txBody>
+                  <a:tcPr/>
+                </a:tc>
+                <a:tc>
+                  <a:txBody>
+                    <a:bodyPr/>
+                    <a:lstStyle/>
+                    <a:p>
+                      <a:r>
+                        <a:rPr lang="es-ES" dirty="0"/>
+                        <a:t>Numérico</a:t>
+                      </a:r>
+                    </a:p>
+                  </a:txBody>
+                  <a:tcPr/>
+                </a:tc>
+                <a:tc>
+                  <a:txBody>
+                    <a:bodyPr/>
+                    <a:lstStyle/>
+                    <a:p>
+                      <a:r>
+                        <a:rPr lang="es-ES" sz="1400" dirty="0"/>
+                        <a:t>Devuelve el número de nodos del conjunto de nodos</a:t>
+                      </a:r>
+                    </a:p>
+                  </a:txBody>
+                  <a:tcPr/>
+                </a:tc>
+                <a:tc>
+                  <a:txBody>
+                    <a:bodyPr/>
+                    <a:lstStyle/>
+                    <a:p>
+                      <a:r>
+                        <a:rPr lang="es-ES" dirty="0" err="1"/>
+                        <a:t>count</a:t>
+                      </a:r>
+                      <a:r>
+                        <a:rPr lang="es-ES" dirty="0"/>
+                        <a:t>(//producto)</a:t>
+                      </a:r>
+                    </a:p>
+                  </a:txBody>
+                  <a:tcPr/>
+                </a:tc>
+                <a:extLst>
+                  <a:ext uri="{0D108BD9-81ED-4DB2-BD59-A6C34878D82A}">
+                    <a16:rowId xmlns:a16="http://schemas.microsoft.com/office/drawing/2014/main" val="1693023292"/>
+                  </a:ext>
+                </a:extLst>
+              </a:tr>
+            </a:tbl>
+          </a:graphicData>
+        </a:graphic>
+      </p:graphicFrame>
+    </p:spTree>
+    <p:extLst>
+      <p:ext uri="{BB962C8B-B14F-4D97-AF65-F5344CB8AC3E}">
+        <p14:creationId xmlns:p14="http://schemas.microsoft.com/office/powerpoint/2010/main" val="3434059325"/>
+      </p:ext>
+    </p:extLst>
+  </p:cSld>
+  <p:clrMapOvr>
+    <a:masterClrMapping/>
+  </p:clrMapOvr>
+</p:sld>
+</file>
+
+<file path=ppt/slides/slide35.xml><?xml version="1.0" encoding="utf-8"?>
+<p:sld xmlns:a="http://schemas.openxmlformats.org/drawingml/2006/main" xmlns:r="http://schemas.openxmlformats.org/officeDocument/2006/relationships" xmlns:p="http://schemas.openxmlformats.org/presentationml/2006/main">
+  <p:cSld>
+    <p:spTree>
+      <p:nvGrpSpPr>
+        <p:cNvPr id="1" name=""/>
+        <p:cNvGrpSpPr/>
+        <p:nvPr/>
+      </p:nvGrpSpPr>
+      <p:grpSpPr>
+        <a:xfrm>
+          <a:off x="0" y="0"/>
+          <a:ext cx="0" cy="0"/>
+          <a:chOff x="0" y="0"/>
+          <a:chExt cx="0" cy="0"/>
+        </a:xfrm>
+      </p:grpSpPr>
+      <p:sp>
+        <p:nvSpPr>
+          <p:cNvPr id="2" name="Título 1">
+            <a:extLst>
+              <a:ext uri="{FF2B5EF4-FFF2-40B4-BE49-F238E27FC236}">
+                <a16:creationId xmlns:a16="http://schemas.microsoft.com/office/drawing/2014/main" id="{91B37394-1F8B-42E0-BEA6-750C7CD26E28}"/>
+              </a:ext>
+            </a:extLst>
+          </p:cNvPr>
+          <p:cNvSpPr>
+            <a:spLocks noGrp="1"/>
+          </p:cNvSpPr>
+          <p:nvPr>
+            <p:ph type="title"/>
+          </p:nvPr>
+        </p:nvSpPr>
+        <p:spPr/>
+        <p:txBody>
+          <a:bodyPr/>
+          <a:lstStyle/>
+          <a:p>
+            <a:r>
+              <a:rPr lang="es-ES" dirty="0" err="1"/>
+              <a:t>XPath</a:t>
+            </a:r>
+            <a:r>
+              <a:rPr lang="es-ES" dirty="0"/>
+              <a:t/>
+            </a:r>
+            <a:br>
+              <a:rPr lang="es-ES" dirty="0"/>
+            </a:br>
+            <a:r>
+              <a:rPr lang="es-ES" dirty="0"/>
+              <a:t>Funciones</a:t>
+            </a:r>
+          </a:p>
+        </p:txBody>
+      </p:sp>
+      <p:graphicFrame>
+        <p:nvGraphicFramePr>
+          <p:cNvPr id="4" name="Tabla 4">
+            <a:extLst>
+              <a:ext uri="{FF2B5EF4-FFF2-40B4-BE49-F238E27FC236}">
+                <a16:creationId xmlns:a16="http://schemas.microsoft.com/office/drawing/2014/main" id="{35CC5E2B-D6C6-4BA4-B355-7A88245312D4}"/>
+              </a:ext>
+            </a:extLst>
+          </p:cNvPr>
+          <p:cNvGraphicFramePr>
+            <a:graphicFrameLocks noGrp="1"/>
+          </p:cNvGraphicFramePr>
+          <p:nvPr>
+            <p:extLst>
+              <p:ext uri="{D42A27DB-BD31-4B8C-83A1-F6EECF244321}">
+                <p14:modId xmlns:p14="http://schemas.microsoft.com/office/powerpoint/2010/main" val="3553601343"/>
+              </p:ext>
+            </p:extLst>
+          </p:nvPr>
+        </p:nvGraphicFramePr>
+        <p:xfrm>
+          <a:off x="1234554" y="1903602"/>
+          <a:ext cx="10027004" cy="4790440"/>
+        </p:xfrm>
+        <a:graphic>
+          <a:graphicData uri="http://schemas.openxmlformats.org/drawingml/2006/table">
+            <a:tbl>
+              <a:tblPr firstRow="1" bandRow="1">
+                <a:tableStyleId>{5C22544A-7EE6-4342-B048-85BDC9FD1C3A}</a:tableStyleId>
+              </a:tblPr>
+              <a:tblGrid>
+                <a:gridCol w="2294709">
+                  <a:extLst>
+                    <a:ext uri="{9D8B030D-6E8A-4147-A177-3AD203B41FA5}">
+                      <a16:colId xmlns:a16="http://schemas.microsoft.com/office/drawing/2014/main" val="3538106324"/>
+                    </a:ext>
+                  </a:extLst>
+                </a:gridCol>
+                <a:gridCol w="1860884">
+                  <a:extLst>
+                    <a:ext uri="{9D8B030D-6E8A-4147-A177-3AD203B41FA5}">
+                      <a16:colId xmlns:a16="http://schemas.microsoft.com/office/drawing/2014/main" val="1983043589"/>
+                    </a:ext>
+                  </a:extLst>
+                </a:gridCol>
+                <a:gridCol w="2529550">
+                  <a:extLst>
+                    <a:ext uri="{9D8B030D-6E8A-4147-A177-3AD203B41FA5}">
+                      <a16:colId xmlns:a16="http://schemas.microsoft.com/office/drawing/2014/main" val="257644162"/>
+                    </a:ext>
+                  </a:extLst>
+                </a:gridCol>
+                <a:gridCol w="3341861">
+                  <a:extLst>
+                    <a:ext uri="{9D8B030D-6E8A-4147-A177-3AD203B41FA5}">
+                      <a16:colId xmlns:a16="http://schemas.microsoft.com/office/drawing/2014/main" val="2808599621"/>
+                    </a:ext>
+                  </a:extLst>
+                </a:gridCol>
+              </a:tblGrid>
+              <a:tr h="370840">
+                <a:tc>
+                  <a:txBody>
+                    <a:bodyPr/>
+                    <a:lstStyle/>
+                    <a:p>
+                      <a:r>
+                        <a:rPr lang="es-ES" dirty="0"/>
+                        <a:t>Función</a:t>
+                      </a:r>
+                    </a:p>
+                  </a:txBody>
+                  <a:tcPr/>
+                </a:tc>
+                <a:tc>
+                  <a:txBody>
+                    <a:bodyPr/>
+                    <a:lstStyle/>
+                    <a:p>
+                      <a:r>
+                        <a:rPr lang="es-ES" dirty="0"/>
+                        <a:t>Valor devuelto</a:t>
+                      </a:r>
+                    </a:p>
+                  </a:txBody>
+                  <a:tcPr/>
+                </a:tc>
+                <a:tc>
+                  <a:txBody>
+                    <a:bodyPr/>
+                    <a:lstStyle/>
+                    <a:p>
+                      <a:r>
+                        <a:rPr lang="es-ES" sz="1400" dirty="0"/>
+                        <a:t>Descripción</a:t>
+                      </a:r>
+                    </a:p>
+                  </a:txBody>
+                  <a:tcPr/>
+                </a:tc>
+                <a:tc>
+                  <a:txBody>
+                    <a:bodyPr/>
+                    <a:lstStyle/>
+                    <a:p>
+                      <a:r>
+                        <a:rPr lang="es-ES" dirty="0"/>
+                        <a:t>Ejemplo</a:t>
+                      </a:r>
+                    </a:p>
+                  </a:txBody>
+                  <a:tcPr/>
+                </a:tc>
+                <a:extLst>
+                  <a:ext uri="{0D108BD9-81ED-4DB2-BD59-A6C34878D82A}">
+                    <a16:rowId xmlns:a16="http://schemas.microsoft.com/office/drawing/2014/main" val="2073292555"/>
+                  </a:ext>
+                </a:extLst>
+              </a:tr>
+              <a:tr h="370840">
+                <a:tc>
+                  <a:txBody>
+                    <a:bodyPr/>
+                    <a:lstStyle/>
+                    <a:p>
+                      <a:r>
+                        <a:rPr lang="es-ES"/>
+                        <a:t>id()</a:t>
+                      </a:r>
+                      <a:endParaRPr lang="es-ES" dirty="0"/>
+                    </a:p>
+                  </a:txBody>
+                  <a:tcPr/>
+                </a:tc>
+                <a:tc>
+                  <a:txBody>
+                    <a:bodyPr/>
+                    <a:lstStyle/>
+                    <a:p>
+                      <a:r>
+                        <a:rPr lang="es-ES" dirty="0"/>
+                        <a:t>Conjunto de nodos</a:t>
+                      </a:r>
+                    </a:p>
+                  </a:txBody>
+                  <a:tcPr/>
+                </a:tc>
+                <a:tc>
+                  <a:txBody>
+                    <a:bodyPr/>
+                    <a:lstStyle/>
+                    <a:p>
+                      <a:r>
+                        <a:rPr lang="es-ES" sz="1400" dirty="0"/>
+                        <a:t>Devuelve el nodo del elemento con ID especificado como parámetro</a:t>
+                      </a:r>
+                    </a:p>
+                  </a:txBody>
+                  <a:tcPr/>
+                </a:tc>
+                <a:tc>
+                  <a:txBody>
+                    <a:bodyPr/>
+                    <a:lstStyle/>
+                    <a:p>
+                      <a:r>
+                        <a:rPr lang="es-ES" dirty="0"/>
+                        <a:t>id(“G0097763”</a:t>
+                      </a:r>
+                    </a:p>
+                  </a:txBody>
+                  <a:tcPr/>
+                </a:tc>
+                <a:extLst>
+                  <a:ext uri="{0D108BD9-81ED-4DB2-BD59-A6C34878D82A}">
+                    <a16:rowId xmlns:a16="http://schemas.microsoft.com/office/drawing/2014/main" val="2885564956"/>
+                  </a:ext>
+                </a:extLst>
+              </a:tr>
+              <a:tr h="370840">
+                <a:tc>
+                  <a:txBody>
+                    <a:bodyPr/>
+                    <a:lstStyle/>
+                    <a:p>
+                      <a:r>
+                        <a:rPr lang="es-ES" dirty="0" err="1"/>
+                        <a:t>last</a:t>
+                      </a:r>
+                      <a:r>
+                        <a:rPr lang="es-ES" dirty="0"/>
+                        <a:t>()</a:t>
+                      </a:r>
+                    </a:p>
+                  </a:txBody>
+                  <a:tcPr/>
+                </a:tc>
+                <a:tc>
+                  <a:txBody>
+                    <a:bodyPr/>
+                    <a:lstStyle/>
+                    <a:p>
+                      <a:r>
+                        <a:rPr lang="es-ES" dirty="0"/>
+                        <a:t>Conjunto de nodos</a:t>
+                      </a:r>
+                    </a:p>
+                  </a:txBody>
+                  <a:tcPr/>
+                </a:tc>
+                <a:tc>
+                  <a:txBody>
+                    <a:bodyPr/>
+                    <a:lstStyle/>
+                    <a:p>
+                      <a:r>
+                        <a:rPr lang="es-ES" sz="1400" dirty="0"/>
+                        <a:t>Devuelve el número de nodos en el contexto actual. Se puede emplear para acceder al último nodo del contexto</a:t>
+                      </a:r>
+                    </a:p>
+                  </a:txBody>
+                  <a:tcPr/>
+                </a:tc>
+                <a:tc>
+                  <a:txBody>
+                    <a:bodyPr/>
+                    <a:lstStyle/>
+                    <a:p>
+                      <a:r>
+                        <a:rPr lang="es-ES" dirty="0"/>
+                        <a:t>//producto[</a:t>
+                      </a:r>
+                      <a:r>
+                        <a:rPr lang="es-ES" dirty="0" err="1"/>
+                        <a:t>last</a:t>
+                      </a:r>
+                      <a:r>
+                        <a:rPr lang="es-ES" dirty="0"/>
+                        <a:t>()]</a:t>
+                      </a:r>
+                    </a:p>
+                  </a:txBody>
+                  <a:tcPr/>
+                </a:tc>
+                <a:extLst>
+                  <a:ext uri="{0D108BD9-81ED-4DB2-BD59-A6C34878D82A}">
+                    <a16:rowId xmlns:a16="http://schemas.microsoft.com/office/drawing/2014/main" val="1612873062"/>
+                  </a:ext>
+                </a:extLst>
+              </a:tr>
+              <a:tr h="370840">
+                <a:tc>
+                  <a:txBody>
+                    <a:bodyPr/>
+                    <a:lstStyle/>
+                    <a:p>
+                      <a:r>
+                        <a:rPr lang="es-ES"/>
+                        <a:t>local-name</a:t>
+                      </a:r>
+                      <a:r>
+                        <a:rPr lang="es-ES" dirty="0"/>
+                        <a:t>()</a:t>
+                      </a:r>
+                    </a:p>
+                  </a:txBody>
+                  <a:tcPr/>
+                </a:tc>
+                <a:tc>
+                  <a:txBody>
+                    <a:bodyPr/>
+                    <a:lstStyle/>
+                    <a:p>
+                      <a:r>
+                        <a:rPr lang="es-ES" dirty="0"/>
+                        <a:t>Cadena de </a:t>
+                      </a:r>
+                      <a:r>
+                        <a:rPr lang="es-ES" dirty="0" err="1"/>
+                        <a:t>carácteres</a:t>
+                      </a:r>
+                      <a:endParaRPr lang="es-ES" dirty="0"/>
+                    </a:p>
+                  </a:txBody>
+                  <a:tcPr/>
+                </a:tc>
+                <a:tc>
+                  <a:txBody>
+                    <a:bodyPr/>
+                    <a:lstStyle/>
+                    <a:p>
+                      <a:r>
+                        <a:rPr lang="es-ES" sz="1400" dirty="0"/>
+                        <a:t>Devuelve el nombre local(no el nombre cualificado) del primer nodo en el conjunto de nodos que se les pasa como parámetro</a:t>
+                      </a:r>
+                    </a:p>
+                  </a:txBody>
+                  <a:tcPr/>
+                </a:tc>
+                <a:tc>
+                  <a:txBody>
+                    <a:bodyPr/>
+                    <a:lstStyle/>
+                    <a:p>
+                      <a:r>
+                        <a:rPr lang="es-ES" dirty="0"/>
+                        <a:t>local-</a:t>
+                      </a:r>
+                      <a:r>
+                        <a:rPr lang="es-ES" dirty="0" err="1"/>
+                        <a:t>name</a:t>
+                      </a:r>
+                      <a:r>
+                        <a:rPr lang="es-ES" dirty="0"/>
+                        <a:t>(//nombre)</a:t>
+                      </a:r>
+                    </a:p>
+                  </a:txBody>
+                  <a:tcPr/>
+                </a:tc>
+                <a:extLst>
+                  <a:ext uri="{0D108BD9-81ED-4DB2-BD59-A6C34878D82A}">
+                    <a16:rowId xmlns:a16="http://schemas.microsoft.com/office/drawing/2014/main" val="1014566830"/>
+                  </a:ext>
+                </a:extLst>
+              </a:tr>
+              <a:tr h="370840">
+                <a:tc>
+                  <a:txBody>
+                    <a:bodyPr/>
+                    <a:lstStyle/>
+                    <a:p>
+                      <a:r>
+                        <a:rPr lang="es-ES"/>
+                        <a:t>name()</a:t>
+                      </a:r>
+                      <a:endParaRPr lang="es-ES" dirty="0"/>
+                    </a:p>
+                  </a:txBody>
+                  <a:tcPr/>
+                </a:tc>
+                <a:tc>
+                  <a:txBody>
+                    <a:bodyPr/>
+                    <a:lstStyle/>
+                    <a:p>
+                      <a:r>
+                        <a:rPr lang="es-ES" dirty="0"/>
+                        <a:t>Cadena de </a:t>
+                      </a:r>
+                      <a:r>
+                        <a:rPr lang="es-ES" dirty="0" err="1"/>
+                        <a:t>carácteres</a:t>
+                      </a:r>
+                      <a:endParaRPr lang="es-ES" dirty="0"/>
+                    </a:p>
+                  </a:txBody>
+                  <a:tcPr/>
+                </a:tc>
+                <a:tc>
+                  <a:txBody>
+                    <a:bodyPr/>
+                    <a:lstStyle/>
+                    <a:p>
+                      <a:r>
+                        <a:rPr lang="es-ES" sz="1400" dirty="0"/>
+                        <a:t>Devuelve el nombre cualificado del primer nodo del conjunto de nodos del parámetro</a:t>
+                      </a:r>
+                    </a:p>
+                  </a:txBody>
+                  <a:tcPr/>
+                </a:tc>
+                <a:tc>
+                  <a:txBody>
+                    <a:bodyPr/>
+                    <a:lstStyle/>
+                    <a:p>
+                      <a:r>
+                        <a:rPr lang="es-ES" dirty="0" err="1"/>
+                        <a:t>name</a:t>
+                      </a:r>
+                      <a:r>
+                        <a:rPr lang="es-ES" dirty="0"/>
+                        <a:t>(//nombre)</a:t>
+                      </a:r>
+                    </a:p>
+                  </a:txBody>
+                  <a:tcPr/>
+                </a:tc>
+                <a:extLst>
+                  <a:ext uri="{0D108BD9-81ED-4DB2-BD59-A6C34878D82A}">
+                    <a16:rowId xmlns:a16="http://schemas.microsoft.com/office/drawing/2014/main" val="1693023292"/>
+                  </a:ext>
+                </a:extLst>
+              </a:tr>
+            </a:tbl>
+          </a:graphicData>
+        </a:graphic>
+      </p:graphicFrame>
+    </p:spTree>
+    <p:extLst>
+      <p:ext uri="{BB962C8B-B14F-4D97-AF65-F5344CB8AC3E}">
+        <p14:creationId xmlns:p14="http://schemas.microsoft.com/office/powerpoint/2010/main" val="1846677389"/>
+      </p:ext>
+    </p:extLst>
+  </p:cSld>
+  <p:clrMapOvr>
+    <a:masterClrMapping/>
+  </p:clrMapOvr>
+</p:sld>
+</file>
+
+<file path=ppt/slides/slide36.xml><?xml version="1.0" encoding="utf-8"?>
+<p:sld xmlns:a="http://schemas.openxmlformats.org/drawingml/2006/main" xmlns:r="http://schemas.openxmlformats.org/officeDocument/2006/relationships" xmlns:p="http://schemas.openxmlformats.org/presentationml/2006/main">
+  <p:cSld>
+    <p:spTree>
+      <p:nvGrpSpPr>
+        <p:cNvPr id="1" name=""/>
+        <p:cNvGrpSpPr/>
+        <p:nvPr/>
+      </p:nvGrpSpPr>
+      <p:grpSpPr>
+        <a:xfrm>
+          <a:off x="0" y="0"/>
+          <a:ext cx="0" cy="0"/>
+          <a:chOff x="0" y="0"/>
+          <a:chExt cx="0" cy="0"/>
+        </a:xfrm>
+      </p:grpSpPr>
+      <p:sp>
+        <p:nvSpPr>
+          <p:cNvPr id="2" name="Título 1">
+            <a:extLst>
+              <a:ext uri="{FF2B5EF4-FFF2-40B4-BE49-F238E27FC236}">
+                <a16:creationId xmlns:a16="http://schemas.microsoft.com/office/drawing/2014/main" id="{91B37394-1F8B-42E0-BEA6-750C7CD26E28}"/>
+              </a:ext>
+            </a:extLst>
+          </p:cNvPr>
+          <p:cNvSpPr>
+            <a:spLocks noGrp="1"/>
+          </p:cNvSpPr>
+          <p:nvPr>
+            <p:ph type="title"/>
+          </p:nvPr>
+        </p:nvSpPr>
+        <p:spPr/>
+        <p:txBody>
+          <a:bodyPr/>
+          <a:lstStyle/>
+          <a:p>
+            <a:r>
+              <a:rPr lang="es-ES" dirty="0" err="1"/>
+              <a:t>XPath</a:t>
+            </a:r>
+            <a:r>
+              <a:rPr lang="es-ES" dirty="0"/>
+              <a:t/>
+            </a:r>
+            <a:br>
+              <a:rPr lang="es-ES" dirty="0"/>
+            </a:br>
+            <a:r>
+              <a:rPr lang="es-ES" dirty="0"/>
+              <a:t>Funciones</a:t>
+            </a:r>
+          </a:p>
+        </p:txBody>
+      </p:sp>
+      <p:graphicFrame>
+        <p:nvGraphicFramePr>
+          <p:cNvPr id="4" name="Tabla 4">
+            <a:extLst>
+              <a:ext uri="{FF2B5EF4-FFF2-40B4-BE49-F238E27FC236}">
+                <a16:creationId xmlns:a16="http://schemas.microsoft.com/office/drawing/2014/main" id="{35CC5E2B-D6C6-4BA4-B355-7A88245312D4}"/>
+              </a:ext>
+            </a:extLst>
+          </p:cNvPr>
+          <p:cNvGraphicFramePr>
+            <a:graphicFrameLocks noGrp="1"/>
+          </p:cNvGraphicFramePr>
+          <p:nvPr>
+            <p:extLst>
+              <p:ext uri="{D42A27DB-BD31-4B8C-83A1-F6EECF244321}">
+                <p14:modId xmlns:p14="http://schemas.microsoft.com/office/powerpoint/2010/main" val="3692267131"/>
+              </p:ext>
+            </p:extLst>
+          </p:nvPr>
+        </p:nvGraphicFramePr>
+        <p:xfrm>
+          <a:off x="1234554" y="1903602"/>
+          <a:ext cx="10027004" cy="2260600"/>
+        </p:xfrm>
+        <a:graphic>
+          <a:graphicData uri="http://schemas.openxmlformats.org/drawingml/2006/table">
+            <a:tbl>
+              <a:tblPr firstRow="1" bandRow="1">
+                <a:tableStyleId>{5C22544A-7EE6-4342-B048-85BDC9FD1C3A}</a:tableStyleId>
+              </a:tblPr>
+              <a:tblGrid>
+                <a:gridCol w="2294709">
+                  <a:extLst>
+                    <a:ext uri="{9D8B030D-6E8A-4147-A177-3AD203B41FA5}">
+                      <a16:colId xmlns:a16="http://schemas.microsoft.com/office/drawing/2014/main" val="3538106324"/>
+                    </a:ext>
+                  </a:extLst>
+                </a:gridCol>
+                <a:gridCol w="1860884">
+                  <a:extLst>
+                    <a:ext uri="{9D8B030D-6E8A-4147-A177-3AD203B41FA5}">
+                      <a16:colId xmlns:a16="http://schemas.microsoft.com/office/drawing/2014/main" val="1983043589"/>
+                    </a:ext>
+                  </a:extLst>
+                </a:gridCol>
+                <a:gridCol w="2529550">
+                  <a:extLst>
+                    <a:ext uri="{9D8B030D-6E8A-4147-A177-3AD203B41FA5}">
+                      <a16:colId xmlns:a16="http://schemas.microsoft.com/office/drawing/2014/main" val="257644162"/>
+                    </a:ext>
+                  </a:extLst>
+                </a:gridCol>
+                <a:gridCol w="3341861">
+                  <a:extLst>
+                    <a:ext uri="{9D8B030D-6E8A-4147-A177-3AD203B41FA5}">
+                      <a16:colId xmlns:a16="http://schemas.microsoft.com/office/drawing/2014/main" val="2808599621"/>
+                    </a:ext>
+                  </a:extLst>
+                </a:gridCol>
+              </a:tblGrid>
+              <a:tr h="370840">
+                <a:tc>
+                  <a:txBody>
+                    <a:bodyPr/>
+                    <a:lstStyle/>
+                    <a:p>
+                      <a:r>
+                        <a:rPr lang="es-ES" dirty="0"/>
+                        <a:t>Función</a:t>
+                      </a:r>
+                    </a:p>
+                  </a:txBody>
+                  <a:tcPr/>
+                </a:tc>
+                <a:tc>
+                  <a:txBody>
+                    <a:bodyPr/>
+                    <a:lstStyle/>
+                    <a:p>
+                      <a:r>
+                        <a:rPr lang="es-ES" dirty="0"/>
+                        <a:t>Valor devuelto</a:t>
+                      </a:r>
+                    </a:p>
+                  </a:txBody>
+                  <a:tcPr/>
+                </a:tc>
+                <a:tc>
+                  <a:txBody>
+                    <a:bodyPr/>
+                    <a:lstStyle/>
+                    <a:p>
+                      <a:r>
+                        <a:rPr lang="es-ES" sz="1400" dirty="0"/>
+                        <a:t>Descripción</a:t>
+                      </a:r>
+                    </a:p>
+                  </a:txBody>
+                  <a:tcPr/>
+                </a:tc>
+                <a:tc>
+                  <a:txBody>
+                    <a:bodyPr/>
+                    <a:lstStyle/>
+                    <a:p>
+                      <a:r>
+                        <a:rPr lang="es-ES" dirty="0"/>
+                        <a:t>Ejemplo</a:t>
+                      </a:r>
+                    </a:p>
+                  </a:txBody>
+                  <a:tcPr/>
+                </a:tc>
+                <a:extLst>
+                  <a:ext uri="{0D108BD9-81ED-4DB2-BD59-A6C34878D82A}">
+                    <a16:rowId xmlns:a16="http://schemas.microsoft.com/office/drawing/2014/main" val="2073292555"/>
+                  </a:ext>
+                </a:extLst>
+              </a:tr>
+              <a:tr h="370840">
+                <a:tc>
+                  <a:txBody>
+                    <a:bodyPr/>
+                    <a:lstStyle/>
+                    <a:p>
+                      <a:r>
+                        <a:rPr lang="es-ES" dirty="0" err="1"/>
+                        <a:t>namespace-uri</a:t>
+                      </a:r>
+                      <a:r>
+                        <a:rPr lang="es-ES" dirty="0"/>
+                        <a:t>()</a:t>
+                      </a:r>
+                    </a:p>
+                  </a:txBody>
+                  <a:tcPr/>
+                </a:tc>
+                <a:tc>
+                  <a:txBody>
+                    <a:bodyPr/>
+                    <a:lstStyle/>
+                    <a:p>
+                      <a:r>
+                        <a:rPr lang="es-ES" dirty="0"/>
+                        <a:t>Cadena de </a:t>
+                      </a:r>
+                      <a:r>
+                        <a:rPr lang="es-ES" dirty="0" err="1"/>
+                        <a:t>carácteres</a:t>
+                      </a:r>
+                      <a:endParaRPr lang="es-ES" dirty="0"/>
+                    </a:p>
+                  </a:txBody>
+                  <a:tcPr/>
+                </a:tc>
+                <a:tc>
+                  <a:txBody>
+                    <a:bodyPr/>
+                    <a:lstStyle/>
+                    <a:p>
+                      <a:r>
+                        <a:rPr lang="es-ES" sz="1400" dirty="0"/>
+                        <a:t>Devuelve el URI del espacio de nombres del primer nodo del conjunto</a:t>
+                      </a:r>
+                    </a:p>
+                  </a:txBody>
+                  <a:tcPr/>
+                </a:tc>
+                <a:tc>
+                  <a:txBody>
+                    <a:bodyPr/>
+                    <a:lstStyle/>
+                    <a:p>
+                      <a:r>
+                        <a:rPr lang="es-ES" dirty="0" err="1"/>
+                        <a:t>namespace-uri</a:t>
+                      </a:r>
+                      <a:r>
+                        <a:rPr lang="es-ES" dirty="0"/>
+                        <a:t>(//producto)</a:t>
+                      </a:r>
+                    </a:p>
+                  </a:txBody>
+                  <a:tcPr/>
+                </a:tc>
+                <a:extLst>
+                  <a:ext uri="{0D108BD9-81ED-4DB2-BD59-A6C34878D82A}">
+                    <a16:rowId xmlns:a16="http://schemas.microsoft.com/office/drawing/2014/main" val="2885564956"/>
+                  </a:ext>
+                </a:extLst>
+              </a:tr>
+              <a:tr h="370840">
+                <a:tc>
+                  <a:txBody>
+                    <a:bodyPr/>
+                    <a:lstStyle/>
+                    <a:p>
+                      <a:r>
+                        <a:rPr lang="es-ES"/>
+                        <a:t>position()</a:t>
+                      </a:r>
+                      <a:endParaRPr lang="es-ES" dirty="0"/>
+                    </a:p>
+                  </a:txBody>
+                  <a:tcPr/>
+                </a:tc>
+                <a:tc>
+                  <a:txBody>
+                    <a:bodyPr/>
+                    <a:lstStyle/>
+                    <a:p>
+                      <a:r>
+                        <a:rPr lang="es-ES" dirty="0"/>
+                        <a:t>Numérico</a:t>
+                      </a:r>
+                    </a:p>
+                  </a:txBody>
+                  <a:tcPr/>
+                </a:tc>
+                <a:tc>
+                  <a:txBody>
+                    <a:bodyPr/>
+                    <a:lstStyle/>
+                    <a:p>
+                      <a:r>
+                        <a:rPr lang="es-ES" sz="1400" dirty="0"/>
+                        <a:t>Devuelve la posición (comenzando con 1) del nodo contexto en el conjunto de nodos del contexto actual</a:t>
+                      </a:r>
+                    </a:p>
+                  </a:txBody>
+                  <a:tcPr/>
+                </a:tc>
+                <a:tc>
+                  <a:txBody>
+                    <a:bodyPr/>
+                    <a:lstStyle/>
+                    <a:p>
+                      <a:r>
+                        <a:rPr lang="es-ES" dirty="0"/>
+                        <a:t>//producto[position()=2]</a:t>
+                      </a:r>
+                    </a:p>
+                  </a:txBody>
+                  <a:tcPr/>
+                </a:tc>
+                <a:extLst>
+                  <a:ext uri="{0D108BD9-81ED-4DB2-BD59-A6C34878D82A}">
+                    <a16:rowId xmlns:a16="http://schemas.microsoft.com/office/drawing/2014/main" val="1612873062"/>
+                  </a:ext>
+                </a:extLst>
+              </a:tr>
+            </a:tbl>
+          </a:graphicData>
+        </a:graphic>
+      </p:graphicFrame>
+    </p:spTree>
+    <p:extLst>
+      <p:ext uri="{BB962C8B-B14F-4D97-AF65-F5344CB8AC3E}">
+        <p14:creationId xmlns:p14="http://schemas.microsoft.com/office/powerpoint/2010/main" val="3893980012"/>
+      </p:ext>
+    </p:extLst>
+  </p:cSld>
+  <p:clrMapOvr>
+    <a:masterClrMapping/>
+  </p:clrMapOvr>
+</p:sld>
+</file>
+
+<file path=ppt/slides/slide37.xml><?xml version="1.0" encoding="utf-8"?>
+<p:sld xmlns:a="http://schemas.openxmlformats.org/drawingml/2006/main" xmlns:r="http://schemas.openxmlformats.org/officeDocument/2006/relationships" xmlns:p="http://schemas.openxmlformats.org/presentationml/2006/main">
+  <p:cSld>
+    <p:spTree>
+      <p:nvGrpSpPr>
+        <p:cNvPr id="1" name=""/>
+        <p:cNvGrpSpPr/>
+        <p:nvPr/>
+      </p:nvGrpSpPr>
+      <p:grpSpPr>
+        <a:xfrm>
+          <a:off x="0" y="0"/>
+          <a:ext cx="0" cy="0"/>
+          <a:chOff x="0" y="0"/>
+          <a:chExt cx="0" cy="0"/>
+        </a:xfrm>
+      </p:grpSpPr>
+      <p:sp>
+        <p:nvSpPr>
+          <p:cNvPr id="2" name="Título 1"/>
+          <p:cNvSpPr>
+            <a:spLocks noGrp="1"/>
+          </p:cNvSpPr>
+          <p:nvPr>
+            <p:ph type="title"/>
+          </p:nvPr>
+        </p:nvSpPr>
+        <p:spPr/>
+        <p:txBody>
+          <a:bodyPr/>
+          <a:lstStyle/>
+          <a:p>
+            <a:r>
+              <a:rPr lang="es-ES" dirty="0" err="1"/>
+              <a:t>XPath</a:t>
+            </a:r>
+            <a:r>
+              <a:rPr lang="es-ES" dirty="0"/>
+              <a:t/>
+            </a:r>
+            <a:br>
+              <a:rPr lang="es-ES" dirty="0"/>
+            </a:br>
+            <a:r>
+              <a:rPr lang="es-ES" dirty="0"/>
+              <a:t>Funciones</a:t>
+            </a:r>
+          </a:p>
+        </p:txBody>
+      </p:sp>
+      <p:sp>
+        <p:nvSpPr>
+          <p:cNvPr id="3" name="Marcador de contenido 2"/>
+          <p:cNvSpPr>
+            <a:spLocks noGrp="1"/>
+          </p:cNvSpPr>
+          <p:nvPr>
+            <p:ph idx="1"/>
+          </p:nvPr>
+        </p:nvSpPr>
+        <p:spPr/>
+        <p:txBody>
+          <a:bodyPr/>
+          <a:lstStyle/>
+          <a:p>
+            <a:r>
+              <a:rPr lang="es-ES" dirty="0" smtClean="0"/>
+              <a:t>La función position() se emplea habitualmente en el predicado para seleccionar un nodo con su posición</a:t>
+            </a:r>
+          </a:p>
+          <a:p>
+            <a:r>
+              <a:rPr lang="es-ES" dirty="0" smtClean="0"/>
+              <a:t>Se puede hacer de manera abreviada:</a:t>
+            </a:r>
+          </a:p>
+          <a:p>
+            <a:pPr lvl="1"/>
+            <a:r>
+              <a:rPr lang="es-ES" dirty="0" smtClean="0">
+                <a:latin typeface="Consolas" panose="020B0609020204030204" pitchFamily="49" charset="0"/>
+              </a:rPr>
+              <a:t>//producto[position()=2]</a:t>
+            </a:r>
+          </a:p>
+          <a:p>
+            <a:pPr lvl="1"/>
+            <a:r>
+              <a:rPr lang="es-ES" dirty="0" smtClean="0">
+                <a:latin typeface="Consolas" panose="020B0609020204030204" pitchFamily="49" charset="0"/>
+              </a:rPr>
+              <a:t>//producto[2]</a:t>
+            </a:r>
+            <a:endParaRPr lang="es-ES" dirty="0">
+              <a:latin typeface="Consolas" panose="020B0609020204030204" pitchFamily="49" charset="0"/>
+            </a:endParaRPr>
+          </a:p>
+        </p:txBody>
+      </p:sp>
+    </p:spTree>
+    <p:extLst>
+      <p:ext uri="{BB962C8B-B14F-4D97-AF65-F5344CB8AC3E}">
+        <p14:creationId xmlns:p14="http://schemas.microsoft.com/office/powerpoint/2010/main" val="542096568"/>
+      </p:ext>
+    </p:extLst>
+  </p:cSld>
+  <p:clrMapOvr>
+    <a:masterClrMapping/>
+  </p:clrMapOvr>
+</p:sld>
+</file>
+
+<file path=ppt/slides/slide38.xml><?xml version="1.0" encoding="utf-8"?>
+<p:sld xmlns:a="http://schemas.openxmlformats.org/drawingml/2006/main" xmlns:r="http://schemas.openxmlformats.org/officeDocument/2006/relationships" xmlns:p="http://schemas.openxmlformats.org/presentationml/2006/main">
+  <p:cSld>
+    <p:spTree>
+      <p:nvGrpSpPr>
+        <p:cNvPr id="1" name=""/>
+        <p:cNvGrpSpPr/>
+        <p:nvPr/>
+      </p:nvGrpSpPr>
+      <p:grpSpPr>
+        <a:xfrm>
+          <a:off x="0" y="0"/>
+          <a:ext cx="0" cy="0"/>
+          <a:chOff x="0" y="0"/>
+          <a:chExt cx="0" cy="0"/>
+        </a:xfrm>
+      </p:grpSpPr>
+      <p:sp>
+        <p:nvSpPr>
+          <p:cNvPr id="2" name="Título 1"/>
+          <p:cNvSpPr>
+            <a:spLocks noGrp="1"/>
+          </p:cNvSpPr>
+          <p:nvPr>
+            <p:ph type="title"/>
+          </p:nvPr>
+        </p:nvSpPr>
+        <p:spPr/>
+        <p:txBody>
+          <a:bodyPr/>
+          <a:lstStyle/>
+          <a:p>
+            <a:r>
+              <a:rPr lang="es-ES" dirty="0" err="1"/>
+              <a:t>XPath</a:t>
+            </a:r>
+            <a:r>
+              <a:rPr lang="es-ES" dirty="0"/>
+              <a:t/>
+            </a:r>
+            <a:br>
+              <a:rPr lang="es-ES" dirty="0"/>
+            </a:br>
+            <a:r>
+              <a:rPr lang="es-ES" dirty="0"/>
+              <a:t>Otras expresiones</a:t>
+            </a:r>
+          </a:p>
+        </p:txBody>
+      </p:sp>
+      <p:sp>
+        <p:nvSpPr>
+          <p:cNvPr id="4" name="Rectángulo 3">
+            <a:extLst>
+              <a:ext uri="{FF2B5EF4-FFF2-40B4-BE49-F238E27FC236}">
+                <a16:creationId xmlns:a16="http://schemas.microsoft.com/office/drawing/2014/main" id="{A764F62B-E74E-4AA2-9992-B0A2FD6E9C45}"/>
+              </a:ext>
+            </a:extLst>
+          </p:cNvPr>
+          <p:cNvSpPr/>
+          <p:nvPr/>
+        </p:nvSpPr>
+        <p:spPr>
+          <a:xfrm>
+            <a:off x="1613330" y="2002559"/>
+            <a:ext cx="8965339" cy="3600986"/>
+          </a:xfrm>
+          <a:prstGeom prst="rect">
+            <a:avLst/>
+          </a:prstGeom>
+          <a:ln>
+            <a:solidFill>
+              <a:srgbClr val="00B050"/>
+            </a:solidFill>
+          </a:ln>
+        </p:spPr>
+        <p:txBody>
+          <a:bodyPr wrap="square">
+            <a:spAutoFit/>
+          </a:bodyPr>
+          <a:lstStyle/>
+          <a:p>
+            <a:r>
+              <a:rPr lang="es-ES" sz="1200" dirty="0">
+                <a:solidFill>
+                  <a:srgbClr val="00B050"/>
+                </a:solidFill>
+                <a:latin typeface="Consolas" panose="020B0609020204030204" pitchFamily="49" charset="0"/>
+              </a:rPr>
+              <a:t>&lt;?</a:t>
+            </a:r>
+            <a:r>
+              <a:rPr lang="es-ES" sz="1200" dirty="0" err="1">
+                <a:solidFill>
+                  <a:srgbClr val="00B050"/>
+                </a:solidFill>
+                <a:latin typeface="Consolas" panose="020B0609020204030204" pitchFamily="49" charset="0"/>
+              </a:rPr>
+              <a:t>xml</a:t>
+            </a:r>
+            <a:r>
+              <a:rPr lang="es-ES" sz="1200" dirty="0">
+                <a:solidFill>
+                  <a:srgbClr val="00B050"/>
+                </a:solidFill>
+                <a:latin typeface="Consolas" panose="020B0609020204030204" pitchFamily="49" charset="0"/>
+              </a:rPr>
+              <a:t> </a:t>
+            </a:r>
+            <a:r>
+              <a:rPr lang="es-ES" sz="1200" dirty="0" err="1">
+                <a:solidFill>
+                  <a:srgbClr val="00B050"/>
+                </a:solidFill>
+                <a:latin typeface="Consolas" panose="020B0609020204030204" pitchFamily="49" charset="0"/>
+              </a:rPr>
+              <a:t>version</a:t>
+            </a:r>
+            <a:r>
+              <a:rPr lang="es-ES" sz="1200" dirty="0">
+                <a:solidFill>
+                  <a:srgbClr val="00B050"/>
+                </a:solidFill>
+                <a:latin typeface="Consolas" panose="020B0609020204030204" pitchFamily="49" charset="0"/>
+              </a:rPr>
+              <a:t>="1.0" </a:t>
+            </a:r>
+            <a:r>
+              <a:rPr lang="es-ES" sz="1200" dirty="0" err="1">
+                <a:solidFill>
+                  <a:srgbClr val="00B050"/>
+                </a:solidFill>
+                <a:latin typeface="Consolas" panose="020B0609020204030204" pitchFamily="49" charset="0"/>
+              </a:rPr>
+              <a:t>encoding</a:t>
+            </a:r>
+            <a:r>
+              <a:rPr lang="es-ES" sz="1200" dirty="0">
+                <a:solidFill>
+                  <a:srgbClr val="00B050"/>
+                </a:solidFill>
+                <a:latin typeface="Consolas" panose="020B0609020204030204" pitchFamily="49" charset="0"/>
+              </a:rPr>
+              <a:t>="utf-8"?&gt; </a:t>
+            </a:r>
+          </a:p>
+          <a:p>
+            <a:r>
+              <a:rPr lang="es-ES" sz="1200" dirty="0">
+                <a:solidFill>
+                  <a:srgbClr val="00B050"/>
+                </a:solidFill>
+                <a:latin typeface="Consolas" panose="020B0609020204030204" pitchFamily="49" charset="0"/>
+              </a:rPr>
+              <a:t>&lt;venta&gt; </a:t>
+            </a:r>
+          </a:p>
+          <a:p>
+            <a:r>
+              <a:rPr lang="es-ES" sz="1200" dirty="0">
+                <a:solidFill>
+                  <a:srgbClr val="00B050"/>
+                </a:solidFill>
+                <a:latin typeface="Consolas" panose="020B0609020204030204" pitchFamily="49" charset="0"/>
+              </a:rPr>
+              <a:t>  &lt;cliente </a:t>
+            </a:r>
+            <a:r>
+              <a:rPr lang="es-ES" sz="1200" dirty="0" err="1">
+                <a:solidFill>
+                  <a:srgbClr val="00B050"/>
+                </a:solidFill>
+                <a:latin typeface="Consolas" panose="020B0609020204030204" pitchFamily="49" charset="0"/>
+              </a:rPr>
+              <a:t>cod</a:t>
+            </a:r>
+            <a:r>
+              <a:rPr lang="es-ES" sz="1200" dirty="0">
+                <a:solidFill>
+                  <a:srgbClr val="00B050"/>
+                </a:solidFill>
+                <a:latin typeface="Consolas" panose="020B0609020204030204" pitchFamily="49" charset="0"/>
+              </a:rPr>
+              <a:t>=“CL09384”&gt; </a:t>
+            </a:r>
+          </a:p>
+          <a:p>
+            <a:r>
+              <a:rPr lang="es-ES" sz="1200" dirty="0">
+                <a:solidFill>
+                  <a:srgbClr val="00B050"/>
+                </a:solidFill>
+                <a:latin typeface="Consolas" panose="020B0609020204030204" pitchFamily="49" charset="0"/>
+              </a:rPr>
+              <a:t>    &lt;nombre&gt;Jack Sparrow&lt;/nombre&gt; </a:t>
+            </a:r>
+          </a:p>
+          <a:p>
+            <a:r>
+              <a:rPr lang="es-ES" sz="1200" dirty="0">
+                <a:solidFill>
+                  <a:srgbClr val="00B050"/>
+                </a:solidFill>
+                <a:latin typeface="Consolas" panose="020B0609020204030204" pitchFamily="49" charset="0"/>
+              </a:rPr>
+              <a:t>    &lt;dirección&gt;La Perla Negra&lt;/dirección&gt; </a:t>
+            </a:r>
+          </a:p>
+          <a:p>
+            <a:r>
+              <a:rPr lang="es-ES" sz="1200" dirty="0">
+                <a:solidFill>
+                  <a:srgbClr val="00B050"/>
+                </a:solidFill>
+                <a:latin typeface="Consolas" panose="020B0609020204030204" pitchFamily="49" charset="0"/>
+              </a:rPr>
+              <a:t>    &lt;teléfono&gt;555098433&lt;/teléfono&gt; </a:t>
+            </a:r>
+          </a:p>
+          <a:p>
+            <a:r>
+              <a:rPr lang="es-ES" sz="1200" dirty="0">
+                <a:solidFill>
+                  <a:srgbClr val="00B050"/>
+                </a:solidFill>
+                <a:latin typeface="Consolas" panose="020B0609020204030204" pitchFamily="49" charset="0"/>
+              </a:rPr>
+              <a:t>  &lt;/cliente&gt; </a:t>
+            </a:r>
+          </a:p>
+          <a:p>
+            <a:r>
+              <a:rPr lang="es-ES" sz="1200" dirty="0">
+                <a:solidFill>
+                  <a:srgbClr val="00B050"/>
+                </a:solidFill>
+                <a:latin typeface="Consolas" panose="020B0609020204030204" pitchFamily="49" charset="0"/>
+              </a:rPr>
+              <a:t>  &lt;productos&gt; </a:t>
+            </a:r>
+          </a:p>
+          <a:p>
+            <a:r>
+              <a:rPr lang="es-ES" sz="1200" dirty="0">
+                <a:solidFill>
+                  <a:srgbClr val="00B050"/>
+                </a:solidFill>
+                <a:latin typeface="Consolas" panose="020B0609020204030204" pitchFamily="49" charset="0"/>
+              </a:rPr>
+              <a:t>    &lt;producto </a:t>
+            </a:r>
+            <a:r>
+              <a:rPr lang="es-ES" sz="1200" dirty="0" err="1">
+                <a:solidFill>
+                  <a:srgbClr val="00B050"/>
+                </a:solidFill>
+                <a:latin typeface="Consolas" panose="020B0609020204030204" pitchFamily="49" charset="0"/>
+              </a:rPr>
+              <a:t>cod</a:t>
+            </a:r>
+            <a:r>
+              <a:rPr lang="es-ES" sz="1200" dirty="0" smtClean="0">
+                <a:solidFill>
+                  <a:srgbClr val="00B050"/>
+                </a:solidFill>
+                <a:latin typeface="Consolas" panose="020B0609020204030204" pitchFamily="49" charset="0"/>
+              </a:rPr>
+              <a:t>=“</a:t>
+            </a:r>
+            <a:r>
+              <a:rPr lang="es-ES" sz="1200" dirty="0">
+                <a:solidFill>
+                  <a:srgbClr val="00B050"/>
+                </a:solidFill>
+                <a:latin typeface="Consolas" panose="020B0609020204030204" pitchFamily="49" charset="0"/>
+              </a:rPr>
+              <a:t>LACT02330993</a:t>
+            </a:r>
+            <a:r>
+              <a:rPr lang="es-ES" sz="1200" dirty="0" smtClean="0">
+                <a:solidFill>
+                  <a:srgbClr val="00B050"/>
+                </a:solidFill>
+                <a:latin typeface="Consolas" panose="020B0609020204030204" pitchFamily="49" charset="0"/>
+              </a:rPr>
+              <a:t>”&gt;</a:t>
+            </a:r>
+          </a:p>
+          <a:p>
+            <a:r>
+              <a:rPr lang="es-ES" sz="1200" dirty="0" smtClean="0">
+                <a:solidFill>
+                  <a:srgbClr val="00B050"/>
+                </a:solidFill>
+                <a:latin typeface="Consolas" panose="020B0609020204030204" pitchFamily="49" charset="0"/>
+              </a:rPr>
+              <a:t>      &lt;</a:t>
+            </a:r>
+            <a:r>
+              <a:rPr lang="es-ES" sz="1200" dirty="0">
+                <a:solidFill>
+                  <a:srgbClr val="00B050"/>
+                </a:solidFill>
+                <a:latin typeface="Consolas" panose="020B0609020204030204" pitchFamily="49" charset="0"/>
+              </a:rPr>
+              <a:t>descripción&gt;Leche entera envase 1L&lt;/descripción&gt; </a:t>
+            </a:r>
+          </a:p>
+          <a:p>
+            <a:r>
+              <a:rPr lang="es-ES" sz="1200" dirty="0">
+                <a:solidFill>
+                  <a:srgbClr val="00B050"/>
+                </a:solidFill>
+                <a:latin typeface="Consolas" panose="020B0609020204030204" pitchFamily="49" charset="0"/>
+              </a:rPr>
+              <a:t>    &lt;/producto&gt; </a:t>
+            </a:r>
+          </a:p>
+          <a:p>
+            <a:r>
+              <a:rPr lang="es-ES" sz="1200" dirty="0">
+                <a:solidFill>
+                  <a:srgbClr val="00B050"/>
+                </a:solidFill>
+                <a:latin typeface="Consolas" panose="020B0609020204030204" pitchFamily="49" charset="0"/>
+              </a:rPr>
+              <a:t>    &lt;producto </a:t>
+            </a:r>
+            <a:r>
+              <a:rPr lang="es-ES" sz="1200" dirty="0" err="1" smtClean="0">
+                <a:solidFill>
+                  <a:srgbClr val="00B050"/>
+                </a:solidFill>
+                <a:latin typeface="Consolas" panose="020B0609020204030204" pitchFamily="49" charset="0"/>
+              </a:rPr>
+              <a:t>cod</a:t>
+            </a:r>
+            <a:r>
+              <a:rPr lang="es-ES" sz="1200" dirty="0" smtClean="0">
+                <a:solidFill>
+                  <a:srgbClr val="00B050"/>
+                </a:solidFill>
+                <a:latin typeface="Consolas" panose="020B0609020204030204" pitchFamily="49" charset="0"/>
+              </a:rPr>
+              <a:t>=“</a:t>
+            </a:r>
+            <a:r>
+              <a:rPr lang="es-ES" sz="1200" dirty="0">
+                <a:solidFill>
+                  <a:srgbClr val="00B050"/>
+                </a:solidFill>
+                <a:latin typeface="Consolas" panose="020B0609020204030204" pitchFamily="49" charset="0"/>
+              </a:rPr>
+              <a:t>LACT00493112</a:t>
+            </a:r>
+            <a:r>
+              <a:rPr lang="es-ES" sz="1200" dirty="0" smtClean="0">
+                <a:solidFill>
+                  <a:srgbClr val="00B050"/>
+                </a:solidFill>
+                <a:latin typeface="Consolas" panose="020B0609020204030204" pitchFamily="49" charset="0"/>
+              </a:rPr>
+              <a:t>”&gt; </a:t>
+            </a:r>
+            <a:endParaRPr lang="es-ES" sz="1200" dirty="0">
+              <a:solidFill>
+                <a:srgbClr val="00B050"/>
+              </a:solidFill>
+              <a:latin typeface="Consolas" panose="020B0609020204030204" pitchFamily="49" charset="0"/>
+            </a:endParaRPr>
+          </a:p>
+          <a:p>
+            <a:r>
+              <a:rPr lang="es-ES" sz="1200" dirty="0">
+                <a:solidFill>
+                  <a:srgbClr val="00B050"/>
+                </a:solidFill>
+                <a:latin typeface="Consolas" panose="020B0609020204030204" pitchFamily="49" charset="0"/>
+              </a:rPr>
+              <a:t>  </a:t>
+            </a:r>
+            <a:r>
+              <a:rPr lang="es-ES" sz="1200" dirty="0" smtClean="0">
+                <a:solidFill>
+                  <a:srgbClr val="00B050"/>
+                </a:solidFill>
+                <a:latin typeface="Consolas" panose="020B0609020204030204" pitchFamily="49" charset="0"/>
+              </a:rPr>
+              <a:t>    </a:t>
+            </a:r>
+            <a:r>
+              <a:rPr lang="es-ES" sz="1200" dirty="0">
+                <a:solidFill>
+                  <a:srgbClr val="00B050"/>
+                </a:solidFill>
+                <a:latin typeface="Consolas" panose="020B0609020204030204" pitchFamily="49" charset="0"/>
+              </a:rPr>
+              <a:t>&lt;descripción&gt;Margarina vegetal tarrina 250g&lt;/descripción&gt; </a:t>
+            </a:r>
+          </a:p>
+          <a:p>
+            <a:r>
+              <a:rPr lang="es-ES" sz="1200" dirty="0">
+                <a:solidFill>
+                  <a:srgbClr val="00B050"/>
+                </a:solidFill>
+                <a:latin typeface="Consolas" panose="020B0609020204030204" pitchFamily="49" charset="0"/>
+              </a:rPr>
+              <a:t>    &lt;/producto&gt; </a:t>
+            </a:r>
+          </a:p>
+          <a:p>
+            <a:r>
+              <a:rPr lang="es-ES" sz="1200" dirty="0">
+                <a:solidFill>
+                  <a:srgbClr val="00B050"/>
+                </a:solidFill>
+                <a:latin typeface="Consolas" panose="020B0609020204030204" pitchFamily="49" charset="0"/>
+              </a:rPr>
+              <a:t>    … </a:t>
+            </a:r>
+          </a:p>
+          <a:p>
+            <a:r>
+              <a:rPr lang="es-ES" sz="1200" dirty="0">
+                <a:solidFill>
+                  <a:srgbClr val="00B050"/>
+                </a:solidFill>
+                <a:latin typeface="Consolas" panose="020B0609020204030204" pitchFamily="49" charset="0"/>
+              </a:rPr>
+              <a:t>  &lt;/productos&gt; </a:t>
+            </a:r>
+          </a:p>
+          <a:p>
+            <a:r>
+              <a:rPr lang="es-ES" sz="1200" dirty="0">
+                <a:solidFill>
+                  <a:srgbClr val="00B050"/>
+                </a:solidFill>
+                <a:latin typeface="Consolas" panose="020B0609020204030204" pitchFamily="49" charset="0"/>
+              </a:rPr>
+              <a:t>  … </a:t>
+            </a:r>
+          </a:p>
+          <a:p>
+            <a:r>
+              <a:rPr lang="es-ES" sz="1200" dirty="0">
+                <a:solidFill>
+                  <a:srgbClr val="00B050"/>
+                </a:solidFill>
+                <a:latin typeface="Consolas" panose="020B0609020204030204" pitchFamily="49" charset="0"/>
+              </a:rPr>
+              <a:t>  &lt;</a:t>
+            </a:r>
+            <a:r>
+              <a:rPr lang="es-ES" sz="1200" dirty="0" err="1">
+                <a:solidFill>
+                  <a:srgbClr val="00B050"/>
+                </a:solidFill>
+                <a:latin typeface="Consolas" panose="020B0609020204030204" pitchFamily="49" charset="0"/>
+              </a:rPr>
+              <a:t>importe_total</a:t>
+            </a:r>
+            <a:r>
+              <a:rPr lang="es-ES" sz="1200" dirty="0">
+                <a:solidFill>
+                  <a:srgbClr val="00B050"/>
+                </a:solidFill>
+                <a:latin typeface="Consolas" panose="020B0609020204030204" pitchFamily="49" charset="0"/>
+              </a:rPr>
+              <a:t>&gt;16,34€&lt;/</a:t>
+            </a:r>
+            <a:r>
+              <a:rPr lang="es-ES" sz="1200" dirty="0" err="1">
+                <a:solidFill>
+                  <a:srgbClr val="00B050"/>
+                </a:solidFill>
+                <a:latin typeface="Consolas" panose="020B0609020204030204" pitchFamily="49" charset="0"/>
+              </a:rPr>
+              <a:t>importe_total</a:t>
+            </a:r>
+            <a:r>
+              <a:rPr lang="es-ES" sz="1200" dirty="0">
+                <a:solidFill>
+                  <a:srgbClr val="00B050"/>
+                </a:solidFill>
+                <a:latin typeface="Consolas" panose="020B0609020204030204" pitchFamily="49" charset="0"/>
+              </a:rPr>
+              <a:t>&gt; </a:t>
+            </a:r>
+          </a:p>
+          <a:p>
+            <a:r>
+              <a:rPr lang="es-ES" sz="1200" dirty="0">
+                <a:solidFill>
+                  <a:srgbClr val="00B050"/>
+                </a:solidFill>
+                <a:latin typeface="Consolas" panose="020B0609020204030204" pitchFamily="49" charset="0"/>
+              </a:rPr>
+              <a:t>&lt;/venta&gt; </a:t>
+            </a:r>
+          </a:p>
+        </p:txBody>
+      </p:sp>
+    </p:spTree>
+    <p:extLst>
+      <p:ext uri="{BB962C8B-B14F-4D97-AF65-F5344CB8AC3E}">
+        <p14:creationId xmlns:p14="http://schemas.microsoft.com/office/powerpoint/2010/main" val="2099118543"/>
+      </p:ext>
+    </p:extLst>
+  </p:cSld>
+  <p:clrMapOvr>
+    <a:masterClrMapping/>
+  </p:clrMapOvr>
+</p:sld>
+</file>
+
+<file path=ppt/slides/slide39.xml><?xml version="1.0" encoding="utf-8"?>
+<p:sld xmlns:a="http://schemas.openxmlformats.org/drawingml/2006/main" xmlns:r="http://schemas.openxmlformats.org/officeDocument/2006/relationships" xmlns:p="http://schemas.openxmlformats.org/presentationml/2006/main">
+  <p:cSld>
+    <p:spTree>
+      <p:nvGrpSpPr>
+        <p:cNvPr id="1" name=""/>
+        <p:cNvGrpSpPr/>
+        <p:nvPr/>
+      </p:nvGrpSpPr>
+      <p:grpSpPr>
+        <a:xfrm>
+          <a:off x="0" y="0"/>
+          <a:ext cx="0" cy="0"/>
+          <a:chOff x="0" y="0"/>
+          <a:chExt cx="0" cy="0"/>
+        </a:xfrm>
+      </p:grpSpPr>
+      <p:sp>
+        <p:nvSpPr>
+          <p:cNvPr id="2" name="Título 1"/>
+          <p:cNvSpPr>
+            <a:spLocks noGrp="1"/>
+          </p:cNvSpPr>
+          <p:nvPr>
+            <p:ph type="title"/>
+          </p:nvPr>
+        </p:nvSpPr>
+        <p:spPr/>
+        <p:txBody>
+          <a:bodyPr/>
+          <a:lstStyle/>
+          <a:p>
+            <a:r>
+              <a:rPr lang="es-ES" dirty="0" err="1"/>
+              <a:t>XPath</a:t>
+            </a:r>
+            <a:r>
+              <a:rPr lang="es-ES" dirty="0"/>
+              <a:t/>
+            </a:r>
+            <a:br>
+              <a:rPr lang="es-ES" dirty="0"/>
+            </a:br>
+            <a:r>
+              <a:rPr lang="es-ES" dirty="0" smtClean="0"/>
+              <a:t>Otras expresiones</a:t>
+            </a:r>
+            <a:endParaRPr lang="es-ES" dirty="0"/>
+          </a:p>
+        </p:txBody>
+      </p:sp>
+      <p:sp>
+        <p:nvSpPr>
+          <p:cNvPr id="3" name="Marcador de contenido 2"/>
+          <p:cNvSpPr>
+            <a:spLocks noGrp="1"/>
+          </p:cNvSpPr>
+          <p:nvPr>
+            <p:ph idx="1"/>
+          </p:nvPr>
+        </p:nvSpPr>
+        <p:spPr/>
+        <p:txBody>
+          <a:bodyPr>
+            <a:normAutofit fontScale="85000" lnSpcReduction="10000"/>
+          </a:bodyPr>
+          <a:lstStyle/>
+          <a:p>
+            <a:r>
+              <a:rPr lang="es-ES" dirty="0" smtClean="0"/>
+              <a:t>Ejemplos:</a:t>
+            </a:r>
+          </a:p>
+          <a:p>
+            <a:pPr lvl="1"/>
+            <a:r>
+              <a:rPr lang="es-ES" dirty="0" smtClean="0"/>
+              <a:t>Contar el número de productos de una venta (devuelve un número)</a:t>
+            </a:r>
+          </a:p>
+          <a:p>
+            <a:pPr lvl="1"/>
+            <a:r>
+              <a:rPr lang="es-ES" dirty="0" smtClean="0"/>
+              <a:t>Comprobar si el número de productos de una venta cumple o no ciertas condiciones (devuelve valor booleano)</a:t>
+            </a:r>
+          </a:p>
+          <a:p>
+            <a:pPr lvl="1"/>
+            <a:r>
+              <a:rPr lang="es-ES" dirty="0" smtClean="0"/>
+              <a:t>Obtener los datos de un producto concreto (2) y los del cliente (devuelve conjunto de nodos)</a:t>
+            </a:r>
+          </a:p>
+          <a:p>
+            <a:pPr lvl="1"/>
+            <a:r>
+              <a:rPr lang="es-ES" dirty="0" smtClean="0"/>
+              <a:t>Comprobar si el valor del código de un producto (2) determinado es correcto (devuelve booleano)</a:t>
+            </a:r>
+          </a:p>
+          <a:p>
+            <a:pPr lvl="1"/>
+            <a:r>
+              <a:rPr lang="es-ES" dirty="0" smtClean="0"/>
+              <a:t>Comprobar si el cliente ha comprado un producto por su código (devuelve booleano)</a:t>
+            </a:r>
+          </a:p>
+          <a:p>
+            <a:pPr lvl="1"/>
+            <a:r>
+              <a:rPr lang="es-ES" dirty="0" smtClean="0"/>
+              <a:t>Obtener el importe de la venta, cambiando la coma por un punto (devuelve cadena de texto)</a:t>
+            </a:r>
+          </a:p>
+        </p:txBody>
+      </p:sp>
+    </p:spTree>
+    <p:extLst>
+      <p:ext uri="{BB962C8B-B14F-4D97-AF65-F5344CB8AC3E}">
+        <p14:creationId xmlns:p14="http://schemas.microsoft.com/office/powerpoint/2010/main" val="1011679003"/>
       </p:ext>
     </p:extLst>
   </p:cSld>
@@ -11390,6 +17711,1161 @@
     <p:extLst>
       <p:ext uri="{BB962C8B-B14F-4D97-AF65-F5344CB8AC3E}">
         <p14:creationId xmlns:p14="http://schemas.microsoft.com/office/powerpoint/2010/main" val="1211254146"/>
+      </p:ext>
+    </p:extLst>
+  </p:cSld>
+  <p:clrMapOvr>
+    <a:masterClrMapping/>
+  </p:clrMapOvr>
+</p:sld>
+</file>
+
+<file path=ppt/slides/slide40.xml><?xml version="1.0" encoding="utf-8"?>
+<p:sld xmlns:a="http://schemas.openxmlformats.org/drawingml/2006/main" xmlns:r="http://schemas.openxmlformats.org/officeDocument/2006/relationships" xmlns:p="http://schemas.openxmlformats.org/presentationml/2006/main">
+  <p:cSld>
+    <p:spTree>
+      <p:nvGrpSpPr>
+        <p:cNvPr id="1" name=""/>
+        <p:cNvGrpSpPr/>
+        <p:nvPr/>
+      </p:nvGrpSpPr>
+      <p:grpSpPr>
+        <a:xfrm>
+          <a:off x="0" y="0"/>
+          <a:ext cx="0" cy="0"/>
+          <a:chOff x="0" y="0"/>
+          <a:chExt cx="0" cy="0"/>
+        </a:xfrm>
+      </p:grpSpPr>
+      <p:sp>
+        <p:nvSpPr>
+          <p:cNvPr id="2" name="Título 1"/>
+          <p:cNvSpPr>
+            <a:spLocks noGrp="1"/>
+          </p:cNvSpPr>
+          <p:nvPr>
+            <p:ph type="title"/>
+          </p:nvPr>
+        </p:nvSpPr>
+        <p:spPr/>
+        <p:txBody>
+          <a:bodyPr/>
+          <a:lstStyle/>
+          <a:p>
+            <a:r>
+              <a:rPr lang="es-ES" dirty="0" err="1"/>
+              <a:t>XPath</a:t>
+            </a:r>
+            <a:r>
+              <a:rPr lang="es-ES" dirty="0"/>
+              <a:t/>
+            </a:r>
+            <a:br>
+              <a:rPr lang="es-ES" dirty="0"/>
+            </a:br>
+            <a:r>
+              <a:rPr lang="es-ES" dirty="0"/>
+              <a:t>Otras expresiones</a:t>
+            </a:r>
+          </a:p>
+        </p:txBody>
+      </p:sp>
+      <p:sp>
+        <p:nvSpPr>
+          <p:cNvPr id="3" name="Marcador de contenido 2"/>
+          <p:cNvSpPr>
+            <a:spLocks noGrp="1"/>
+          </p:cNvSpPr>
+          <p:nvPr>
+            <p:ph idx="1"/>
+          </p:nvPr>
+        </p:nvSpPr>
+        <p:spPr/>
+        <p:txBody>
+          <a:bodyPr/>
+          <a:lstStyle/>
+          <a:p>
+            <a:r>
+              <a:rPr lang="es-ES" dirty="0" smtClean="0"/>
+              <a:t>Soluciones:</a:t>
+            </a:r>
+          </a:p>
+          <a:p>
+            <a:pPr lvl="1"/>
+            <a:r>
+              <a:rPr lang="es-ES" dirty="0" err="1">
+                <a:latin typeface="Consolas" panose="020B0609020204030204" pitchFamily="49" charset="0"/>
+              </a:rPr>
+              <a:t>count</a:t>
+            </a:r>
+            <a:r>
+              <a:rPr lang="es-ES" dirty="0">
+                <a:latin typeface="Consolas" panose="020B0609020204030204" pitchFamily="49" charset="0"/>
+              </a:rPr>
+              <a:t>(//producto</a:t>
+            </a:r>
+            <a:r>
+              <a:rPr lang="es-ES" dirty="0" smtClean="0">
+                <a:latin typeface="Consolas" panose="020B0609020204030204" pitchFamily="49" charset="0"/>
+              </a:rPr>
+              <a:t>)</a:t>
+            </a:r>
+          </a:p>
+          <a:p>
+            <a:pPr lvl="1"/>
+            <a:r>
+              <a:rPr lang="es-ES" dirty="0" err="1" smtClean="0">
+                <a:latin typeface="Consolas" panose="020B0609020204030204" pitchFamily="49" charset="0"/>
+              </a:rPr>
+              <a:t>count</a:t>
+            </a:r>
+            <a:r>
+              <a:rPr lang="es-ES" dirty="0" smtClean="0">
+                <a:latin typeface="Consolas" panose="020B0609020204030204" pitchFamily="49" charset="0"/>
+              </a:rPr>
+              <a:t>(//producto) &gt; 3 and </a:t>
+            </a:r>
+            <a:r>
+              <a:rPr lang="es-ES" dirty="0" err="1" smtClean="0">
+                <a:latin typeface="Consolas" panose="020B0609020204030204" pitchFamily="49" charset="0"/>
+              </a:rPr>
+              <a:t>count</a:t>
+            </a:r>
+            <a:r>
+              <a:rPr lang="es-ES" dirty="0" smtClean="0">
+                <a:latin typeface="Consolas" panose="020B0609020204030204" pitchFamily="49" charset="0"/>
+              </a:rPr>
+              <a:t>(//producto) &lt; 7</a:t>
+            </a:r>
+          </a:p>
+          <a:p>
+            <a:pPr lvl="1"/>
+            <a:r>
+              <a:rPr lang="es-ES" dirty="0" smtClean="0">
+                <a:latin typeface="Consolas" panose="020B0609020204030204" pitchFamily="49" charset="0"/>
+              </a:rPr>
+              <a:t>//producto[2] | //cliente</a:t>
+            </a:r>
+          </a:p>
+          <a:p>
+            <a:pPr lvl="1"/>
+            <a:r>
+              <a:rPr lang="es-ES" dirty="0" smtClean="0">
+                <a:latin typeface="Consolas" panose="020B0609020204030204" pitchFamily="49" charset="0"/>
+              </a:rPr>
+              <a:t>//producto[2]/@</a:t>
+            </a:r>
+            <a:r>
+              <a:rPr lang="es-ES" dirty="0" err="1" smtClean="0">
+                <a:latin typeface="Consolas" panose="020B0609020204030204" pitchFamily="49" charset="0"/>
+              </a:rPr>
+              <a:t>cod</a:t>
+            </a:r>
+            <a:r>
+              <a:rPr lang="es-ES" dirty="0">
+                <a:latin typeface="Consolas" panose="020B0609020204030204" pitchFamily="49" charset="0"/>
+              </a:rPr>
+              <a:t> = “</a:t>
+            </a:r>
+            <a:r>
+              <a:rPr lang="es-ES" dirty="0" smtClean="0">
+                <a:latin typeface="Consolas" panose="020B0609020204030204" pitchFamily="49" charset="0"/>
+              </a:rPr>
+              <a:t>LACT00493112”</a:t>
+            </a:r>
+          </a:p>
+          <a:p>
+            <a:pPr lvl="1"/>
+            <a:r>
+              <a:rPr lang="es-ES" dirty="0">
+                <a:latin typeface="Consolas" panose="020B0609020204030204" pitchFamily="49" charset="0"/>
+              </a:rPr>
+              <a:t>//</a:t>
+            </a:r>
+            <a:r>
+              <a:rPr lang="es-ES" dirty="0" smtClean="0">
+                <a:latin typeface="Consolas" panose="020B0609020204030204" pitchFamily="49" charset="0"/>
+              </a:rPr>
+              <a:t>producto/@</a:t>
+            </a:r>
+            <a:r>
+              <a:rPr lang="es-ES" dirty="0" err="1">
+                <a:latin typeface="Consolas" panose="020B0609020204030204" pitchFamily="49" charset="0"/>
+              </a:rPr>
+              <a:t>cod</a:t>
+            </a:r>
+            <a:r>
+              <a:rPr lang="es-ES" dirty="0">
+                <a:latin typeface="Consolas" panose="020B0609020204030204" pitchFamily="49" charset="0"/>
+              </a:rPr>
+              <a:t> = “LACT00493112</a:t>
+            </a:r>
+            <a:r>
+              <a:rPr lang="es-ES" dirty="0" smtClean="0">
+                <a:latin typeface="Consolas" panose="020B0609020204030204" pitchFamily="49" charset="0"/>
+              </a:rPr>
+              <a:t>”</a:t>
+            </a:r>
+          </a:p>
+          <a:p>
+            <a:pPr lvl="1"/>
+            <a:r>
+              <a:rPr lang="es-ES" dirty="0" err="1" smtClean="0">
+                <a:latin typeface="Consolas" panose="020B0609020204030204" pitchFamily="49" charset="0"/>
+              </a:rPr>
+              <a:t>substring</a:t>
+            </a:r>
+            <a:r>
+              <a:rPr lang="es-ES" dirty="0" smtClean="0">
+                <a:latin typeface="Consolas" panose="020B0609020204030204" pitchFamily="49" charset="0"/>
+              </a:rPr>
+              <a:t>(</a:t>
+            </a:r>
+            <a:r>
+              <a:rPr lang="es-ES" dirty="0" err="1" smtClean="0">
+                <a:latin typeface="Consolas" panose="020B0609020204030204" pitchFamily="49" charset="0"/>
+              </a:rPr>
+              <a:t>translate</a:t>
+            </a:r>
+            <a:r>
+              <a:rPr lang="es-ES" dirty="0" smtClean="0">
+                <a:latin typeface="Consolas" panose="020B0609020204030204" pitchFamily="49" charset="0"/>
+              </a:rPr>
+              <a:t>(/</a:t>
+            </a:r>
+            <a:r>
+              <a:rPr lang="es-ES" dirty="0" smtClean="0">
+                <a:latin typeface="Consolas" panose="020B0609020204030204" pitchFamily="49" charset="0"/>
+              </a:rPr>
+              <a:t>venta/</a:t>
+            </a:r>
+            <a:r>
+              <a:rPr lang="es-ES" dirty="0" err="1" smtClean="0">
+                <a:latin typeface="Consolas" panose="020B0609020204030204" pitchFamily="49" charset="0"/>
+              </a:rPr>
+              <a:t>importe_total</a:t>
+            </a:r>
+            <a:r>
+              <a:rPr lang="es-ES" dirty="0" smtClean="0">
+                <a:latin typeface="Consolas" panose="020B0609020204030204" pitchFamily="49" charset="0"/>
+              </a:rPr>
+              <a:t>,”,”,”.”),</a:t>
+            </a:r>
+            <a:r>
+              <a:rPr lang="es-ES" dirty="0" smtClean="0">
+                <a:latin typeface="Consolas" panose="020B0609020204030204" pitchFamily="49" charset="0"/>
+              </a:rPr>
+              <a:t>1,5)</a:t>
+            </a:r>
+            <a:endParaRPr lang="es-ES" dirty="0">
+              <a:latin typeface="Consolas" panose="020B0609020204030204" pitchFamily="49" charset="0"/>
+            </a:endParaRPr>
+          </a:p>
+          <a:p>
+            <a:pPr lvl="1"/>
+            <a:endParaRPr lang="es-ES" dirty="0">
+              <a:latin typeface="Consolas" panose="020B0609020204030204" pitchFamily="49" charset="0"/>
+            </a:endParaRPr>
+          </a:p>
+          <a:p>
+            <a:pPr lvl="1"/>
+            <a:endParaRPr lang="es-ES" dirty="0"/>
+          </a:p>
+        </p:txBody>
+      </p:sp>
+    </p:spTree>
+    <p:extLst>
+      <p:ext uri="{BB962C8B-B14F-4D97-AF65-F5344CB8AC3E}">
+        <p14:creationId xmlns:p14="http://schemas.microsoft.com/office/powerpoint/2010/main" val="1978909673"/>
+      </p:ext>
+    </p:extLst>
+  </p:cSld>
+  <p:clrMapOvr>
+    <a:masterClrMapping/>
+  </p:clrMapOvr>
+</p:sld>
+</file>
+
+<file path=ppt/slides/slide41.xml><?xml version="1.0" encoding="utf-8"?>
+<p:sld xmlns:a="http://schemas.openxmlformats.org/drawingml/2006/main" xmlns:r="http://schemas.openxmlformats.org/officeDocument/2006/relationships" xmlns:p="http://schemas.openxmlformats.org/presentationml/2006/main">
+  <p:cSld>
+    <p:spTree>
+      <p:nvGrpSpPr>
+        <p:cNvPr id="1" name=""/>
+        <p:cNvGrpSpPr/>
+        <p:nvPr/>
+      </p:nvGrpSpPr>
+      <p:grpSpPr>
+        <a:xfrm>
+          <a:off x="0" y="0"/>
+          <a:ext cx="0" cy="0"/>
+          <a:chOff x="0" y="0"/>
+          <a:chExt cx="0" cy="0"/>
+        </a:xfrm>
+      </p:grpSpPr>
+      <p:sp>
+        <p:nvSpPr>
+          <p:cNvPr id="2" name="Título 1"/>
+          <p:cNvSpPr>
+            <a:spLocks noGrp="1"/>
+          </p:cNvSpPr>
+          <p:nvPr>
+            <p:ph type="title"/>
+          </p:nvPr>
+        </p:nvSpPr>
+        <p:spPr/>
+        <p:txBody>
+          <a:bodyPr/>
+          <a:lstStyle/>
+          <a:p>
+            <a:r>
+              <a:rPr lang="es-ES" dirty="0" err="1" smtClean="0"/>
+              <a:t>Xpath</a:t>
+            </a:r>
+            <a:r>
+              <a:rPr lang="es-ES" dirty="0"/>
+              <a:t/>
+            </a:r>
+            <a:br>
+              <a:rPr lang="es-ES" dirty="0"/>
+            </a:br>
+            <a:r>
+              <a:rPr lang="es-ES" dirty="0" smtClean="0"/>
+              <a:t>Espacios de nombre</a:t>
+            </a:r>
+            <a:endParaRPr lang="es-ES" dirty="0"/>
+          </a:p>
+        </p:txBody>
+      </p:sp>
+      <p:sp>
+        <p:nvSpPr>
+          <p:cNvPr id="3" name="Marcador de contenido 2"/>
+          <p:cNvSpPr>
+            <a:spLocks noGrp="1"/>
+          </p:cNvSpPr>
+          <p:nvPr>
+            <p:ph idx="1"/>
+          </p:nvPr>
+        </p:nvSpPr>
+        <p:spPr/>
+        <p:txBody>
+          <a:bodyPr/>
+          <a:lstStyle/>
+          <a:p>
+            <a:r>
+              <a:rPr lang="es-ES" dirty="0" smtClean="0"/>
+              <a:t>Hay que emplear los prefijos respectivos donde corresponda dentro de las expresiones </a:t>
+            </a:r>
+            <a:r>
+              <a:rPr lang="es-ES" dirty="0" err="1" smtClean="0"/>
+              <a:t>XPath</a:t>
+            </a:r>
+            <a:endParaRPr lang="es-ES" dirty="0"/>
+          </a:p>
+        </p:txBody>
+      </p:sp>
+      <p:sp>
+        <p:nvSpPr>
+          <p:cNvPr id="4" name="Rectángulo 3">
+            <a:extLst>
+              <a:ext uri="{FF2B5EF4-FFF2-40B4-BE49-F238E27FC236}">
+                <a16:creationId xmlns:a16="http://schemas.microsoft.com/office/drawing/2014/main" id="{A764F62B-E74E-4AA2-9992-B0A2FD6E9C45}"/>
+              </a:ext>
+            </a:extLst>
+          </p:cNvPr>
+          <p:cNvSpPr/>
+          <p:nvPr/>
+        </p:nvSpPr>
+        <p:spPr>
+          <a:xfrm>
+            <a:off x="1663206" y="3099839"/>
+            <a:ext cx="8965339" cy="2308324"/>
+          </a:xfrm>
+          <a:prstGeom prst="rect">
+            <a:avLst/>
+          </a:prstGeom>
+          <a:ln>
+            <a:solidFill>
+              <a:srgbClr val="00B050"/>
+            </a:solidFill>
+          </a:ln>
+        </p:spPr>
+        <p:txBody>
+          <a:bodyPr wrap="square">
+            <a:spAutoFit/>
+          </a:bodyPr>
+          <a:lstStyle/>
+          <a:p>
+            <a:r>
+              <a:rPr lang="es-ES" sz="1200" dirty="0">
+                <a:solidFill>
+                  <a:srgbClr val="00B050"/>
+                </a:solidFill>
+                <a:latin typeface="Consolas" panose="020B0609020204030204" pitchFamily="49" charset="0"/>
+              </a:rPr>
+              <a:t>&lt;?</a:t>
+            </a:r>
+            <a:r>
+              <a:rPr lang="es-ES" sz="1200" dirty="0" err="1">
+                <a:solidFill>
+                  <a:srgbClr val="00B050"/>
+                </a:solidFill>
+                <a:latin typeface="Consolas" panose="020B0609020204030204" pitchFamily="49" charset="0"/>
+              </a:rPr>
+              <a:t>xml</a:t>
+            </a:r>
+            <a:r>
+              <a:rPr lang="es-ES" sz="1200" dirty="0">
+                <a:solidFill>
+                  <a:srgbClr val="00B050"/>
+                </a:solidFill>
+                <a:latin typeface="Consolas" panose="020B0609020204030204" pitchFamily="49" charset="0"/>
+              </a:rPr>
+              <a:t> </a:t>
+            </a:r>
+            <a:r>
+              <a:rPr lang="es-ES" sz="1200" dirty="0" err="1">
+                <a:solidFill>
+                  <a:srgbClr val="00B050"/>
+                </a:solidFill>
+                <a:latin typeface="Consolas" panose="020B0609020204030204" pitchFamily="49" charset="0"/>
+              </a:rPr>
+              <a:t>version</a:t>
+            </a:r>
+            <a:r>
+              <a:rPr lang="es-ES" sz="1200" dirty="0">
+                <a:solidFill>
+                  <a:srgbClr val="00B050"/>
+                </a:solidFill>
+                <a:latin typeface="Consolas" panose="020B0609020204030204" pitchFamily="49" charset="0"/>
+              </a:rPr>
+              <a:t>="1.0" </a:t>
+            </a:r>
+            <a:r>
+              <a:rPr lang="es-ES" sz="1200" dirty="0" err="1">
+                <a:solidFill>
+                  <a:srgbClr val="00B050"/>
+                </a:solidFill>
+                <a:latin typeface="Consolas" panose="020B0609020204030204" pitchFamily="49" charset="0"/>
+              </a:rPr>
+              <a:t>encoding</a:t>
+            </a:r>
+            <a:r>
+              <a:rPr lang="es-ES" sz="1200" dirty="0">
+                <a:solidFill>
+                  <a:srgbClr val="00B050"/>
+                </a:solidFill>
+                <a:latin typeface="Consolas" panose="020B0609020204030204" pitchFamily="49" charset="0"/>
+              </a:rPr>
+              <a:t>="utf-8"?&gt; </a:t>
+            </a:r>
+          </a:p>
+          <a:p>
+            <a:r>
+              <a:rPr lang="es-ES" sz="1200" dirty="0">
+                <a:solidFill>
+                  <a:srgbClr val="00B050"/>
+                </a:solidFill>
+                <a:latin typeface="Consolas" panose="020B0609020204030204" pitchFamily="49" charset="0"/>
+              </a:rPr>
+              <a:t>&lt;venta </a:t>
+            </a:r>
+            <a:r>
+              <a:rPr lang="es-ES" sz="1200" dirty="0" err="1">
+                <a:solidFill>
+                  <a:srgbClr val="00B050"/>
+                </a:solidFill>
+                <a:latin typeface="Consolas" panose="020B0609020204030204" pitchFamily="49" charset="0"/>
+              </a:rPr>
+              <a:t>xmlns:pr</a:t>
+            </a:r>
+            <a:r>
+              <a:rPr lang="es-ES" sz="1200" dirty="0">
+                <a:solidFill>
+                  <a:srgbClr val="00B050"/>
+                </a:solidFill>
+                <a:latin typeface="Consolas" panose="020B0609020204030204" pitchFamily="49" charset="0"/>
+              </a:rPr>
+              <a:t>="http://</a:t>
+            </a:r>
+            <a:r>
+              <a:rPr lang="es-ES" sz="1200" dirty="0" smtClean="0">
+                <a:solidFill>
+                  <a:srgbClr val="00B050"/>
+                </a:solidFill>
+                <a:latin typeface="Consolas" panose="020B0609020204030204" pitchFamily="49" charset="0"/>
+              </a:rPr>
+              <a:t>www.latiendadepaco.com/espaciosdenombres/productos</a:t>
+            </a:r>
+            <a:r>
+              <a:rPr lang="es-ES" sz="1200" dirty="0">
+                <a:solidFill>
+                  <a:srgbClr val="00B050"/>
+                </a:solidFill>
+                <a:latin typeface="Consolas" panose="020B0609020204030204" pitchFamily="49" charset="0"/>
+              </a:rPr>
+              <a:t>/"&gt; </a:t>
+            </a:r>
+          </a:p>
+          <a:p>
+            <a:r>
+              <a:rPr lang="es-ES" sz="1200" dirty="0">
+                <a:solidFill>
+                  <a:srgbClr val="00B050"/>
+                </a:solidFill>
+                <a:latin typeface="Consolas" panose="020B0609020204030204" pitchFamily="49" charset="0"/>
+              </a:rPr>
+              <a:t> </a:t>
+            </a:r>
+            <a:r>
+              <a:rPr lang="es-ES" sz="1200" dirty="0" smtClean="0">
+                <a:solidFill>
+                  <a:srgbClr val="00B050"/>
+                </a:solidFill>
+                <a:latin typeface="Consolas" panose="020B0609020204030204" pitchFamily="49" charset="0"/>
+              </a:rPr>
+              <a:t> &lt;</a:t>
+            </a:r>
+            <a:r>
+              <a:rPr lang="es-ES" sz="1200" dirty="0" err="1" smtClean="0">
+                <a:solidFill>
+                  <a:srgbClr val="00B050"/>
+                </a:solidFill>
+                <a:latin typeface="Consolas" panose="020B0609020204030204" pitchFamily="49" charset="0"/>
+              </a:rPr>
+              <a:t>pr:productos</a:t>
+            </a:r>
+            <a:r>
+              <a:rPr lang="es-ES" sz="1200" dirty="0">
+                <a:solidFill>
+                  <a:srgbClr val="00B050"/>
+                </a:solidFill>
+                <a:latin typeface="Consolas" panose="020B0609020204030204" pitchFamily="49" charset="0"/>
+              </a:rPr>
+              <a:t>&gt; </a:t>
+            </a:r>
+          </a:p>
+          <a:p>
+            <a:r>
+              <a:rPr lang="es-ES" sz="1200" dirty="0">
+                <a:solidFill>
+                  <a:srgbClr val="00B050"/>
+                </a:solidFill>
+                <a:latin typeface="Consolas" panose="020B0609020204030204" pitchFamily="49" charset="0"/>
+              </a:rPr>
+              <a:t>    &lt;</a:t>
+            </a:r>
+            <a:r>
+              <a:rPr lang="es-ES" sz="1200" dirty="0" err="1">
+                <a:solidFill>
+                  <a:srgbClr val="00B050"/>
+                </a:solidFill>
+                <a:latin typeface="Consolas" panose="020B0609020204030204" pitchFamily="49" charset="0"/>
+              </a:rPr>
+              <a:t>pr:</a:t>
+            </a:r>
+            <a:r>
+              <a:rPr lang="es-ES" sz="1200" dirty="0" err="1" smtClean="0">
+                <a:solidFill>
+                  <a:srgbClr val="00B050"/>
+                </a:solidFill>
+                <a:latin typeface="Consolas" panose="020B0609020204030204" pitchFamily="49" charset="0"/>
+              </a:rPr>
+              <a:t>producto</a:t>
+            </a:r>
+            <a:r>
+              <a:rPr lang="es-ES" sz="1200" dirty="0" smtClean="0">
+                <a:solidFill>
+                  <a:srgbClr val="00B050"/>
+                </a:solidFill>
+                <a:latin typeface="Consolas" panose="020B0609020204030204" pitchFamily="49" charset="0"/>
+              </a:rPr>
+              <a:t> </a:t>
+            </a:r>
+            <a:r>
+              <a:rPr lang="es-ES" sz="1200" dirty="0" err="1">
+                <a:solidFill>
+                  <a:srgbClr val="00B050"/>
+                </a:solidFill>
+                <a:latin typeface="Consolas" panose="020B0609020204030204" pitchFamily="49" charset="0"/>
+              </a:rPr>
+              <a:t>cod</a:t>
+            </a:r>
+            <a:r>
+              <a:rPr lang="es-ES" sz="1200" dirty="0" smtClean="0">
+                <a:solidFill>
+                  <a:srgbClr val="00B050"/>
+                </a:solidFill>
+                <a:latin typeface="Consolas" panose="020B0609020204030204" pitchFamily="49" charset="0"/>
+              </a:rPr>
+              <a:t>=“</a:t>
+            </a:r>
+            <a:r>
+              <a:rPr lang="es-ES" sz="1200" dirty="0">
+                <a:solidFill>
+                  <a:srgbClr val="00B050"/>
+                </a:solidFill>
+                <a:latin typeface="Consolas" panose="020B0609020204030204" pitchFamily="49" charset="0"/>
+              </a:rPr>
+              <a:t>LACT02330993</a:t>
+            </a:r>
+            <a:r>
+              <a:rPr lang="es-ES" sz="1200" dirty="0" smtClean="0">
+                <a:solidFill>
+                  <a:srgbClr val="00B050"/>
+                </a:solidFill>
+                <a:latin typeface="Consolas" panose="020B0609020204030204" pitchFamily="49" charset="0"/>
+              </a:rPr>
+              <a:t>”&gt;</a:t>
+            </a:r>
+          </a:p>
+          <a:p>
+            <a:r>
+              <a:rPr lang="es-ES" sz="1200" dirty="0">
+                <a:solidFill>
+                  <a:srgbClr val="00B050"/>
+                </a:solidFill>
+                <a:latin typeface="Consolas" panose="020B0609020204030204" pitchFamily="49" charset="0"/>
+              </a:rPr>
+              <a:t>      &lt;</a:t>
+            </a:r>
+            <a:r>
+              <a:rPr lang="es-ES" sz="1200" dirty="0" err="1">
+                <a:solidFill>
+                  <a:srgbClr val="00B050"/>
+                </a:solidFill>
+                <a:latin typeface="Consolas" panose="020B0609020204030204" pitchFamily="49" charset="0"/>
+              </a:rPr>
+              <a:t>pr:descripción</a:t>
+            </a:r>
+            <a:r>
+              <a:rPr lang="es-ES" sz="1200" dirty="0">
+                <a:solidFill>
+                  <a:srgbClr val="00B050"/>
+                </a:solidFill>
+                <a:latin typeface="Consolas" panose="020B0609020204030204" pitchFamily="49" charset="0"/>
+              </a:rPr>
+              <a:t>&gt;Leche entera envase 1L&lt;/</a:t>
+            </a:r>
+            <a:r>
+              <a:rPr lang="es-ES" sz="1200" dirty="0" err="1">
+                <a:solidFill>
+                  <a:srgbClr val="00B050"/>
+                </a:solidFill>
+                <a:latin typeface="Consolas" panose="020B0609020204030204" pitchFamily="49" charset="0"/>
+              </a:rPr>
+              <a:t>pr:descripción</a:t>
+            </a:r>
+            <a:r>
+              <a:rPr lang="es-ES" sz="1200" dirty="0">
+                <a:solidFill>
+                  <a:srgbClr val="00B050"/>
+                </a:solidFill>
+                <a:latin typeface="Consolas" panose="020B0609020204030204" pitchFamily="49" charset="0"/>
+              </a:rPr>
+              <a:t>&gt; </a:t>
+            </a:r>
+          </a:p>
+          <a:p>
+            <a:r>
+              <a:rPr lang="es-ES" sz="1200" dirty="0">
+                <a:solidFill>
+                  <a:srgbClr val="00B050"/>
+                </a:solidFill>
+                <a:latin typeface="Consolas" panose="020B0609020204030204" pitchFamily="49" charset="0"/>
+              </a:rPr>
+              <a:t>    &lt;/</a:t>
+            </a:r>
+            <a:r>
+              <a:rPr lang="es-ES" sz="1200" dirty="0" err="1">
+                <a:solidFill>
+                  <a:srgbClr val="00B050"/>
+                </a:solidFill>
+                <a:latin typeface="Consolas" panose="020B0609020204030204" pitchFamily="49" charset="0"/>
+              </a:rPr>
+              <a:t>pr:producto</a:t>
+            </a:r>
+            <a:r>
+              <a:rPr lang="es-ES" sz="1200" dirty="0">
+                <a:solidFill>
+                  <a:srgbClr val="00B050"/>
+                </a:solidFill>
+                <a:latin typeface="Consolas" panose="020B0609020204030204" pitchFamily="49" charset="0"/>
+              </a:rPr>
+              <a:t>&gt; </a:t>
+            </a:r>
+          </a:p>
+          <a:p>
+            <a:r>
+              <a:rPr lang="es-ES" sz="1200" dirty="0">
+                <a:solidFill>
+                  <a:srgbClr val="00B050"/>
+                </a:solidFill>
+                <a:latin typeface="Consolas" panose="020B0609020204030204" pitchFamily="49" charset="0"/>
+              </a:rPr>
+              <a:t>    &lt;</a:t>
+            </a:r>
+            <a:r>
+              <a:rPr lang="es-ES" sz="1200" dirty="0" err="1">
+                <a:solidFill>
+                  <a:srgbClr val="00B050"/>
+                </a:solidFill>
+                <a:latin typeface="Consolas" panose="020B0609020204030204" pitchFamily="49" charset="0"/>
+              </a:rPr>
+              <a:t>pr:</a:t>
+            </a:r>
+            <a:r>
+              <a:rPr lang="es-ES" sz="1200" dirty="0" err="1" smtClean="0">
+                <a:solidFill>
+                  <a:srgbClr val="00B050"/>
+                </a:solidFill>
+                <a:latin typeface="Consolas" panose="020B0609020204030204" pitchFamily="49" charset="0"/>
+              </a:rPr>
+              <a:t>producto</a:t>
+            </a:r>
+            <a:r>
+              <a:rPr lang="es-ES" sz="1200" dirty="0" smtClean="0">
+                <a:solidFill>
+                  <a:srgbClr val="00B050"/>
+                </a:solidFill>
+                <a:latin typeface="Consolas" panose="020B0609020204030204" pitchFamily="49" charset="0"/>
+              </a:rPr>
+              <a:t> </a:t>
+            </a:r>
+            <a:r>
+              <a:rPr lang="es-ES" sz="1200" dirty="0" err="1" smtClean="0">
+                <a:solidFill>
+                  <a:srgbClr val="00B050"/>
+                </a:solidFill>
+                <a:latin typeface="Consolas" panose="020B0609020204030204" pitchFamily="49" charset="0"/>
+              </a:rPr>
+              <a:t>cod</a:t>
+            </a:r>
+            <a:r>
+              <a:rPr lang="es-ES" sz="1200" dirty="0" smtClean="0">
+                <a:solidFill>
+                  <a:srgbClr val="00B050"/>
+                </a:solidFill>
+                <a:latin typeface="Consolas" panose="020B0609020204030204" pitchFamily="49" charset="0"/>
+              </a:rPr>
+              <a:t>=“</a:t>
+            </a:r>
+            <a:r>
+              <a:rPr lang="es-ES" sz="1200" dirty="0">
+                <a:solidFill>
+                  <a:srgbClr val="00B050"/>
+                </a:solidFill>
+                <a:latin typeface="Consolas" panose="020B0609020204030204" pitchFamily="49" charset="0"/>
+              </a:rPr>
+              <a:t>LACT00493112</a:t>
+            </a:r>
+            <a:r>
+              <a:rPr lang="es-ES" sz="1200" dirty="0" smtClean="0">
+                <a:solidFill>
+                  <a:srgbClr val="00B050"/>
+                </a:solidFill>
+                <a:latin typeface="Consolas" panose="020B0609020204030204" pitchFamily="49" charset="0"/>
+              </a:rPr>
+              <a:t>”&gt; </a:t>
+            </a:r>
+            <a:endParaRPr lang="es-ES" sz="1200" dirty="0">
+              <a:solidFill>
+                <a:srgbClr val="00B050"/>
+              </a:solidFill>
+              <a:latin typeface="Consolas" panose="020B0609020204030204" pitchFamily="49" charset="0"/>
+            </a:endParaRPr>
+          </a:p>
+          <a:p>
+            <a:r>
+              <a:rPr lang="es-ES" sz="1200" dirty="0">
+                <a:solidFill>
+                  <a:srgbClr val="00B050"/>
+                </a:solidFill>
+                <a:latin typeface="Consolas" panose="020B0609020204030204" pitchFamily="49" charset="0"/>
+              </a:rPr>
+              <a:t>      &lt;</a:t>
+            </a:r>
+            <a:r>
+              <a:rPr lang="es-ES" sz="1200" dirty="0" err="1">
+                <a:solidFill>
+                  <a:srgbClr val="00B050"/>
+                </a:solidFill>
+                <a:latin typeface="Consolas" panose="020B0609020204030204" pitchFamily="49" charset="0"/>
+              </a:rPr>
+              <a:t>pr:descripción</a:t>
+            </a:r>
+            <a:r>
+              <a:rPr lang="es-ES" sz="1200" dirty="0">
+                <a:solidFill>
+                  <a:srgbClr val="00B050"/>
+                </a:solidFill>
+                <a:latin typeface="Consolas" panose="020B0609020204030204" pitchFamily="49" charset="0"/>
+              </a:rPr>
+              <a:t>&gt;Margarina vegetal tarrina 250g&lt;/</a:t>
+            </a:r>
+            <a:r>
+              <a:rPr lang="es-ES" sz="1200" dirty="0" err="1">
+                <a:solidFill>
+                  <a:srgbClr val="00B050"/>
+                </a:solidFill>
+                <a:latin typeface="Consolas" panose="020B0609020204030204" pitchFamily="49" charset="0"/>
+              </a:rPr>
+              <a:t>pr:descripción</a:t>
+            </a:r>
+            <a:r>
+              <a:rPr lang="es-ES" sz="1200" dirty="0">
+                <a:solidFill>
+                  <a:srgbClr val="00B050"/>
+                </a:solidFill>
+                <a:latin typeface="Consolas" panose="020B0609020204030204" pitchFamily="49" charset="0"/>
+              </a:rPr>
+              <a:t>&gt; </a:t>
+            </a:r>
+          </a:p>
+          <a:p>
+            <a:r>
+              <a:rPr lang="es-ES" sz="1200" dirty="0">
+                <a:solidFill>
+                  <a:srgbClr val="00B050"/>
+                </a:solidFill>
+                <a:latin typeface="Consolas" panose="020B0609020204030204" pitchFamily="49" charset="0"/>
+              </a:rPr>
+              <a:t>    &lt;/</a:t>
+            </a:r>
+            <a:r>
+              <a:rPr lang="es-ES" sz="1200" dirty="0" err="1">
+                <a:solidFill>
+                  <a:srgbClr val="00B050"/>
+                </a:solidFill>
+                <a:latin typeface="Consolas" panose="020B0609020204030204" pitchFamily="49" charset="0"/>
+              </a:rPr>
+              <a:t>pr:producto</a:t>
+            </a:r>
+            <a:r>
+              <a:rPr lang="es-ES" sz="1200" dirty="0">
+                <a:solidFill>
+                  <a:srgbClr val="00B050"/>
+                </a:solidFill>
+                <a:latin typeface="Consolas" panose="020B0609020204030204" pitchFamily="49" charset="0"/>
+              </a:rPr>
+              <a:t>&gt; </a:t>
+            </a:r>
+          </a:p>
+          <a:p>
+            <a:r>
+              <a:rPr lang="es-ES" sz="1200" dirty="0">
+                <a:solidFill>
+                  <a:srgbClr val="00B050"/>
+                </a:solidFill>
+                <a:latin typeface="Consolas" panose="020B0609020204030204" pitchFamily="49" charset="0"/>
+              </a:rPr>
+              <a:t>  &lt;/</a:t>
+            </a:r>
+            <a:r>
+              <a:rPr lang="es-ES" sz="1200" dirty="0" err="1">
+                <a:solidFill>
+                  <a:srgbClr val="00B050"/>
+                </a:solidFill>
+                <a:latin typeface="Consolas" panose="020B0609020204030204" pitchFamily="49" charset="0"/>
+              </a:rPr>
+              <a:t>pr:productos</a:t>
+            </a:r>
+            <a:r>
+              <a:rPr lang="es-ES" sz="1200" dirty="0">
+                <a:solidFill>
+                  <a:srgbClr val="00B050"/>
+                </a:solidFill>
+                <a:latin typeface="Consolas" panose="020B0609020204030204" pitchFamily="49" charset="0"/>
+              </a:rPr>
+              <a:t>&gt; </a:t>
+            </a:r>
+          </a:p>
+          <a:p>
+            <a:r>
+              <a:rPr lang="es-ES" sz="1200" dirty="0">
+                <a:solidFill>
+                  <a:srgbClr val="00B050"/>
+                </a:solidFill>
+                <a:latin typeface="Consolas" panose="020B0609020204030204" pitchFamily="49" charset="0"/>
+              </a:rPr>
+              <a:t>  &lt;</a:t>
+            </a:r>
+            <a:r>
+              <a:rPr lang="es-ES" sz="1200" dirty="0" err="1">
+                <a:solidFill>
+                  <a:srgbClr val="00B050"/>
+                </a:solidFill>
+                <a:latin typeface="Consolas" panose="020B0609020204030204" pitchFamily="49" charset="0"/>
+              </a:rPr>
+              <a:t>importe_total</a:t>
+            </a:r>
+            <a:r>
+              <a:rPr lang="es-ES" sz="1200" dirty="0">
+                <a:solidFill>
+                  <a:srgbClr val="00B050"/>
+                </a:solidFill>
+                <a:latin typeface="Consolas" panose="020B0609020204030204" pitchFamily="49" charset="0"/>
+              </a:rPr>
+              <a:t>&gt;16,34€&lt;/</a:t>
+            </a:r>
+            <a:r>
+              <a:rPr lang="es-ES" sz="1200" dirty="0" err="1">
+                <a:solidFill>
+                  <a:srgbClr val="00B050"/>
+                </a:solidFill>
+                <a:latin typeface="Consolas" panose="020B0609020204030204" pitchFamily="49" charset="0"/>
+              </a:rPr>
+              <a:t>importe_total</a:t>
+            </a:r>
+            <a:r>
+              <a:rPr lang="es-ES" sz="1200" dirty="0">
+                <a:solidFill>
+                  <a:srgbClr val="00B050"/>
+                </a:solidFill>
+                <a:latin typeface="Consolas" panose="020B0609020204030204" pitchFamily="49" charset="0"/>
+              </a:rPr>
+              <a:t>&gt; </a:t>
+            </a:r>
+          </a:p>
+          <a:p>
+            <a:r>
+              <a:rPr lang="es-ES" sz="1200" dirty="0">
+                <a:solidFill>
+                  <a:srgbClr val="00B050"/>
+                </a:solidFill>
+                <a:latin typeface="Consolas" panose="020B0609020204030204" pitchFamily="49" charset="0"/>
+              </a:rPr>
+              <a:t>&lt;/venta&gt; </a:t>
+            </a:r>
+          </a:p>
+        </p:txBody>
+      </p:sp>
+    </p:spTree>
+    <p:extLst>
+      <p:ext uri="{BB962C8B-B14F-4D97-AF65-F5344CB8AC3E}">
+        <p14:creationId xmlns:p14="http://schemas.microsoft.com/office/powerpoint/2010/main" val="3502352186"/>
+      </p:ext>
+    </p:extLst>
+  </p:cSld>
+  <p:clrMapOvr>
+    <a:masterClrMapping/>
+  </p:clrMapOvr>
+</p:sld>
+</file>
+
+<file path=ppt/slides/slide42.xml><?xml version="1.0" encoding="utf-8"?>
+<p:sld xmlns:a="http://schemas.openxmlformats.org/drawingml/2006/main" xmlns:r="http://schemas.openxmlformats.org/officeDocument/2006/relationships" xmlns:p="http://schemas.openxmlformats.org/presentationml/2006/main">
+  <p:cSld>
+    <p:spTree>
+      <p:nvGrpSpPr>
+        <p:cNvPr id="1" name=""/>
+        <p:cNvGrpSpPr/>
+        <p:nvPr/>
+      </p:nvGrpSpPr>
+      <p:grpSpPr>
+        <a:xfrm>
+          <a:off x="0" y="0"/>
+          <a:ext cx="0" cy="0"/>
+          <a:chOff x="0" y="0"/>
+          <a:chExt cx="0" cy="0"/>
+        </a:xfrm>
+      </p:grpSpPr>
+      <p:sp>
+        <p:nvSpPr>
+          <p:cNvPr id="2" name="Título 1"/>
+          <p:cNvSpPr>
+            <a:spLocks noGrp="1"/>
+          </p:cNvSpPr>
+          <p:nvPr>
+            <p:ph type="title"/>
+          </p:nvPr>
+        </p:nvSpPr>
+        <p:spPr/>
+        <p:txBody>
+          <a:bodyPr/>
+          <a:lstStyle/>
+          <a:p>
+            <a:r>
+              <a:rPr lang="es-ES" dirty="0" err="1"/>
+              <a:t>Xpath</a:t>
+            </a:r>
+            <a:r>
+              <a:rPr lang="es-ES" dirty="0"/>
+              <a:t/>
+            </a:r>
+            <a:br>
+              <a:rPr lang="es-ES" dirty="0"/>
+            </a:br>
+            <a:r>
+              <a:rPr lang="es-ES" dirty="0"/>
+              <a:t>Espacios de nombre</a:t>
+            </a:r>
+          </a:p>
+        </p:txBody>
+      </p:sp>
+      <p:sp>
+        <p:nvSpPr>
+          <p:cNvPr id="3" name="Marcador de contenido 2"/>
+          <p:cNvSpPr>
+            <a:spLocks noGrp="1"/>
+          </p:cNvSpPr>
+          <p:nvPr>
+            <p:ph idx="1"/>
+          </p:nvPr>
+        </p:nvSpPr>
+        <p:spPr/>
+        <p:txBody>
+          <a:bodyPr>
+            <a:normAutofit fontScale="92500"/>
+          </a:bodyPr>
+          <a:lstStyle/>
+          <a:p>
+            <a:r>
+              <a:rPr lang="es-ES" dirty="0" smtClean="0"/>
+              <a:t>Conjunto de nodos correspondiente a todos los productos </a:t>
+            </a:r>
+            <a:r>
+              <a:rPr lang="es-ES" dirty="0"/>
+              <a:t>(devuelve conjunto de nodos)</a:t>
+            </a:r>
+            <a:endParaRPr lang="es-ES" dirty="0" smtClean="0"/>
+          </a:p>
+          <a:p>
+            <a:pPr lvl="1"/>
+            <a:r>
+              <a:rPr lang="es-ES" dirty="0" smtClean="0">
+                <a:latin typeface="Consolas" panose="020B0609020204030204" pitchFamily="49" charset="0"/>
+              </a:rPr>
+              <a:t>//</a:t>
+            </a:r>
+            <a:r>
+              <a:rPr lang="es-ES" dirty="0" err="1" smtClean="0">
+                <a:latin typeface="Consolas" panose="020B0609020204030204" pitchFamily="49" charset="0"/>
+              </a:rPr>
+              <a:t>pr:producto</a:t>
+            </a:r>
+            <a:endParaRPr lang="es-ES" dirty="0" smtClean="0">
+              <a:latin typeface="Consolas" panose="020B0609020204030204" pitchFamily="49" charset="0"/>
+            </a:endParaRPr>
+          </a:p>
+          <a:p>
+            <a:r>
+              <a:rPr lang="es-ES" dirty="0"/>
+              <a:t>Comprobar si el número de productos de una venta cumple o no ciertas condiciones (devuelve valor booleano</a:t>
+            </a:r>
+            <a:r>
+              <a:rPr lang="es-ES" dirty="0" smtClean="0"/>
+              <a:t>)</a:t>
+            </a:r>
+          </a:p>
+          <a:p>
+            <a:pPr lvl="1"/>
+            <a:r>
+              <a:rPr lang="es-ES" dirty="0" err="1">
+                <a:latin typeface="Consolas" panose="020B0609020204030204" pitchFamily="49" charset="0"/>
+              </a:rPr>
+              <a:t>count</a:t>
+            </a:r>
+            <a:r>
+              <a:rPr lang="es-ES" dirty="0" smtClean="0">
+                <a:latin typeface="Consolas" panose="020B0609020204030204" pitchFamily="49" charset="0"/>
+              </a:rPr>
+              <a:t>(//</a:t>
+            </a:r>
+            <a:r>
+              <a:rPr lang="es-ES" dirty="0" err="1" smtClean="0">
+                <a:latin typeface="Consolas" panose="020B0609020204030204" pitchFamily="49" charset="0"/>
+              </a:rPr>
+              <a:t>pr:producto</a:t>
+            </a:r>
+            <a:r>
+              <a:rPr lang="es-ES" dirty="0">
+                <a:latin typeface="Consolas" panose="020B0609020204030204" pitchFamily="49" charset="0"/>
+              </a:rPr>
+              <a:t>) &gt; 3 and </a:t>
+            </a:r>
+            <a:r>
+              <a:rPr lang="es-ES" dirty="0" err="1">
+                <a:latin typeface="Consolas" panose="020B0609020204030204" pitchFamily="49" charset="0"/>
+              </a:rPr>
+              <a:t>count</a:t>
+            </a:r>
+            <a:r>
+              <a:rPr lang="es-ES" dirty="0" smtClean="0">
+                <a:latin typeface="Consolas" panose="020B0609020204030204" pitchFamily="49" charset="0"/>
+              </a:rPr>
+              <a:t>(//</a:t>
+            </a:r>
+            <a:r>
+              <a:rPr lang="es-ES" dirty="0" err="1" smtClean="0">
+                <a:latin typeface="Consolas" panose="020B0609020204030204" pitchFamily="49" charset="0"/>
+              </a:rPr>
+              <a:t>pr:producto</a:t>
+            </a:r>
+            <a:r>
+              <a:rPr lang="es-ES" dirty="0">
+                <a:latin typeface="Consolas" panose="020B0609020204030204" pitchFamily="49" charset="0"/>
+              </a:rPr>
+              <a:t>) &lt; 7</a:t>
+            </a:r>
+            <a:endParaRPr lang="es-ES" dirty="0"/>
+          </a:p>
+          <a:p>
+            <a:r>
+              <a:rPr lang="es-ES" dirty="0"/>
+              <a:t>Obtener los datos de un producto concreto (2) </a:t>
+            </a:r>
+            <a:r>
+              <a:rPr lang="es-ES" dirty="0" smtClean="0"/>
+              <a:t>(</a:t>
+            </a:r>
+            <a:r>
+              <a:rPr lang="es-ES" dirty="0"/>
+              <a:t>devuelve conjunto de nodos</a:t>
+            </a:r>
+            <a:r>
+              <a:rPr lang="es-ES" dirty="0" smtClean="0"/>
+              <a:t>)</a:t>
+            </a:r>
+          </a:p>
+          <a:p>
+            <a:pPr lvl="1"/>
+            <a:r>
+              <a:rPr lang="es-ES" dirty="0" smtClean="0">
+                <a:latin typeface="Consolas" panose="020B0609020204030204" pitchFamily="49" charset="0"/>
+              </a:rPr>
+              <a:t>//</a:t>
+            </a:r>
+            <a:r>
+              <a:rPr lang="es-ES" dirty="0" err="1" smtClean="0">
+                <a:latin typeface="Consolas" panose="020B0609020204030204" pitchFamily="49" charset="0"/>
+              </a:rPr>
+              <a:t>pr:producto</a:t>
+            </a:r>
+            <a:r>
+              <a:rPr lang="es-ES" dirty="0" smtClean="0">
+                <a:latin typeface="Consolas" panose="020B0609020204030204" pitchFamily="49" charset="0"/>
+              </a:rPr>
+              <a:t>[2</a:t>
+            </a:r>
+            <a:r>
+              <a:rPr lang="es-ES" dirty="0">
+                <a:latin typeface="Consolas" panose="020B0609020204030204" pitchFamily="49" charset="0"/>
+              </a:rPr>
+              <a:t>]</a:t>
+            </a:r>
+            <a:endParaRPr lang="es-ES" dirty="0"/>
+          </a:p>
+          <a:p>
+            <a:pPr lvl="1"/>
+            <a:endParaRPr lang="es-ES" dirty="0"/>
+          </a:p>
+        </p:txBody>
+      </p:sp>
+    </p:spTree>
+    <p:extLst>
+      <p:ext uri="{BB962C8B-B14F-4D97-AF65-F5344CB8AC3E}">
+        <p14:creationId xmlns:p14="http://schemas.microsoft.com/office/powerpoint/2010/main" val="2373412126"/>
       </p:ext>
     </p:extLst>
   </p:cSld>
